--- a/chinese/5yue爸爸媽媽的愛.pptx
+++ b/chinese/5yue爸爸媽媽的愛.pptx
@@ -7,14 +7,14 @@
   <p:sldIdLst>
     <p:sldId id="259" r:id="rId2"/>
     <p:sldId id="261" r:id="rId3"/>
-    <p:sldId id="262" r:id="rId4"/>
-    <p:sldId id="256" r:id="rId5"/>
-    <p:sldId id="263" r:id="rId6"/>
-    <p:sldId id="257" r:id="rId7"/>
-    <p:sldId id="264" r:id="rId8"/>
-    <p:sldId id="265" r:id="rId9"/>
-    <p:sldId id="258" r:id="rId10"/>
-    <p:sldId id="266" r:id="rId11"/>
+    <p:sldId id="263" r:id="rId4"/>
+    <p:sldId id="262" r:id="rId5"/>
+    <p:sldId id="264" r:id="rId6"/>
+    <p:sldId id="265" r:id="rId7"/>
+    <p:sldId id="266" r:id="rId8"/>
+    <p:sldId id="256" r:id="rId9"/>
+    <p:sldId id="257" r:id="rId10"/>
+    <p:sldId id="258" r:id="rId11"/>
     <p:sldId id="260" r:id="rId12"/>
   </p:sldIdLst>
   <p:sldSz cx="9144000" cy="6858000" type="screen4x3"/>
@@ -299,7 +299,7 @@
             <a:fld id="{D4EABC14-B68E-4C3B-B8AD-8C5282EF8135}" type="datetimeFigureOut">
               <a:rPr lang="zh-TW" altLang="en-US" smtClean="0"/>
               <a:pPr/>
-              <a:t>2019/4/3</a:t>
+              <a:t>2019/4/12</a:t>
             </a:fld>
             <a:endParaRPr lang="zh-TW" altLang="en-US"/>
           </a:p>
@@ -351,7 +351,7 @@
     </p:spTree>
     <p:extLst>
       <p:ext uri="{BB962C8B-B14F-4D97-AF65-F5344CB8AC3E}">
-        <p14:creationId xmlns:p14="http://schemas.microsoft.com/office/powerpoint/2010/main" xmlns="" val="3987380341"/>
+        <p14:creationId xmlns="" xmlns:p14="http://schemas.microsoft.com/office/powerpoint/2010/main" val="3987380341"/>
       </p:ext>
     </p:extLst>
   </p:cSld>
@@ -471,7 +471,7 @@
             <a:fld id="{D4EABC14-B68E-4C3B-B8AD-8C5282EF8135}" type="datetimeFigureOut">
               <a:rPr lang="zh-TW" altLang="en-US" smtClean="0"/>
               <a:pPr/>
-              <a:t>2019/4/3</a:t>
+              <a:t>2019/4/12</a:t>
             </a:fld>
             <a:endParaRPr lang="zh-TW" altLang="en-US"/>
           </a:p>
@@ -523,7 +523,7 @@
     </p:spTree>
     <p:extLst>
       <p:ext uri="{BB962C8B-B14F-4D97-AF65-F5344CB8AC3E}">
-        <p14:creationId xmlns:p14="http://schemas.microsoft.com/office/powerpoint/2010/main" xmlns="" val="828767586"/>
+        <p14:creationId xmlns="" xmlns:p14="http://schemas.microsoft.com/office/powerpoint/2010/main" val="828767586"/>
       </p:ext>
     </p:extLst>
   </p:cSld>
@@ -653,7 +653,7 @@
             <a:fld id="{D4EABC14-B68E-4C3B-B8AD-8C5282EF8135}" type="datetimeFigureOut">
               <a:rPr lang="zh-TW" altLang="en-US" smtClean="0"/>
               <a:pPr/>
-              <a:t>2019/4/3</a:t>
+              <a:t>2019/4/12</a:t>
             </a:fld>
             <a:endParaRPr lang="zh-TW" altLang="en-US"/>
           </a:p>
@@ -705,7 +705,7 @@
     </p:spTree>
     <p:extLst>
       <p:ext uri="{BB962C8B-B14F-4D97-AF65-F5344CB8AC3E}">
-        <p14:creationId xmlns:p14="http://schemas.microsoft.com/office/powerpoint/2010/main" xmlns="" val="1428038572"/>
+        <p14:creationId xmlns="" xmlns:p14="http://schemas.microsoft.com/office/powerpoint/2010/main" val="1428038572"/>
       </p:ext>
     </p:extLst>
   </p:cSld>
@@ -825,7 +825,7 @@
             <a:fld id="{D4EABC14-B68E-4C3B-B8AD-8C5282EF8135}" type="datetimeFigureOut">
               <a:rPr lang="zh-TW" altLang="en-US" smtClean="0"/>
               <a:pPr/>
-              <a:t>2019/4/3</a:t>
+              <a:t>2019/4/12</a:t>
             </a:fld>
             <a:endParaRPr lang="zh-TW" altLang="en-US"/>
           </a:p>
@@ -877,7 +877,7 @@
     </p:spTree>
     <p:extLst>
       <p:ext uri="{BB962C8B-B14F-4D97-AF65-F5344CB8AC3E}">
-        <p14:creationId xmlns:p14="http://schemas.microsoft.com/office/powerpoint/2010/main" xmlns="" val="4065945759"/>
+        <p14:creationId xmlns="" xmlns:p14="http://schemas.microsoft.com/office/powerpoint/2010/main" val="4065945759"/>
       </p:ext>
     </p:extLst>
   </p:cSld>
@@ -1073,7 +1073,7 @@
             <a:fld id="{D4EABC14-B68E-4C3B-B8AD-8C5282EF8135}" type="datetimeFigureOut">
               <a:rPr lang="zh-TW" altLang="en-US" smtClean="0"/>
               <a:pPr/>
-              <a:t>2019/4/3</a:t>
+              <a:t>2019/4/12</a:t>
             </a:fld>
             <a:endParaRPr lang="zh-TW" altLang="en-US"/>
           </a:p>
@@ -1125,7 +1125,7 @@
     </p:spTree>
     <p:extLst>
       <p:ext uri="{BB962C8B-B14F-4D97-AF65-F5344CB8AC3E}">
-        <p14:creationId xmlns:p14="http://schemas.microsoft.com/office/powerpoint/2010/main" xmlns="" val="1981551054"/>
+        <p14:creationId xmlns="" xmlns:p14="http://schemas.microsoft.com/office/powerpoint/2010/main" val="1981551054"/>
       </p:ext>
     </p:extLst>
   </p:cSld>
@@ -1363,7 +1363,7 @@
             <a:fld id="{D4EABC14-B68E-4C3B-B8AD-8C5282EF8135}" type="datetimeFigureOut">
               <a:rPr lang="zh-TW" altLang="en-US" smtClean="0"/>
               <a:pPr/>
-              <a:t>2019/4/3</a:t>
+              <a:t>2019/4/12</a:t>
             </a:fld>
             <a:endParaRPr lang="zh-TW" altLang="en-US"/>
           </a:p>
@@ -1415,7 +1415,7 @@
     </p:spTree>
     <p:extLst>
       <p:ext uri="{BB962C8B-B14F-4D97-AF65-F5344CB8AC3E}">
-        <p14:creationId xmlns:p14="http://schemas.microsoft.com/office/powerpoint/2010/main" xmlns="" val="3847143970"/>
+        <p14:creationId xmlns="" xmlns:p14="http://schemas.microsoft.com/office/powerpoint/2010/main" val="3847143970"/>
       </p:ext>
     </p:extLst>
   </p:cSld>
@@ -1787,7 +1787,7 @@
             <a:fld id="{D4EABC14-B68E-4C3B-B8AD-8C5282EF8135}" type="datetimeFigureOut">
               <a:rPr lang="zh-TW" altLang="en-US" smtClean="0"/>
               <a:pPr/>
-              <a:t>2019/4/3</a:t>
+              <a:t>2019/4/12</a:t>
             </a:fld>
             <a:endParaRPr lang="zh-TW" altLang="en-US"/>
           </a:p>
@@ -1839,7 +1839,7 @@
     </p:spTree>
     <p:extLst>
       <p:ext uri="{BB962C8B-B14F-4D97-AF65-F5344CB8AC3E}">
-        <p14:creationId xmlns:p14="http://schemas.microsoft.com/office/powerpoint/2010/main" xmlns="" val="3448237330"/>
+        <p14:creationId xmlns="" xmlns:p14="http://schemas.microsoft.com/office/powerpoint/2010/main" val="3448237330"/>
       </p:ext>
     </p:extLst>
   </p:cSld>
@@ -1907,7 +1907,7 @@
             <a:fld id="{D4EABC14-B68E-4C3B-B8AD-8C5282EF8135}" type="datetimeFigureOut">
               <a:rPr lang="zh-TW" altLang="en-US" smtClean="0"/>
               <a:pPr/>
-              <a:t>2019/4/3</a:t>
+              <a:t>2019/4/12</a:t>
             </a:fld>
             <a:endParaRPr lang="zh-TW" altLang="en-US"/>
           </a:p>
@@ -1959,7 +1959,7 @@
     </p:spTree>
     <p:extLst>
       <p:ext uri="{BB962C8B-B14F-4D97-AF65-F5344CB8AC3E}">
-        <p14:creationId xmlns:p14="http://schemas.microsoft.com/office/powerpoint/2010/main" xmlns="" val="115254862"/>
+        <p14:creationId xmlns="" xmlns:p14="http://schemas.microsoft.com/office/powerpoint/2010/main" val="115254862"/>
       </p:ext>
     </p:extLst>
   </p:cSld>
@@ -2004,7 +2004,7 @@
             <a:fld id="{D4EABC14-B68E-4C3B-B8AD-8C5282EF8135}" type="datetimeFigureOut">
               <a:rPr lang="zh-TW" altLang="en-US" smtClean="0"/>
               <a:pPr/>
-              <a:t>2019/4/3</a:t>
+              <a:t>2019/4/12</a:t>
             </a:fld>
             <a:endParaRPr lang="zh-TW" altLang="en-US"/>
           </a:p>
@@ -2056,7 +2056,7 @@
     </p:spTree>
     <p:extLst>
       <p:ext uri="{BB962C8B-B14F-4D97-AF65-F5344CB8AC3E}">
-        <p14:creationId xmlns:p14="http://schemas.microsoft.com/office/powerpoint/2010/main" xmlns="" val="1649272805"/>
+        <p14:creationId xmlns="" xmlns:p14="http://schemas.microsoft.com/office/powerpoint/2010/main" val="1649272805"/>
       </p:ext>
     </p:extLst>
   </p:cSld>
@@ -2283,7 +2283,7 @@
             <a:fld id="{D4EABC14-B68E-4C3B-B8AD-8C5282EF8135}" type="datetimeFigureOut">
               <a:rPr lang="zh-TW" altLang="en-US" smtClean="0"/>
               <a:pPr/>
-              <a:t>2019/4/3</a:t>
+              <a:t>2019/4/12</a:t>
             </a:fld>
             <a:endParaRPr lang="zh-TW" altLang="en-US"/>
           </a:p>
@@ -2335,7 +2335,7 @@
     </p:spTree>
     <p:extLst>
       <p:ext uri="{BB962C8B-B14F-4D97-AF65-F5344CB8AC3E}">
-        <p14:creationId xmlns:p14="http://schemas.microsoft.com/office/powerpoint/2010/main" xmlns="" val="207423461"/>
+        <p14:creationId xmlns="" xmlns:p14="http://schemas.microsoft.com/office/powerpoint/2010/main" val="207423461"/>
       </p:ext>
     </p:extLst>
   </p:cSld>
@@ -2538,7 +2538,7 @@
             <a:fld id="{D4EABC14-B68E-4C3B-B8AD-8C5282EF8135}" type="datetimeFigureOut">
               <a:rPr lang="zh-TW" altLang="en-US" smtClean="0"/>
               <a:pPr/>
-              <a:t>2019/4/3</a:t>
+              <a:t>2019/4/12</a:t>
             </a:fld>
             <a:endParaRPr lang="zh-TW" altLang="en-US"/>
           </a:p>
@@ -2590,7 +2590,7 @@
     </p:spTree>
     <p:extLst>
       <p:ext uri="{BB962C8B-B14F-4D97-AF65-F5344CB8AC3E}">
-        <p14:creationId xmlns:p14="http://schemas.microsoft.com/office/powerpoint/2010/main" xmlns="" val="4107650426"/>
+        <p14:creationId xmlns="" xmlns:p14="http://schemas.microsoft.com/office/powerpoint/2010/main" val="4107650426"/>
       </p:ext>
     </p:extLst>
   </p:cSld>
@@ -2753,7 +2753,7 @@
             <a:fld id="{D4EABC14-B68E-4C3B-B8AD-8C5282EF8135}" type="datetimeFigureOut">
               <a:rPr lang="zh-TW" altLang="en-US" smtClean="0"/>
               <a:pPr/>
-              <a:t>2019/4/3</a:t>
+              <a:t>2019/4/12</a:t>
             </a:fld>
             <a:endParaRPr lang="zh-TW" altLang="en-US"/>
           </a:p>
@@ -2841,7 +2841,7 @@
     </p:spTree>
     <p:extLst>
       <p:ext uri="{BB962C8B-B14F-4D97-AF65-F5344CB8AC3E}">
-        <p14:creationId xmlns:p14="http://schemas.microsoft.com/office/powerpoint/2010/main" xmlns="" val="1852851687"/>
+        <p14:creationId xmlns="" xmlns:p14="http://schemas.microsoft.com/office/powerpoint/2010/main" val="1852851687"/>
       </p:ext>
     </p:extLst>
   </p:cSld>
@@ -3141,7 +3141,7 @@
           <a:blip r:embed="rId2">
             <a:extLst>
               <a:ext uri="{28A0092B-C50C-407E-A947-70E740481C1C}">
-                <a14:useLocalDpi xmlns:a14="http://schemas.microsoft.com/office/drawing/2010/main" xmlns="" val="0"/>
+                <a14:useLocalDpi xmlns="" xmlns:a14="http://schemas.microsoft.com/office/drawing/2010/main" val="0"/>
               </a:ext>
             </a:extLst>
           </a:blip>
@@ -3161,7 +3161,7 @@
           <a:noFill/>
           <a:extLst>
             <a:ext uri="{909E8E84-426E-40DD-AFC4-6F175D3DCCD1}">
-              <a14:hiddenFill xmlns:a14="http://schemas.microsoft.com/office/drawing/2010/main" xmlns="">
+              <a14:hiddenFill xmlns="" xmlns:a14="http://schemas.microsoft.com/office/drawing/2010/main">
                 <a:solidFill>
                   <a:srgbClr val="FFFFFF"/>
                 </a:solidFill>
@@ -3243,7 +3243,7 @@
     </p:spTree>
     <p:extLst>
       <p:ext uri="{BB962C8B-B14F-4D97-AF65-F5344CB8AC3E}">
-        <p14:creationId xmlns:p14="http://schemas.microsoft.com/office/powerpoint/2010/main" xmlns="" val="1085457488"/>
+        <p14:creationId xmlns="" xmlns:p14="http://schemas.microsoft.com/office/powerpoint/2010/main" val="1085457488"/>
       </p:ext>
     </p:extLst>
   </p:cSld>
@@ -3289,7 +3289,7 @@
           <a:blip r:embed="rId2">
             <a:extLst>
               <a:ext uri="{28A0092B-C50C-407E-A947-70E740481C1C}">
-                <a14:useLocalDpi xmlns:a14="http://schemas.microsoft.com/office/drawing/2010/main" xmlns="" val="0"/>
+                <a14:useLocalDpi xmlns="" xmlns:a14="http://schemas.microsoft.com/office/drawing/2010/main" val="0"/>
               </a:ext>
             </a:extLst>
           </a:blip>
@@ -3309,7 +3309,7 @@
           <a:noFill/>
           <a:extLst>
             <a:ext uri="{909E8E84-426E-40DD-AFC4-6F175D3DCCD1}">
-              <a14:hiddenFill xmlns:a14="http://schemas.microsoft.com/office/drawing/2010/main" xmlns="">
+              <a14:hiddenFill xmlns="" xmlns:a14="http://schemas.microsoft.com/office/drawing/2010/main">
                 <a:solidFill>
                   <a:srgbClr val="FFFFFF"/>
                 </a:solidFill>
@@ -3320,76 +3320,80 @@
       </p:pic>
       <p:sp>
         <p:nvSpPr>
-          <p:cNvPr id="7" name="文字方塊 6"/>
-          <p:cNvSpPr txBox="1"/>
-          <p:nvPr/>
+          <p:cNvPr id="3" name="副標題 2"/>
+          <p:cNvSpPr>
+            <a:spLocks noGrp="1"/>
+          </p:cNvSpPr>
+          <p:nvPr>
+            <p:ph type="subTitle" idx="1"/>
+          </p:nvPr>
         </p:nvSpPr>
         <p:spPr>
           <a:xfrm>
-            <a:off x="500034" y="571480"/>
-            <a:ext cx="3643338" cy="4985980"/>
+            <a:off x="519440" y="751012"/>
+            <a:ext cx="8136904" cy="5328592"/>
           </a:xfrm>
-          <a:prstGeom prst="rect">
-            <a:avLst/>
-          </a:prstGeom>
-          <a:noFill/>
         </p:spPr>
         <p:txBody>
-          <a:bodyPr wrap="square" rtlCol="0">
-            <a:spAutoFit/>
+          <a:bodyPr>
+            <a:normAutofit/>
           </a:bodyPr>
           <a:lstStyle/>
           <a:p>
-            <a:pPr fontAlgn="base"/>
-            <a:r>
-              <a:rPr lang="zh-CN" altLang="en-US" sz="6600" b="1" dirty="0" smtClean="0">
+            <a:pPr algn="l" fontAlgn="base"/>
+            <a:r>
+              <a:rPr lang="zh-TW" altLang="en-US" sz="4800" b="1" dirty="0">
                 <a:solidFill>
                   <a:srgbClr val="C00000"/>
                 </a:solidFill>
-                <a:effectLst>
-                  <a:outerShdw blurRad="38100" dist="38100" dir="2700000" algn="tl">
-                    <a:srgbClr val="000000">
-                      <a:alpha val="43137"/>
-                    </a:srgbClr>
-                  </a:outerShdw>
-                </a:effectLst>
-                <a:latin typeface="標楷體" pitchFamily="65" charset="-120"/>
-                <a:ea typeface="標楷體" pitchFamily="65" charset="-120"/>
-                <a:cs typeface="Tahoma" pitchFamily="34" charset="0"/>
-              </a:rPr>
-              <a:t>帶著</a:t>
-            </a:r>
-            <a:endParaRPr lang="en-US" altLang="zh-CN" sz="6600" b="1" dirty="0" smtClean="0">
+                <a:latin typeface="Adobe 楷体 Std R" pitchFamily="18" charset="-128"/>
+                <a:ea typeface="Adobe 楷体 Std R" pitchFamily="18" charset="-128"/>
+              </a:rPr>
+              <a:t>我</a:t>
+            </a:r>
+            <a:r>
+              <a:rPr lang="zh-TW" altLang="en-US" sz="4800" b="1" dirty="0" smtClean="0">
+                <a:solidFill>
+                  <a:srgbClr val="C00000"/>
+                </a:solidFill>
+                <a:latin typeface="Adobe 楷体 Std R" pitchFamily="18" charset="-128"/>
+                <a:ea typeface="Adobe 楷体 Std R" pitchFamily="18" charset="-128"/>
+              </a:rPr>
+              <a:t>一步一步 向  前</a:t>
+            </a:r>
+            <a:r>
+              <a:rPr lang="zh-TW" altLang="en-US" sz="4800" b="1" dirty="0">
+                <a:solidFill>
+                  <a:srgbClr val="C00000"/>
+                </a:solidFill>
+                <a:latin typeface="Adobe 楷体 Std R" pitchFamily="18" charset="-128"/>
+                <a:ea typeface="Adobe 楷体 Std R" pitchFamily="18" charset="-128"/>
+              </a:rPr>
+              <a:t>走</a:t>
+            </a:r>
+            <a:endParaRPr lang="en-US" altLang="zh-TW" sz="4800" b="1" dirty="0">
               <a:solidFill>
                 <a:srgbClr val="C00000"/>
               </a:solidFill>
-              <a:effectLst>
-                <a:outerShdw blurRad="38100" dist="38100" dir="2700000" algn="tl">
-                  <a:srgbClr val="000000">
-                    <a:alpha val="43137"/>
-                  </a:srgbClr>
-                </a:outerShdw>
-              </a:effectLst>
-              <a:latin typeface="標楷體" pitchFamily="65" charset="-120"/>
-              <a:ea typeface="標楷體" pitchFamily="65" charset="-120"/>
-              <a:cs typeface="Tahoma" pitchFamily="34" charset="0"/>
+              <a:latin typeface="Adobe 楷体 Std R" pitchFamily="18" charset="-128"/>
+              <a:ea typeface="Adobe 楷体 Std R" pitchFamily="18" charset="-128"/>
             </a:endParaRPr>
           </a:p>
           <a:p>
-            <a:pPr fontAlgn="base"/>
-            <a:r>
-              <a:rPr lang="en-US" altLang="zh-TW" sz="4000" dirty="0" err="1" smtClean="0">
-                <a:solidFill>
-                  <a:srgbClr val="002060"/>
-                </a:solidFill>
-                <a:latin typeface="Tahoma" pitchFamily="34" charset="0"/>
-                <a:ea typeface="Tahoma" pitchFamily="34" charset="0"/>
-                <a:cs typeface="Tahoma" pitchFamily="34" charset="0"/>
-              </a:rPr>
-              <a:t>Dài</a:t>
-            </a:r>
-            <a:r>
-              <a:rPr lang="en-US" altLang="zh-TW" sz="4000" dirty="0" smtClean="0">
+            <a:pPr algn="l" fontAlgn="base"/>
+            <a:r>
+              <a:rPr lang="en-US" altLang="zh-TW" sz="2800" dirty="0" err="1">
+                <a:solidFill>
+                  <a:srgbClr val="002060"/>
+                </a:solidFill>
+                <a:latin typeface="Tahoma" pitchFamily="34" charset="0"/>
+                <a:ea typeface="Tahoma" pitchFamily="34" charset="0"/>
+                <a:cs typeface="Tahoma" pitchFamily="34" charset="0"/>
+              </a:rPr>
+              <a:t>Wǒ</a:t>
+            </a:r>
+            <a:r>
+              <a:rPr lang="en-US" altLang="zh-TW" sz="2800" dirty="0">
                 <a:solidFill>
                   <a:srgbClr val="002060"/>
                 </a:solidFill>
@@ -3400,7 +3404,393 @@
               <a:t> </a:t>
             </a:r>
             <a:r>
-              <a:rPr lang="en-US" altLang="zh-TW" sz="4000" dirty="0" err="1" smtClean="0">
+              <a:rPr lang="en-US" altLang="zh-TW" sz="2800" dirty="0" smtClean="0">
+                <a:solidFill>
+                  <a:srgbClr val="002060"/>
+                </a:solidFill>
+                <a:latin typeface="Tahoma" pitchFamily="34" charset="0"/>
+                <a:ea typeface="Tahoma" pitchFamily="34" charset="0"/>
+                <a:cs typeface="Tahoma" pitchFamily="34" charset="0"/>
+              </a:rPr>
+              <a:t>  </a:t>
+            </a:r>
+            <a:r>
+              <a:rPr lang="en-US" altLang="zh-TW" sz="2800" dirty="0" err="1" smtClean="0">
+                <a:solidFill>
+                  <a:srgbClr val="002060"/>
+                </a:solidFill>
+                <a:latin typeface="Tahoma" pitchFamily="34" charset="0"/>
+                <a:ea typeface="Tahoma" pitchFamily="34" charset="0"/>
+                <a:cs typeface="Tahoma" pitchFamily="34" charset="0"/>
+              </a:rPr>
+              <a:t>yī</a:t>
+            </a:r>
+            <a:r>
+              <a:rPr lang="en-US" altLang="zh-TW" sz="2800" dirty="0" smtClean="0">
+                <a:solidFill>
+                  <a:srgbClr val="002060"/>
+                </a:solidFill>
+                <a:latin typeface="Tahoma" pitchFamily="34" charset="0"/>
+                <a:ea typeface="Tahoma" pitchFamily="34" charset="0"/>
+                <a:cs typeface="Tahoma" pitchFamily="34" charset="0"/>
+              </a:rPr>
+              <a:t>  </a:t>
+            </a:r>
+            <a:r>
+              <a:rPr lang="en-US" altLang="zh-TW" sz="2800" dirty="0" err="1" smtClean="0">
+                <a:solidFill>
+                  <a:srgbClr val="002060"/>
+                </a:solidFill>
+                <a:latin typeface="Tahoma" pitchFamily="34" charset="0"/>
+                <a:ea typeface="Tahoma" pitchFamily="34" charset="0"/>
+                <a:cs typeface="Tahoma" pitchFamily="34" charset="0"/>
+              </a:rPr>
+              <a:t>bù</a:t>
+            </a:r>
+            <a:r>
+              <a:rPr lang="en-US" altLang="zh-TW" sz="2800" dirty="0" smtClean="0">
+                <a:solidFill>
+                  <a:srgbClr val="002060"/>
+                </a:solidFill>
+                <a:latin typeface="Tahoma" pitchFamily="34" charset="0"/>
+                <a:ea typeface="Tahoma" pitchFamily="34" charset="0"/>
+                <a:cs typeface="Tahoma" pitchFamily="34" charset="0"/>
+              </a:rPr>
+              <a:t>   </a:t>
+            </a:r>
+            <a:r>
+              <a:rPr lang="en-US" altLang="zh-TW" sz="2800" dirty="0" err="1" smtClean="0">
+                <a:solidFill>
+                  <a:srgbClr val="002060"/>
+                </a:solidFill>
+                <a:latin typeface="Tahoma" pitchFamily="34" charset="0"/>
+                <a:ea typeface="Tahoma" pitchFamily="34" charset="0"/>
+                <a:cs typeface="Tahoma" pitchFamily="34" charset="0"/>
+              </a:rPr>
+              <a:t>yī</a:t>
+            </a:r>
+            <a:r>
+              <a:rPr lang="en-US" altLang="zh-TW" sz="2800" dirty="0" smtClean="0">
+                <a:solidFill>
+                  <a:srgbClr val="002060"/>
+                </a:solidFill>
+                <a:latin typeface="Tahoma" pitchFamily="34" charset="0"/>
+                <a:ea typeface="Tahoma" pitchFamily="34" charset="0"/>
+                <a:cs typeface="Tahoma" pitchFamily="34" charset="0"/>
+              </a:rPr>
+              <a:t>   </a:t>
+            </a:r>
+            <a:r>
+              <a:rPr lang="en-US" altLang="zh-TW" sz="2800" dirty="0" err="1" smtClean="0">
+                <a:solidFill>
+                  <a:srgbClr val="002060"/>
+                </a:solidFill>
+                <a:latin typeface="Tahoma" pitchFamily="34" charset="0"/>
+                <a:ea typeface="Tahoma" pitchFamily="34" charset="0"/>
+                <a:cs typeface="Tahoma" pitchFamily="34" charset="0"/>
+              </a:rPr>
+              <a:t>bù</a:t>
+            </a:r>
+            <a:r>
+              <a:rPr lang="en-US" altLang="zh-TW" sz="2800" dirty="0" smtClean="0">
+                <a:solidFill>
+                  <a:srgbClr val="002060"/>
+                </a:solidFill>
+                <a:latin typeface="Tahoma" pitchFamily="34" charset="0"/>
+                <a:ea typeface="Tahoma" pitchFamily="34" charset="0"/>
+                <a:cs typeface="Tahoma" pitchFamily="34" charset="0"/>
+              </a:rPr>
+              <a:t> </a:t>
+            </a:r>
+            <a:r>
+              <a:rPr lang="en-US" altLang="zh-TW" sz="2800" dirty="0" err="1">
+                <a:solidFill>
+                  <a:srgbClr val="002060"/>
+                </a:solidFill>
+                <a:latin typeface="Tahoma" pitchFamily="34" charset="0"/>
+                <a:ea typeface="Tahoma" pitchFamily="34" charset="0"/>
+                <a:cs typeface="Tahoma" pitchFamily="34" charset="0"/>
+              </a:rPr>
+              <a:t>xiàng</a:t>
+            </a:r>
+            <a:r>
+              <a:rPr lang="en-US" altLang="zh-TW" sz="2800" dirty="0">
+                <a:solidFill>
+                  <a:srgbClr val="002060"/>
+                </a:solidFill>
+                <a:latin typeface="Tahoma" pitchFamily="34" charset="0"/>
+                <a:ea typeface="Tahoma" pitchFamily="34" charset="0"/>
+                <a:cs typeface="Tahoma" pitchFamily="34" charset="0"/>
+              </a:rPr>
+              <a:t> </a:t>
+            </a:r>
+            <a:r>
+              <a:rPr lang="en-US" altLang="zh-TW" sz="2800" dirty="0" err="1">
+                <a:solidFill>
+                  <a:srgbClr val="002060"/>
+                </a:solidFill>
+                <a:latin typeface="Tahoma" pitchFamily="34" charset="0"/>
+                <a:ea typeface="Tahoma" pitchFamily="34" charset="0"/>
+                <a:cs typeface="Tahoma" pitchFamily="34" charset="0"/>
+              </a:rPr>
+              <a:t>qián</a:t>
+            </a:r>
+            <a:r>
+              <a:rPr lang="en-US" altLang="zh-TW" sz="2800" dirty="0">
+                <a:solidFill>
+                  <a:srgbClr val="002060"/>
+                </a:solidFill>
+                <a:latin typeface="Tahoma" pitchFamily="34" charset="0"/>
+                <a:ea typeface="Tahoma" pitchFamily="34" charset="0"/>
+                <a:cs typeface="Tahoma" pitchFamily="34" charset="0"/>
+              </a:rPr>
+              <a:t> </a:t>
+            </a:r>
+            <a:r>
+              <a:rPr lang="en-US" altLang="zh-TW" sz="2800" dirty="0" err="1">
+                <a:solidFill>
+                  <a:srgbClr val="002060"/>
+                </a:solidFill>
+                <a:latin typeface="Tahoma" pitchFamily="34" charset="0"/>
+                <a:ea typeface="Tahoma" pitchFamily="34" charset="0"/>
+                <a:cs typeface="Tahoma" pitchFamily="34" charset="0"/>
+              </a:rPr>
+              <a:t>zǒu</a:t>
+            </a:r>
+            <a:r>
+              <a:rPr lang="zh-TW" altLang="en-US" sz="2400" b="1" dirty="0">
+                <a:solidFill>
+                  <a:srgbClr val="C00000"/>
+                </a:solidFill>
+                <a:latin typeface="Tahoma" pitchFamily="34" charset="0"/>
+                <a:ea typeface="Tahoma" pitchFamily="34" charset="0"/>
+                <a:cs typeface="Tahoma" pitchFamily="34" charset="0"/>
+              </a:rPr>
+              <a:t/>
+            </a:r>
+            <a:br>
+              <a:rPr lang="zh-TW" altLang="en-US" sz="2400" b="1" dirty="0">
+                <a:solidFill>
+                  <a:srgbClr val="C00000"/>
+                </a:solidFill>
+                <a:latin typeface="Tahoma" pitchFamily="34" charset="0"/>
+                <a:ea typeface="Tahoma" pitchFamily="34" charset="0"/>
+                <a:cs typeface="Tahoma" pitchFamily="34" charset="0"/>
+              </a:rPr>
+            </a:br>
+            <a:r>
+              <a:rPr lang="zh-TW" altLang="en-US" sz="4800" b="1" dirty="0">
+                <a:solidFill>
+                  <a:srgbClr val="C00000"/>
+                </a:solidFill>
+                <a:latin typeface="Adobe 楷体 Std R" pitchFamily="18" charset="-128"/>
+                <a:ea typeface="Adobe 楷体 Std R" pitchFamily="18" charset="-128"/>
+              </a:rPr>
+              <a:t>謝謝你們的愛</a:t>
+            </a:r>
+            <a:endParaRPr lang="en-US" altLang="zh-TW" sz="4800" b="1" dirty="0">
+              <a:solidFill>
+                <a:srgbClr val="C00000"/>
+              </a:solidFill>
+              <a:latin typeface="Adobe 楷体 Std R" pitchFamily="18" charset="-128"/>
+              <a:ea typeface="Adobe 楷体 Std R" pitchFamily="18" charset="-128"/>
+            </a:endParaRPr>
+          </a:p>
+          <a:p>
+            <a:pPr algn="l" fontAlgn="base"/>
+            <a:r>
+              <a:rPr lang="en-US" altLang="zh-TW" sz="2800" dirty="0" err="1" smtClean="0">
+                <a:solidFill>
+                  <a:srgbClr val="002060"/>
+                </a:solidFill>
+                <a:latin typeface="Tahoma" pitchFamily="34" charset="0"/>
+                <a:ea typeface="Tahoma" pitchFamily="34" charset="0"/>
+                <a:cs typeface="Tahoma" pitchFamily="34" charset="0"/>
+              </a:rPr>
+              <a:t>Xiè</a:t>
+            </a:r>
+            <a:r>
+              <a:rPr lang="en-US" altLang="zh-TW" sz="2800" dirty="0" smtClean="0">
+                <a:solidFill>
+                  <a:srgbClr val="002060"/>
+                </a:solidFill>
+                <a:latin typeface="Tahoma" pitchFamily="34" charset="0"/>
+                <a:ea typeface="Tahoma" pitchFamily="34" charset="0"/>
+                <a:cs typeface="Tahoma" pitchFamily="34" charset="0"/>
+              </a:rPr>
+              <a:t>  </a:t>
+            </a:r>
+            <a:r>
+              <a:rPr lang="en-US" altLang="zh-TW" sz="2800" dirty="0" err="1" smtClean="0">
+                <a:solidFill>
+                  <a:srgbClr val="002060"/>
+                </a:solidFill>
+                <a:latin typeface="Tahoma" pitchFamily="34" charset="0"/>
+                <a:ea typeface="Tahoma" pitchFamily="34" charset="0"/>
+                <a:cs typeface="Tahoma" pitchFamily="34" charset="0"/>
+              </a:rPr>
+              <a:t>xiè</a:t>
+            </a:r>
+            <a:r>
+              <a:rPr lang="en-US" altLang="zh-TW" sz="2800" dirty="0" smtClean="0">
+                <a:solidFill>
+                  <a:srgbClr val="002060"/>
+                </a:solidFill>
+                <a:latin typeface="Tahoma" pitchFamily="34" charset="0"/>
+                <a:ea typeface="Tahoma" pitchFamily="34" charset="0"/>
+                <a:cs typeface="Tahoma" pitchFamily="34" charset="0"/>
+              </a:rPr>
+              <a:t>  </a:t>
+            </a:r>
+            <a:r>
+              <a:rPr lang="en-US" altLang="zh-TW" sz="2800" dirty="0" err="1" smtClean="0">
+                <a:solidFill>
+                  <a:srgbClr val="002060"/>
+                </a:solidFill>
+                <a:latin typeface="Tahoma" pitchFamily="34" charset="0"/>
+                <a:ea typeface="Tahoma" pitchFamily="34" charset="0"/>
+                <a:cs typeface="Tahoma" pitchFamily="34" charset="0"/>
+              </a:rPr>
+              <a:t>nǐ</a:t>
+            </a:r>
+            <a:r>
+              <a:rPr lang="en-US" altLang="zh-TW" sz="2800" dirty="0" smtClean="0">
+                <a:solidFill>
+                  <a:srgbClr val="002060"/>
+                </a:solidFill>
+                <a:latin typeface="Tahoma" pitchFamily="34" charset="0"/>
+                <a:ea typeface="Tahoma" pitchFamily="34" charset="0"/>
+                <a:cs typeface="Tahoma" pitchFamily="34" charset="0"/>
+              </a:rPr>
+              <a:t>  men </a:t>
+            </a:r>
+            <a:r>
+              <a:rPr lang="en-US" altLang="zh-TW" sz="2800" dirty="0">
+                <a:solidFill>
+                  <a:srgbClr val="002060"/>
+                </a:solidFill>
+                <a:latin typeface="Tahoma" pitchFamily="34" charset="0"/>
+                <a:ea typeface="Tahoma" pitchFamily="34" charset="0"/>
+                <a:cs typeface="Tahoma" pitchFamily="34" charset="0"/>
+              </a:rPr>
+              <a:t>de </a:t>
+            </a:r>
+            <a:r>
+              <a:rPr lang="en-US" altLang="zh-TW" sz="2800" dirty="0" err="1">
+                <a:solidFill>
+                  <a:srgbClr val="002060"/>
+                </a:solidFill>
+                <a:latin typeface="Tahoma" pitchFamily="34" charset="0"/>
+                <a:ea typeface="Tahoma" pitchFamily="34" charset="0"/>
+                <a:cs typeface="Tahoma" pitchFamily="34" charset="0"/>
+              </a:rPr>
+              <a:t>ài</a:t>
+            </a:r>
+            <a:r>
+              <a:rPr lang="zh-TW" altLang="en-US" dirty="0"/>
+              <a:t/>
+            </a:r>
+            <a:br>
+              <a:rPr lang="zh-TW" altLang="en-US" dirty="0"/>
+            </a:br>
+            <a:r>
+              <a:rPr lang="zh-TW" altLang="en-US" sz="4800" b="1" dirty="0">
+                <a:solidFill>
+                  <a:srgbClr val="C00000"/>
+                </a:solidFill>
+                <a:latin typeface="Adobe 楷体 Std R" pitchFamily="18" charset="-128"/>
+                <a:ea typeface="Adobe 楷体 Std R" pitchFamily="18" charset="-128"/>
+              </a:rPr>
+              <a:t>回頭看著</a:t>
+            </a:r>
+            <a:r>
+              <a:rPr lang="zh-TW" altLang="en-US" sz="4800" b="1" dirty="0" smtClean="0">
+                <a:solidFill>
+                  <a:srgbClr val="C00000"/>
+                </a:solidFill>
+                <a:latin typeface="Adobe 楷体 Std R" pitchFamily="18" charset="-128"/>
+                <a:ea typeface="Adobe 楷体 Std R" pitchFamily="18" charset="-128"/>
+              </a:rPr>
+              <a:t>你們  笑容</a:t>
+            </a:r>
+            <a:endParaRPr lang="en-US" altLang="zh-TW" sz="4800" b="1" dirty="0">
+              <a:solidFill>
+                <a:srgbClr val="C00000"/>
+              </a:solidFill>
+              <a:latin typeface="Adobe 楷体 Std R" pitchFamily="18" charset="-128"/>
+              <a:ea typeface="Adobe 楷体 Std R" pitchFamily="18" charset="-128"/>
+            </a:endParaRPr>
+          </a:p>
+          <a:p>
+            <a:pPr algn="l" fontAlgn="base"/>
+            <a:r>
+              <a:rPr lang="en-US" altLang="zh-TW" sz="2800" dirty="0" err="1" smtClean="0">
+                <a:solidFill>
+                  <a:srgbClr val="002060"/>
+                </a:solidFill>
+                <a:latin typeface="Tahoma" pitchFamily="34" charset="0"/>
+                <a:ea typeface="Tahoma" pitchFamily="34" charset="0"/>
+                <a:cs typeface="Tahoma" pitchFamily="34" charset="0"/>
+              </a:rPr>
+              <a:t>Huí</a:t>
+            </a:r>
+            <a:r>
+              <a:rPr lang="en-US" altLang="zh-TW" sz="2800" dirty="0" smtClean="0">
+                <a:solidFill>
+                  <a:srgbClr val="002060"/>
+                </a:solidFill>
+                <a:latin typeface="Tahoma" pitchFamily="34" charset="0"/>
+                <a:ea typeface="Tahoma" pitchFamily="34" charset="0"/>
+                <a:cs typeface="Tahoma" pitchFamily="34" charset="0"/>
+              </a:rPr>
+              <a:t>  </a:t>
+            </a:r>
+            <a:r>
+              <a:rPr lang="en-US" altLang="zh-TW" sz="2800" dirty="0" err="1" smtClean="0">
+                <a:solidFill>
+                  <a:srgbClr val="002060"/>
+                </a:solidFill>
+                <a:latin typeface="Tahoma" pitchFamily="34" charset="0"/>
+                <a:ea typeface="Tahoma" pitchFamily="34" charset="0"/>
+                <a:cs typeface="Tahoma" pitchFamily="34" charset="0"/>
+              </a:rPr>
+              <a:t>tóu</a:t>
+            </a:r>
+            <a:r>
+              <a:rPr lang="en-US" altLang="zh-TW" sz="2800" dirty="0" smtClean="0">
+                <a:solidFill>
+                  <a:srgbClr val="002060"/>
+                </a:solidFill>
+                <a:latin typeface="Tahoma" pitchFamily="34" charset="0"/>
+                <a:ea typeface="Tahoma" pitchFamily="34" charset="0"/>
+                <a:cs typeface="Tahoma" pitchFamily="34" charset="0"/>
+              </a:rPr>
+              <a:t> </a:t>
+            </a:r>
+            <a:r>
+              <a:rPr lang="en-US" altLang="zh-TW" sz="2800" dirty="0" err="1" smtClean="0">
+                <a:solidFill>
+                  <a:srgbClr val="002060"/>
+                </a:solidFill>
+                <a:latin typeface="Tahoma" pitchFamily="34" charset="0"/>
+                <a:ea typeface="Tahoma" pitchFamily="34" charset="0"/>
+                <a:cs typeface="Tahoma" pitchFamily="34" charset="0"/>
+              </a:rPr>
+              <a:t>kàn</a:t>
+            </a:r>
+            <a:r>
+              <a:rPr lang="en-US" altLang="zh-TW" sz="2800" dirty="0" smtClean="0">
+                <a:solidFill>
+                  <a:srgbClr val="002060"/>
+                </a:solidFill>
+                <a:latin typeface="Tahoma" pitchFamily="34" charset="0"/>
+                <a:ea typeface="Tahoma" pitchFamily="34" charset="0"/>
+                <a:cs typeface="Tahoma" pitchFamily="34" charset="0"/>
+              </a:rPr>
+              <a:t> </a:t>
+            </a:r>
+            <a:r>
+              <a:rPr lang="en-US" altLang="zh-TW" sz="2800" dirty="0" err="1" smtClean="0">
                 <a:solidFill>
                   <a:srgbClr val="002060"/>
                 </a:solidFill>
@@ -3410,7 +3800,267 @@
               </a:rPr>
               <a:t>zhe</a:t>
             </a:r>
-            <a:endParaRPr lang="en-US" altLang="zh-TW" sz="4000" dirty="0" smtClean="0">
+            <a:r>
+              <a:rPr lang="en-US" altLang="zh-TW" sz="2800" dirty="0" smtClean="0">
+                <a:solidFill>
+                  <a:srgbClr val="002060"/>
+                </a:solidFill>
+                <a:latin typeface="Tahoma" pitchFamily="34" charset="0"/>
+                <a:ea typeface="Tahoma" pitchFamily="34" charset="0"/>
+                <a:cs typeface="Tahoma" pitchFamily="34" charset="0"/>
+              </a:rPr>
+              <a:t> </a:t>
+            </a:r>
+            <a:r>
+              <a:rPr lang="en-US" altLang="zh-TW" sz="2800" dirty="0" err="1" smtClean="0">
+                <a:solidFill>
+                  <a:srgbClr val="002060"/>
+                </a:solidFill>
+                <a:latin typeface="Tahoma" pitchFamily="34" charset="0"/>
+                <a:ea typeface="Tahoma" pitchFamily="34" charset="0"/>
+                <a:cs typeface="Tahoma" pitchFamily="34" charset="0"/>
+              </a:rPr>
+              <a:t>nǐ</a:t>
+            </a:r>
+            <a:r>
+              <a:rPr lang="en-US" altLang="zh-TW" sz="2800" dirty="0" smtClean="0">
+                <a:solidFill>
+                  <a:srgbClr val="002060"/>
+                </a:solidFill>
+                <a:latin typeface="Tahoma" pitchFamily="34" charset="0"/>
+                <a:ea typeface="Tahoma" pitchFamily="34" charset="0"/>
+                <a:cs typeface="Tahoma" pitchFamily="34" charset="0"/>
+              </a:rPr>
+              <a:t> men </a:t>
+            </a:r>
+            <a:r>
+              <a:rPr lang="en-US" altLang="zh-TW" sz="2800" dirty="0" err="1" smtClean="0">
+                <a:solidFill>
+                  <a:srgbClr val="002060"/>
+                </a:solidFill>
+                <a:latin typeface="Tahoma" pitchFamily="34" charset="0"/>
+                <a:ea typeface="Tahoma" pitchFamily="34" charset="0"/>
+                <a:cs typeface="Tahoma" pitchFamily="34" charset="0"/>
+              </a:rPr>
+              <a:t>xiào</a:t>
+            </a:r>
+            <a:r>
+              <a:rPr lang="en-US" altLang="zh-TW" sz="2800" dirty="0" smtClean="0">
+                <a:solidFill>
+                  <a:srgbClr val="002060"/>
+                </a:solidFill>
+                <a:latin typeface="Tahoma" pitchFamily="34" charset="0"/>
+                <a:ea typeface="Tahoma" pitchFamily="34" charset="0"/>
+                <a:cs typeface="Tahoma" pitchFamily="34" charset="0"/>
+              </a:rPr>
+              <a:t> </a:t>
+            </a:r>
+            <a:r>
+              <a:rPr lang="en-US" altLang="zh-TW" sz="2800" dirty="0" err="1" smtClean="0">
+                <a:solidFill>
+                  <a:srgbClr val="002060"/>
+                </a:solidFill>
+                <a:latin typeface="Tahoma" pitchFamily="34" charset="0"/>
+                <a:ea typeface="Tahoma" pitchFamily="34" charset="0"/>
+                <a:cs typeface="Tahoma" pitchFamily="34" charset="0"/>
+              </a:rPr>
+              <a:t>róng</a:t>
+            </a:r>
+            <a:r>
+              <a:rPr lang="zh-TW" altLang="en-US" sz="2400" b="1" dirty="0">
+                <a:solidFill>
+                  <a:srgbClr val="C00000"/>
+                </a:solidFill>
+                <a:latin typeface="Tahoma" pitchFamily="34" charset="0"/>
+                <a:ea typeface="Tahoma" pitchFamily="34" charset="0"/>
+                <a:cs typeface="Tahoma" pitchFamily="34" charset="0"/>
+              </a:rPr>
+              <a:t/>
+            </a:r>
+            <a:br>
+              <a:rPr lang="zh-TW" altLang="en-US" sz="2400" b="1" dirty="0">
+                <a:solidFill>
+                  <a:srgbClr val="C00000"/>
+                </a:solidFill>
+                <a:latin typeface="Tahoma" pitchFamily="34" charset="0"/>
+                <a:ea typeface="Tahoma" pitchFamily="34" charset="0"/>
+                <a:cs typeface="Tahoma" pitchFamily="34" charset="0"/>
+              </a:rPr>
+            </a:br>
+            <a:r>
+              <a:rPr lang="zh-TW" altLang="en-US" sz="4800" b="1" dirty="0">
+                <a:solidFill>
+                  <a:srgbClr val="C00000"/>
+                </a:solidFill>
+                <a:latin typeface="Adobe 楷体 Std R" pitchFamily="18" charset="-128"/>
+                <a:ea typeface="Adobe 楷体 Std R" pitchFamily="18" charset="-128"/>
+              </a:rPr>
+              <a:t>用愛</a:t>
+            </a:r>
+            <a:r>
+              <a:rPr lang="zh-TW" altLang="en-US" sz="4800" b="1" dirty="0" smtClean="0">
+                <a:solidFill>
+                  <a:srgbClr val="C00000"/>
+                </a:solidFill>
+                <a:latin typeface="Adobe 楷体 Std R" pitchFamily="18" charset="-128"/>
+                <a:ea typeface="Adobe 楷体 Std R" pitchFamily="18" charset="-128"/>
+              </a:rPr>
+              <a:t>擁 抱 這世 界</a:t>
+            </a:r>
+            <a:endParaRPr lang="en-US" altLang="zh-TW" sz="4800" b="1" dirty="0">
+              <a:solidFill>
+                <a:srgbClr val="C00000"/>
+              </a:solidFill>
+              <a:latin typeface="Adobe 楷体 Std R" pitchFamily="18" charset="-128"/>
+              <a:ea typeface="Adobe 楷体 Std R" pitchFamily="18" charset="-128"/>
+            </a:endParaRPr>
+          </a:p>
+          <a:p>
+            <a:pPr algn="l" fontAlgn="base"/>
+            <a:r>
+              <a:rPr lang="en-US" altLang="zh-TW" sz="2800" dirty="0" err="1">
+                <a:solidFill>
+                  <a:srgbClr val="002060"/>
+                </a:solidFill>
+                <a:latin typeface="Tahoma" pitchFamily="34" charset="0"/>
+                <a:ea typeface="Tahoma" pitchFamily="34" charset="0"/>
+                <a:cs typeface="Tahoma" pitchFamily="34" charset="0"/>
+              </a:rPr>
+              <a:t>Yòng</a:t>
+            </a:r>
+            <a:r>
+              <a:rPr lang="en-US" altLang="zh-TW" sz="2800" dirty="0">
+                <a:solidFill>
+                  <a:srgbClr val="002060"/>
+                </a:solidFill>
+                <a:latin typeface="Tahoma" pitchFamily="34" charset="0"/>
+                <a:ea typeface="Tahoma" pitchFamily="34" charset="0"/>
+                <a:cs typeface="Tahoma" pitchFamily="34" charset="0"/>
+              </a:rPr>
+              <a:t> </a:t>
+            </a:r>
+            <a:r>
+              <a:rPr lang="en-US" altLang="zh-TW" sz="2800" dirty="0" err="1">
+                <a:solidFill>
+                  <a:srgbClr val="002060"/>
+                </a:solidFill>
+                <a:latin typeface="Tahoma" pitchFamily="34" charset="0"/>
+                <a:ea typeface="Tahoma" pitchFamily="34" charset="0"/>
+                <a:cs typeface="Tahoma" pitchFamily="34" charset="0"/>
+              </a:rPr>
+              <a:t>ài</a:t>
+            </a:r>
+            <a:r>
+              <a:rPr lang="en-US" altLang="zh-TW" sz="2800" dirty="0">
+                <a:solidFill>
+                  <a:srgbClr val="002060"/>
+                </a:solidFill>
+                <a:latin typeface="Tahoma" pitchFamily="34" charset="0"/>
+                <a:ea typeface="Tahoma" pitchFamily="34" charset="0"/>
+                <a:cs typeface="Tahoma" pitchFamily="34" charset="0"/>
+              </a:rPr>
+              <a:t> </a:t>
+            </a:r>
+            <a:r>
+              <a:rPr lang="en-US" altLang="zh-TW" sz="2800" dirty="0" err="1" smtClean="0">
+                <a:solidFill>
+                  <a:srgbClr val="002060"/>
+                </a:solidFill>
+                <a:latin typeface="Tahoma" pitchFamily="34" charset="0"/>
+                <a:ea typeface="Tahoma" pitchFamily="34" charset="0"/>
+                <a:cs typeface="Tahoma" pitchFamily="34" charset="0"/>
+              </a:rPr>
+              <a:t>yǒng</a:t>
+            </a:r>
+            <a:r>
+              <a:rPr lang="en-US" altLang="zh-TW" sz="2800" dirty="0" smtClean="0">
+                <a:solidFill>
+                  <a:srgbClr val="002060"/>
+                </a:solidFill>
+                <a:latin typeface="Tahoma" pitchFamily="34" charset="0"/>
+                <a:ea typeface="Tahoma" pitchFamily="34" charset="0"/>
+                <a:cs typeface="Tahoma" pitchFamily="34" charset="0"/>
+              </a:rPr>
+              <a:t> </a:t>
+            </a:r>
+            <a:r>
+              <a:rPr lang="en-US" altLang="zh-TW" sz="2800" dirty="0" err="1" smtClean="0">
+                <a:solidFill>
+                  <a:srgbClr val="002060"/>
+                </a:solidFill>
+                <a:latin typeface="Tahoma" pitchFamily="34" charset="0"/>
+                <a:ea typeface="Tahoma" pitchFamily="34" charset="0"/>
+                <a:cs typeface="Tahoma" pitchFamily="34" charset="0"/>
+              </a:rPr>
+              <a:t>bào</a:t>
+            </a:r>
+            <a:r>
+              <a:rPr lang="en-US" altLang="zh-TW" sz="2800" dirty="0" smtClean="0">
+                <a:solidFill>
+                  <a:srgbClr val="002060"/>
+                </a:solidFill>
+                <a:latin typeface="Tahoma" pitchFamily="34" charset="0"/>
+                <a:ea typeface="Tahoma" pitchFamily="34" charset="0"/>
+                <a:cs typeface="Tahoma" pitchFamily="34" charset="0"/>
+              </a:rPr>
+              <a:t> </a:t>
+            </a:r>
+            <a:r>
+              <a:rPr lang="en-US" altLang="zh-TW" sz="2800" dirty="0" err="1">
+                <a:solidFill>
+                  <a:srgbClr val="002060"/>
+                </a:solidFill>
+                <a:latin typeface="Tahoma" pitchFamily="34" charset="0"/>
+                <a:ea typeface="Tahoma" pitchFamily="34" charset="0"/>
+                <a:cs typeface="Tahoma" pitchFamily="34" charset="0"/>
+              </a:rPr>
+              <a:t>zhè</a:t>
+            </a:r>
+            <a:r>
+              <a:rPr lang="en-US" altLang="zh-TW" sz="2800" dirty="0">
+                <a:solidFill>
+                  <a:srgbClr val="002060"/>
+                </a:solidFill>
+                <a:latin typeface="Tahoma" pitchFamily="34" charset="0"/>
+                <a:ea typeface="Tahoma" pitchFamily="34" charset="0"/>
+                <a:cs typeface="Tahoma" pitchFamily="34" charset="0"/>
+              </a:rPr>
+              <a:t> </a:t>
+            </a:r>
+            <a:r>
+              <a:rPr lang="en-US" altLang="zh-TW" sz="2800" dirty="0" err="1" smtClean="0">
+                <a:solidFill>
+                  <a:srgbClr val="002060"/>
+                </a:solidFill>
+                <a:latin typeface="Tahoma" pitchFamily="34" charset="0"/>
+                <a:ea typeface="Tahoma" pitchFamily="34" charset="0"/>
+                <a:cs typeface="Tahoma" pitchFamily="34" charset="0"/>
+              </a:rPr>
+              <a:t>shì</a:t>
+            </a:r>
+            <a:r>
+              <a:rPr lang="en-US" altLang="zh-TW" sz="2800" dirty="0" smtClean="0">
+                <a:solidFill>
+                  <a:srgbClr val="002060"/>
+                </a:solidFill>
+                <a:latin typeface="Tahoma" pitchFamily="34" charset="0"/>
+                <a:ea typeface="Tahoma" pitchFamily="34" charset="0"/>
+                <a:cs typeface="Tahoma" pitchFamily="34" charset="0"/>
+              </a:rPr>
+              <a:t>  </a:t>
+            </a:r>
+            <a:r>
+              <a:rPr lang="en-US" altLang="zh-TW" sz="2800" dirty="0" err="1" smtClean="0">
+                <a:solidFill>
+                  <a:srgbClr val="002060"/>
+                </a:solidFill>
+                <a:latin typeface="Tahoma" pitchFamily="34" charset="0"/>
+                <a:ea typeface="Tahoma" pitchFamily="34" charset="0"/>
+                <a:cs typeface="Tahoma" pitchFamily="34" charset="0"/>
+              </a:rPr>
+              <a:t>jiè</a:t>
+            </a:r>
+            <a:endParaRPr lang="zh-TW" altLang="en-US" sz="2800" dirty="0">
               <a:solidFill>
                 <a:srgbClr val="002060"/>
               </a:solidFill>
@@ -3419,426 +4069,12 @@
               <a:cs typeface="Tahoma" pitchFamily="34" charset="0"/>
             </a:endParaRPr>
           </a:p>
-          <a:p>
-            <a:pPr fontAlgn="base"/>
-            <a:r>
-              <a:rPr lang="zh-CN" altLang="en-US" sz="6600" b="1" dirty="0" smtClean="0">
-                <a:solidFill>
-                  <a:srgbClr val="C00000"/>
-                </a:solidFill>
-                <a:effectLst>
-                  <a:outerShdw blurRad="38100" dist="38100" dir="2700000" algn="tl">
-                    <a:srgbClr val="000000">
-                      <a:alpha val="43137"/>
-                    </a:srgbClr>
-                  </a:outerShdw>
-                </a:effectLst>
-                <a:latin typeface="標楷體" pitchFamily="65" charset="-120"/>
-                <a:ea typeface="標楷體" pitchFamily="65" charset="-120"/>
-                <a:cs typeface="Tahoma" pitchFamily="34" charset="0"/>
-              </a:rPr>
-              <a:t>感恩</a:t>
-            </a:r>
-            <a:endParaRPr lang="en-US" altLang="zh-CN" sz="6600" b="1" dirty="0" smtClean="0">
-              <a:solidFill>
-                <a:srgbClr val="C00000"/>
-              </a:solidFill>
-              <a:effectLst>
-                <a:outerShdw blurRad="38100" dist="38100" dir="2700000" algn="tl">
-                  <a:srgbClr val="000000">
-                    <a:alpha val="43137"/>
-                  </a:srgbClr>
-                </a:outerShdw>
-              </a:effectLst>
-              <a:latin typeface="標楷體" pitchFamily="65" charset="-120"/>
-              <a:ea typeface="標楷體" pitchFamily="65" charset="-120"/>
-              <a:cs typeface="Tahoma" pitchFamily="34" charset="0"/>
-            </a:endParaRPr>
-          </a:p>
-          <a:p>
-            <a:r>
-              <a:rPr lang="en-US" altLang="zh-TW" sz="4000" dirty="0" err="1" smtClean="0">
-                <a:solidFill>
-                  <a:srgbClr val="002060"/>
-                </a:solidFill>
-                <a:latin typeface="Tahoma" pitchFamily="34" charset="0"/>
-                <a:ea typeface="Tahoma" pitchFamily="34" charset="0"/>
-                <a:cs typeface="Tahoma" pitchFamily="34" charset="0"/>
-              </a:rPr>
-              <a:t>gǎn</a:t>
-            </a:r>
-            <a:r>
-              <a:rPr lang="en-US" altLang="zh-TW" sz="4000" dirty="0" smtClean="0">
-                <a:solidFill>
-                  <a:srgbClr val="002060"/>
-                </a:solidFill>
-                <a:latin typeface="Tahoma" pitchFamily="34" charset="0"/>
-                <a:ea typeface="Tahoma" pitchFamily="34" charset="0"/>
-                <a:cs typeface="Tahoma" pitchFamily="34" charset="0"/>
-              </a:rPr>
-              <a:t> </a:t>
-            </a:r>
-            <a:r>
-              <a:rPr lang="en-US" altLang="zh-TW" sz="4000" dirty="0" err="1" smtClean="0">
-                <a:solidFill>
-                  <a:srgbClr val="002060"/>
-                </a:solidFill>
-                <a:latin typeface="Tahoma" pitchFamily="34" charset="0"/>
-                <a:ea typeface="Tahoma" pitchFamily="34" charset="0"/>
-                <a:cs typeface="Tahoma" pitchFamily="34" charset="0"/>
-              </a:rPr>
-              <a:t>ēn</a:t>
-            </a:r>
-            <a:endParaRPr lang="en-US" altLang="zh-TW" sz="4000" dirty="0" smtClean="0">
-              <a:solidFill>
-                <a:srgbClr val="002060"/>
-              </a:solidFill>
-              <a:latin typeface="Tahoma" pitchFamily="34" charset="0"/>
-              <a:ea typeface="Tahoma" pitchFamily="34" charset="0"/>
-              <a:cs typeface="Tahoma" pitchFamily="34" charset="0"/>
-            </a:endParaRPr>
-          </a:p>
-          <a:p>
-            <a:r>
-              <a:rPr lang="zh-CN" altLang="en-US" sz="6600" b="1" dirty="0" smtClean="0">
-                <a:solidFill>
-                  <a:srgbClr val="C00000"/>
-                </a:solidFill>
-                <a:effectLst>
-                  <a:outerShdw blurRad="38100" dist="38100" dir="2700000" algn="tl">
-                    <a:srgbClr val="000000">
-                      <a:alpha val="43137"/>
-                    </a:srgbClr>
-                  </a:outerShdw>
-                </a:effectLst>
-                <a:latin typeface="標楷體" pitchFamily="65" charset="-120"/>
-                <a:ea typeface="標楷體" pitchFamily="65" charset="-120"/>
-                <a:cs typeface="Tahoma" pitchFamily="34" charset="0"/>
-              </a:rPr>
-              <a:t>改變</a:t>
-            </a:r>
-            <a:endParaRPr lang="en-US" altLang="zh-CN" sz="6600" b="1" dirty="0" smtClean="0">
-              <a:solidFill>
-                <a:srgbClr val="C00000"/>
-              </a:solidFill>
-              <a:effectLst>
-                <a:outerShdw blurRad="38100" dist="38100" dir="2700000" algn="tl">
-                  <a:srgbClr val="000000">
-                    <a:alpha val="43137"/>
-                  </a:srgbClr>
-                </a:outerShdw>
-              </a:effectLst>
-              <a:latin typeface="標楷體" pitchFamily="65" charset="-120"/>
-              <a:ea typeface="標楷體" pitchFamily="65" charset="-120"/>
-              <a:cs typeface="Tahoma" pitchFamily="34" charset="0"/>
-            </a:endParaRPr>
-          </a:p>
-          <a:p>
-            <a:r>
-              <a:rPr lang="en-US" altLang="zh-TW" sz="4000" dirty="0" err="1" smtClean="0">
-                <a:solidFill>
-                  <a:srgbClr val="002060"/>
-                </a:solidFill>
-                <a:latin typeface="Tahoma" pitchFamily="34" charset="0"/>
-                <a:ea typeface="Tahoma" pitchFamily="34" charset="0"/>
-                <a:cs typeface="Tahoma" pitchFamily="34" charset="0"/>
-              </a:rPr>
-              <a:t>gǎi</a:t>
-            </a:r>
-            <a:r>
-              <a:rPr lang="en-US" altLang="zh-TW" sz="4000" dirty="0" smtClean="0">
-                <a:solidFill>
-                  <a:srgbClr val="002060"/>
-                </a:solidFill>
-                <a:latin typeface="Tahoma" pitchFamily="34" charset="0"/>
-                <a:ea typeface="Tahoma" pitchFamily="34" charset="0"/>
-                <a:cs typeface="Tahoma" pitchFamily="34" charset="0"/>
-              </a:rPr>
-              <a:t> </a:t>
-            </a:r>
-            <a:r>
-              <a:rPr lang="en-US" altLang="zh-TW" sz="4000" dirty="0" err="1" smtClean="0">
-                <a:solidFill>
-                  <a:srgbClr val="002060"/>
-                </a:solidFill>
-                <a:latin typeface="Tahoma" pitchFamily="34" charset="0"/>
-                <a:ea typeface="Tahoma" pitchFamily="34" charset="0"/>
-                <a:cs typeface="Tahoma" pitchFamily="34" charset="0"/>
-              </a:rPr>
-              <a:t>biàn</a:t>
-            </a:r>
-            <a:endParaRPr lang="en-US" altLang="zh-TW" sz="4000" dirty="0" smtClean="0">
-              <a:solidFill>
-                <a:srgbClr val="002060"/>
-              </a:solidFill>
-              <a:latin typeface="Tahoma" pitchFamily="34" charset="0"/>
-              <a:ea typeface="Tahoma" pitchFamily="34" charset="0"/>
-              <a:cs typeface="Tahoma" pitchFamily="34" charset="0"/>
-            </a:endParaRPr>
-          </a:p>
-        </p:txBody>
-      </p:sp>
-      <p:sp>
-        <p:nvSpPr>
-          <p:cNvPr id="5" name="文字方塊 4"/>
-          <p:cNvSpPr txBox="1"/>
-          <p:nvPr/>
-        </p:nvSpPr>
-        <p:spPr>
-          <a:xfrm>
-            <a:off x="4857752" y="240804"/>
-            <a:ext cx="3643338" cy="4985980"/>
-          </a:xfrm>
-          <a:prstGeom prst="rect">
-            <a:avLst/>
-          </a:prstGeom>
-          <a:noFill/>
-        </p:spPr>
-        <p:txBody>
-          <a:bodyPr wrap="square" rtlCol="0">
-            <a:spAutoFit/>
-          </a:bodyPr>
-          <a:lstStyle/>
-          <a:p>
-            <a:r>
-              <a:rPr lang="zh-CN" altLang="en-US" sz="6600" b="1" dirty="0" smtClean="0">
-                <a:solidFill>
-                  <a:srgbClr val="C00000"/>
-                </a:solidFill>
-                <a:effectLst>
-                  <a:outerShdw blurRad="38100" dist="38100" dir="2700000" algn="tl">
-                    <a:srgbClr val="000000">
-                      <a:alpha val="43137"/>
-                    </a:srgbClr>
-                  </a:outerShdw>
-                </a:effectLst>
-                <a:latin typeface="標楷體" pitchFamily="65" charset="-120"/>
-                <a:ea typeface="標楷體" pitchFamily="65" charset="-120"/>
-                <a:cs typeface="Tahoma" pitchFamily="34" charset="0"/>
-              </a:rPr>
-              <a:t>一生</a:t>
-            </a:r>
-            <a:endParaRPr lang="en-US" altLang="zh-CN" sz="6600" b="1" dirty="0" smtClean="0">
-              <a:solidFill>
-                <a:srgbClr val="C00000"/>
-              </a:solidFill>
-              <a:effectLst>
-                <a:outerShdw blurRad="38100" dist="38100" dir="2700000" algn="tl">
-                  <a:srgbClr val="000000">
-                    <a:alpha val="43137"/>
-                  </a:srgbClr>
-                </a:outerShdw>
-              </a:effectLst>
-              <a:latin typeface="標楷體" pitchFamily="65" charset="-120"/>
-              <a:ea typeface="標楷體" pitchFamily="65" charset="-120"/>
-              <a:cs typeface="Tahoma" pitchFamily="34" charset="0"/>
-            </a:endParaRPr>
-          </a:p>
-          <a:p>
-            <a:r>
-              <a:rPr lang="en-US" altLang="zh-TW" sz="4000" dirty="0" err="1" smtClean="0">
-                <a:solidFill>
-                  <a:srgbClr val="002060"/>
-                </a:solidFill>
-                <a:latin typeface="Tahoma" pitchFamily="34" charset="0"/>
-                <a:ea typeface="Tahoma" pitchFamily="34" charset="0"/>
-                <a:cs typeface="Tahoma" pitchFamily="34" charset="0"/>
-              </a:rPr>
-              <a:t>Yī</a:t>
-            </a:r>
-            <a:r>
-              <a:rPr lang="en-US" altLang="zh-TW" sz="4000" dirty="0" smtClean="0">
-                <a:solidFill>
-                  <a:srgbClr val="002060"/>
-                </a:solidFill>
-                <a:latin typeface="Tahoma" pitchFamily="34" charset="0"/>
-                <a:ea typeface="Tahoma" pitchFamily="34" charset="0"/>
-                <a:cs typeface="Tahoma" pitchFamily="34" charset="0"/>
-              </a:rPr>
-              <a:t>  </a:t>
-            </a:r>
-            <a:r>
-              <a:rPr lang="en-US" altLang="zh-TW" sz="4000" dirty="0" err="1" smtClean="0">
-                <a:solidFill>
-                  <a:srgbClr val="002060"/>
-                </a:solidFill>
-                <a:latin typeface="Tahoma" pitchFamily="34" charset="0"/>
-                <a:ea typeface="Tahoma" pitchFamily="34" charset="0"/>
-                <a:cs typeface="Tahoma" pitchFamily="34" charset="0"/>
-              </a:rPr>
-              <a:t>shēng</a:t>
-            </a:r>
-            <a:endParaRPr lang="en-US" altLang="zh-TW" sz="4000" dirty="0" smtClean="0">
-              <a:solidFill>
-                <a:srgbClr val="002060"/>
-              </a:solidFill>
-              <a:latin typeface="Tahoma" pitchFamily="34" charset="0"/>
-              <a:ea typeface="Tahoma" pitchFamily="34" charset="0"/>
-              <a:cs typeface="Tahoma" pitchFamily="34" charset="0"/>
-            </a:endParaRPr>
-          </a:p>
-          <a:p>
-            <a:r>
-              <a:rPr lang="zh-CN" altLang="en-US" sz="6600" b="1" dirty="0" smtClean="0">
-                <a:solidFill>
-                  <a:srgbClr val="C00000"/>
-                </a:solidFill>
-                <a:effectLst>
-                  <a:outerShdw blurRad="38100" dist="38100" dir="2700000" algn="tl">
-                    <a:srgbClr val="000000">
-                      <a:alpha val="43137"/>
-                    </a:srgbClr>
-                  </a:outerShdw>
-                </a:effectLst>
-                <a:latin typeface="標楷體" pitchFamily="65" charset="-120"/>
-                <a:ea typeface="標楷體" pitchFamily="65" charset="-120"/>
-                <a:cs typeface="Tahoma" pitchFamily="34" charset="0"/>
-              </a:rPr>
-              <a:t>服事</a:t>
-            </a:r>
-            <a:endParaRPr lang="en-US" altLang="zh-CN" sz="6600" b="1" dirty="0" smtClean="0">
-              <a:solidFill>
-                <a:srgbClr val="C00000"/>
-              </a:solidFill>
-              <a:effectLst>
-                <a:outerShdw blurRad="38100" dist="38100" dir="2700000" algn="tl">
-                  <a:srgbClr val="000000">
-                    <a:alpha val="43137"/>
-                  </a:srgbClr>
-                </a:outerShdw>
-              </a:effectLst>
-              <a:latin typeface="標楷體" pitchFamily="65" charset="-120"/>
-              <a:ea typeface="標楷體" pitchFamily="65" charset="-120"/>
-              <a:cs typeface="Tahoma" pitchFamily="34" charset="0"/>
-            </a:endParaRPr>
-          </a:p>
-          <a:p>
-            <a:r>
-              <a:rPr lang="en-US" altLang="zh-TW" sz="4000" dirty="0" err="1" smtClean="0">
-                <a:solidFill>
-                  <a:srgbClr val="002060"/>
-                </a:solidFill>
-                <a:latin typeface="Tahoma" pitchFamily="34" charset="0"/>
-                <a:ea typeface="Tahoma" pitchFamily="34" charset="0"/>
-                <a:cs typeface="Tahoma" pitchFamily="34" charset="0"/>
-              </a:rPr>
-              <a:t>fú</a:t>
-            </a:r>
-            <a:r>
-              <a:rPr lang="en-US" altLang="zh-TW" sz="4000" dirty="0" smtClean="0">
-                <a:solidFill>
-                  <a:srgbClr val="002060"/>
-                </a:solidFill>
-                <a:latin typeface="Tahoma" pitchFamily="34" charset="0"/>
-                <a:ea typeface="Tahoma" pitchFamily="34" charset="0"/>
-                <a:cs typeface="Tahoma" pitchFamily="34" charset="0"/>
-              </a:rPr>
-              <a:t>   </a:t>
-            </a:r>
-            <a:r>
-              <a:rPr lang="en-US" altLang="zh-TW" sz="4000" dirty="0" err="1" smtClean="0">
-                <a:solidFill>
-                  <a:srgbClr val="002060"/>
-                </a:solidFill>
-                <a:latin typeface="Tahoma" pitchFamily="34" charset="0"/>
-                <a:ea typeface="Tahoma" pitchFamily="34" charset="0"/>
-                <a:cs typeface="Tahoma" pitchFamily="34" charset="0"/>
-              </a:rPr>
-              <a:t>shì</a:t>
-            </a:r>
-            <a:endParaRPr lang="en-US" altLang="zh-CN" sz="4000" dirty="0" smtClean="0">
-              <a:solidFill>
-                <a:srgbClr val="002060"/>
-              </a:solidFill>
-              <a:latin typeface="Tahoma" pitchFamily="34" charset="0"/>
-              <a:ea typeface="Tahoma" pitchFamily="34" charset="0"/>
-              <a:cs typeface="Tahoma" pitchFamily="34" charset="0"/>
-            </a:endParaRPr>
-          </a:p>
-          <a:p>
-            <a:r>
-              <a:rPr lang="zh-CN" altLang="en-US" sz="6600" b="1" dirty="0" smtClean="0">
-                <a:solidFill>
-                  <a:srgbClr val="C00000"/>
-                </a:solidFill>
-                <a:effectLst>
-                  <a:outerShdw blurRad="38100" dist="38100" dir="2700000" algn="tl">
-                    <a:srgbClr val="000000">
-                      <a:alpha val="43137"/>
-                    </a:srgbClr>
-                  </a:outerShdw>
-                </a:effectLst>
-                <a:latin typeface="標楷體" pitchFamily="65" charset="-120"/>
-                <a:ea typeface="標楷體" pitchFamily="65" charset="-120"/>
-                <a:cs typeface="Tahoma" pitchFamily="34" charset="0"/>
-              </a:rPr>
-              <a:t>榮耀</a:t>
-            </a:r>
-            <a:endParaRPr lang="en-US" altLang="zh-CN" sz="6600" b="1" dirty="0" smtClean="0">
-              <a:solidFill>
-                <a:srgbClr val="C00000"/>
-              </a:solidFill>
-              <a:effectLst>
-                <a:outerShdw blurRad="38100" dist="38100" dir="2700000" algn="tl">
-                  <a:srgbClr val="000000">
-                    <a:alpha val="43137"/>
-                  </a:srgbClr>
-                </a:outerShdw>
-              </a:effectLst>
-              <a:latin typeface="標楷體" pitchFamily="65" charset="-120"/>
-              <a:ea typeface="標楷體" pitchFamily="65" charset="-120"/>
-              <a:cs typeface="Tahoma" pitchFamily="34" charset="0"/>
-            </a:endParaRPr>
-          </a:p>
-          <a:p>
-            <a:r>
-              <a:rPr lang="en-US" altLang="zh-TW" sz="4000" dirty="0" err="1" smtClean="0">
-                <a:solidFill>
-                  <a:srgbClr val="002060"/>
-                </a:solidFill>
-                <a:latin typeface="Tahoma" pitchFamily="34" charset="0"/>
-                <a:ea typeface="Tahoma" pitchFamily="34" charset="0"/>
-                <a:cs typeface="Tahoma" pitchFamily="34" charset="0"/>
-              </a:rPr>
-              <a:t>róng</a:t>
-            </a:r>
-            <a:r>
-              <a:rPr lang="en-US" altLang="zh-TW" sz="4000" dirty="0" smtClean="0">
-                <a:solidFill>
-                  <a:srgbClr val="002060"/>
-                </a:solidFill>
-                <a:latin typeface="Tahoma" pitchFamily="34" charset="0"/>
-                <a:ea typeface="Tahoma" pitchFamily="34" charset="0"/>
-                <a:cs typeface="Tahoma" pitchFamily="34" charset="0"/>
-              </a:rPr>
-              <a:t> </a:t>
-            </a:r>
-            <a:r>
-              <a:rPr lang="en-US" altLang="zh-TW" sz="4000" dirty="0" err="1" smtClean="0">
-                <a:solidFill>
-                  <a:srgbClr val="002060"/>
-                </a:solidFill>
-                <a:latin typeface="Tahoma" pitchFamily="34" charset="0"/>
-                <a:ea typeface="Tahoma" pitchFamily="34" charset="0"/>
-                <a:cs typeface="Tahoma" pitchFamily="34" charset="0"/>
-              </a:rPr>
-              <a:t>yào</a:t>
-            </a:r>
-            <a:endParaRPr lang="en-US" altLang="zh-CN" sz="4000" dirty="0" smtClean="0">
-              <a:solidFill>
-                <a:srgbClr val="002060"/>
-              </a:solidFill>
-              <a:latin typeface="Tahoma" pitchFamily="34" charset="0"/>
-              <a:ea typeface="Tahoma" pitchFamily="34" charset="0"/>
-              <a:cs typeface="Tahoma" pitchFamily="34" charset="0"/>
-            </a:endParaRPr>
-          </a:p>
         </p:txBody>
       </p:sp>
     </p:spTree>
     <p:extLst>
       <p:ext uri="{BB962C8B-B14F-4D97-AF65-F5344CB8AC3E}">
-        <p14:creationId xmlns:p14="http://schemas.microsoft.com/office/powerpoint/2010/main" xmlns="" val="1085457488"/>
+        <p14:creationId xmlns="" xmlns:p14="http://schemas.microsoft.com/office/powerpoint/2010/main" val="3856569344"/>
       </p:ext>
     </p:extLst>
   </p:cSld>
@@ -3884,7 +4120,7 @@
           <a:blip r:embed="rId2">
             <a:extLst>
               <a:ext uri="{28A0092B-C50C-407E-A947-70E740481C1C}">
-                <a14:useLocalDpi xmlns:a14="http://schemas.microsoft.com/office/drawing/2010/main" xmlns="" val="0"/>
+                <a14:useLocalDpi xmlns="" xmlns:a14="http://schemas.microsoft.com/office/drawing/2010/main" val="0"/>
               </a:ext>
             </a:extLst>
           </a:blip>
@@ -3904,7 +4140,7 @@
           <a:noFill/>
           <a:extLst>
             <a:ext uri="{909E8E84-426E-40DD-AFC4-6F175D3DCCD1}">
-              <a14:hiddenFill xmlns:a14="http://schemas.microsoft.com/office/drawing/2010/main" xmlns="">
+              <a14:hiddenFill xmlns="" xmlns:a14="http://schemas.microsoft.com/office/drawing/2010/main">
                 <a:solidFill>
                   <a:srgbClr val="FFFFFF"/>
                 </a:solidFill>
@@ -4724,7 +4960,7 @@
     </p:spTree>
     <p:extLst>
       <p:ext uri="{BB962C8B-B14F-4D97-AF65-F5344CB8AC3E}">
-        <p14:creationId xmlns:p14="http://schemas.microsoft.com/office/powerpoint/2010/main" xmlns="" val="94759437"/>
+        <p14:creationId xmlns="" xmlns:p14="http://schemas.microsoft.com/office/powerpoint/2010/main" val="94759437"/>
       </p:ext>
     </p:extLst>
   </p:cSld>
@@ -4770,7 +5006,7 @@
           <a:blip r:embed="rId2">
             <a:extLst>
               <a:ext uri="{28A0092B-C50C-407E-A947-70E740481C1C}">
-                <a14:useLocalDpi xmlns:a14="http://schemas.microsoft.com/office/drawing/2010/main" xmlns="" val="0"/>
+                <a14:useLocalDpi xmlns="" xmlns:a14="http://schemas.microsoft.com/office/drawing/2010/main" val="0"/>
               </a:ext>
             </a:extLst>
           </a:blip>
@@ -4790,7 +5026,7 @@
           <a:noFill/>
           <a:extLst>
             <a:ext uri="{909E8E84-426E-40DD-AFC4-6F175D3DCCD1}">
-              <a14:hiddenFill xmlns:a14="http://schemas.microsoft.com/office/drawing/2010/main" xmlns="">
+              <a14:hiddenFill xmlns="" xmlns:a14="http://schemas.microsoft.com/office/drawing/2010/main">
                 <a:solidFill>
                   <a:srgbClr val="FFFFFF"/>
                 </a:solidFill>
@@ -5061,7 +5297,7 @@
     </p:spTree>
     <p:extLst>
       <p:ext uri="{BB962C8B-B14F-4D97-AF65-F5344CB8AC3E}">
-        <p14:creationId xmlns:p14="http://schemas.microsoft.com/office/powerpoint/2010/main" xmlns="" val="1085457488"/>
+        <p14:creationId xmlns="" xmlns:p14="http://schemas.microsoft.com/office/powerpoint/2010/main" val="1085457488"/>
       </p:ext>
     </p:extLst>
   </p:cSld>
@@ -5107,7 +5343,7 @@
           <a:blip r:embed="rId2">
             <a:extLst>
               <a:ext uri="{28A0092B-C50C-407E-A947-70E740481C1C}">
-                <a14:useLocalDpi xmlns:a14="http://schemas.microsoft.com/office/drawing/2010/main" xmlns="" val="0"/>
+                <a14:useLocalDpi xmlns="" xmlns:a14="http://schemas.microsoft.com/office/drawing/2010/main" val="0"/>
               </a:ext>
             </a:extLst>
           </a:blip>
@@ -5127,7 +5363,7 @@
           <a:noFill/>
           <a:extLst>
             <a:ext uri="{909E8E84-426E-40DD-AFC4-6F175D3DCCD1}">
-              <a14:hiddenFill xmlns:a14="http://schemas.microsoft.com/office/drawing/2010/main" xmlns="">
+              <a14:hiddenFill xmlns="" xmlns:a14="http://schemas.microsoft.com/office/drawing/2010/main">
                 <a:solidFill>
                   <a:srgbClr val="FFFFFF"/>
                 </a:solidFill>
@@ -5144,8 +5380,8 @@
         </p:nvSpPr>
         <p:spPr>
           <a:xfrm>
-            <a:off x="5286380" y="443284"/>
-            <a:ext cx="3286148" cy="4985980"/>
+            <a:off x="4286248" y="4572008"/>
+            <a:ext cx="3286148" cy="1723549"/>
           </a:xfrm>
           <a:prstGeom prst="rect">
             <a:avLst/>
@@ -5174,7 +5410,7 @@
                 <a:ea typeface="標楷體" pitchFamily="65" charset="-120"/>
                 <a:cs typeface="Tahoma" pitchFamily="34" charset="0"/>
               </a:rPr>
-              <a:t>長大</a:t>
+              <a:t>教</a:t>
             </a:r>
             <a:endParaRPr lang="en-US" altLang="zh-CN" sz="6600" b="1" dirty="0" smtClean="0">
               <a:solidFill>
@@ -5202,187 +5438,9 @@
                 <a:ea typeface="Tahoma" pitchFamily="34" charset="0"/>
                 <a:cs typeface="Tahoma" pitchFamily="34" charset="0"/>
               </a:rPr>
-              <a:t>zhǎng</a:t>
-            </a:r>
-            <a:r>
-              <a:rPr lang="en-US" altLang="zh-TW" sz="4000" dirty="0" smtClean="0">
-                <a:solidFill>
-                  <a:srgbClr val="002060"/>
-                </a:solidFill>
-                <a:latin typeface="Tahoma" pitchFamily="34" charset="0"/>
-                <a:ea typeface="Tahoma" pitchFamily="34" charset="0"/>
-                <a:cs typeface="Tahoma" pitchFamily="34" charset="0"/>
-              </a:rPr>
-              <a:t> </a:t>
-            </a:r>
-            <a:r>
-              <a:rPr lang="en-US" altLang="zh-TW" sz="4000" dirty="0" err="1" smtClean="0">
-                <a:solidFill>
-                  <a:srgbClr val="002060"/>
-                </a:solidFill>
-                <a:latin typeface="Tahoma" pitchFamily="34" charset="0"/>
-                <a:ea typeface="Tahoma" pitchFamily="34" charset="0"/>
-                <a:cs typeface="Tahoma" pitchFamily="34" charset="0"/>
-              </a:rPr>
-              <a:t>dà</a:t>
+              <a:t>Jiào</a:t>
             </a:r>
             <a:endParaRPr lang="en-US" altLang="zh-TW" sz="4000" dirty="0" smtClean="0">
-              <a:solidFill>
-                <a:srgbClr val="002060"/>
-              </a:solidFill>
-              <a:latin typeface="Tahoma" pitchFamily="34" charset="0"/>
-              <a:ea typeface="Tahoma" pitchFamily="34" charset="0"/>
-              <a:cs typeface="Tahoma" pitchFamily="34" charset="0"/>
-            </a:endParaRPr>
-          </a:p>
-          <a:p>
-            <a:r>
-              <a:rPr lang="zh-CN" altLang="en-US" sz="6600" b="1" dirty="0" smtClean="0">
-                <a:solidFill>
-                  <a:srgbClr val="C00000"/>
-                </a:solidFill>
-                <a:effectLst>
-                  <a:outerShdw blurRad="38100" dist="38100" dir="2700000" algn="tl">
-                    <a:srgbClr val="000000">
-                      <a:alpha val="43137"/>
-                    </a:srgbClr>
-                  </a:outerShdw>
-                </a:effectLst>
-                <a:latin typeface="標楷體" pitchFamily="65" charset="-120"/>
-                <a:ea typeface="標楷體" pitchFamily="65" charset="-120"/>
-                <a:cs typeface="Tahoma" pitchFamily="34" charset="0"/>
-              </a:rPr>
-              <a:t>夢想</a:t>
-            </a:r>
-            <a:endParaRPr lang="en-US" altLang="zh-CN" sz="6600" b="1" dirty="0" smtClean="0">
-              <a:solidFill>
-                <a:srgbClr val="C00000"/>
-              </a:solidFill>
-              <a:effectLst>
-                <a:outerShdw blurRad="38100" dist="38100" dir="2700000" algn="tl">
-                  <a:srgbClr val="000000">
-                    <a:alpha val="43137"/>
-                  </a:srgbClr>
-                </a:outerShdw>
-              </a:effectLst>
-              <a:latin typeface="標楷體" pitchFamily="65" charset="-120"/>
-              <a:ea typeface="標楷體" pitchFamily="65" charset="-120"/>
-              <a:cs typeface="Tahoma" pitchFamily="34" charset="0"/>
-            </a:endParaRPr>
-          </a:p>
-          <a:p>
-            <a:r>
-              <a:rPr lang="en-US" altLang="zh-TW" sz="4000" dirty="0" err="1" smtClean="0">
-                <a:solidFill>
-                  <a:srgbClr val="002060"/>
-                </a:solidFill>
-                <a:latin typeface="Tahoma" pitchFamily="34" charset="0"/>
-                <a:ea typeface="Tahoma" pitchFamily="34" charset="0"/>
-                <a:cs typeface="Tahoma" pitchFamily="34" charset="0"/>
-              </a:rPr>
-              <a:t>mèng</a:t>
-            </a:r>
-            <a:r>
-              <a:rPr lang="en-US" altLang="zh-TW" sz="4000" dirty="0" smtClean="0">
-                <a:solidFill>
-                  <a:srgbClr val="002060"/>
-                </a:solidFill>
-                <a:latin typeface="Tahoma" pitchFamily="34" charset="0"/>
-                <a:ea typeface="Tahoma" pitchFamily="34" charset="0"/>
-                <a:cs typeface="Tahoma" pitchFamily="34" charset="0"/>
-              </a:rPr>
-              <a:t> </a:t>
-            </a:r>
-            <a:r>
-              <a:rPr lang="en-US" altLang="zh-TW" sz="4000" dirty="0" err="1" smtClean="0">
-                <a:solidFill>
-                  <a:srgbClr val="002060"/>
-                </a:solidFill>
-                <a:latin typeface="Tahoma" pitchFamily="34" charset="0"/>
-                <a:ea typeface="Tahoma" pitchFamily="34" charset="0"/>
-                <a:cs typeface="Tahoma" pitchFamily="34" charset="0"/>
-              </a:rPr>
-              <a:t>xiǎng</a:t>
-            </a:r>
-            <a:endParaRPr lang="en-US" altLang="zh-CN" sz="4000" dirty="0" err="1" smtClean="0">
-              <a:solidFill>
-                <a:srgbClr val="002060"/>
-              </a:solidFill>
-              <a:latin typeface="Tahoma" pitchFamily="34" charset="0"/>
-              <a:ea typeface="Tahoma" pitchFamily="34" charset="0"/>
-              <a:cs typeface="Tahoma" pitchFamily="34" charset="0"/>
-            </a:endParaRPr>
-          </a:p>
-          <a:p>
-            <a:r>
-              <a:rPr lang="zh-CN" altLang="en-US" sz="6600" b="1" dirty="0" smtClean="0">
-                <a:solidFill>
-                  <a:srgbClr val="C00000"/>
-                </a:solidFill>
-                <a:effectLst>
-                  <a:outerShdw blurRad="38100" dist="38100" dir="2700000" algn="tl">
-                    <a:srgbClr val="000000">
-                      <a:alpha val="43137"/>
-                    </a:srgbClr>
-                  </a:outerShdw>
-                </a:effectLst>
-                <a:latin typeface="標楷體" pitchFamily="65" charset="-120"/>
-                <a:ea typeface="標楷體" pitchFamily="65" charset="-120"/>
-                <a:cs typeface="Tahoma" pitchFamily="34" charset="0"/>
-              </a:rPr>
-              <a:t>飛翔</a:t>
-            </a:r>
-            <a:endParaRPr lang="en-US" altLang="zh-CN" sz="6600" b="1" dirty="0" smtClean="0">
-              <a:solidFill>
-                <a:srgbClr val="C00000"/>
-              </a:solidFill>
-              <a:effectLst>
-                <a:outerShdw blurRad="38100" dist="38100" dir="2700000" algn="tl">
-                  <a:srgbClr val="000000">
-                    <a:alpha val="43137"/>
-                  </a:srgbClr>
-                </a:outerShdw>
-              </a:effectLst>
-              <a:latin typeface="標楷體" pitchFamily="65" charset="-120"/>
-              <a:ea typeface="標楷體" pitchFamily="65" charset="-120"/>
-              <a:cs typeface="Tahoma" pitchFamily="34" charset="0"/>
-            </a:endParaRPr>
-          </a:p>
-          <a:p>
-            <a:r>
-              <a:rPr lang="en-US" altLang="zh-TW" sz="4000" dirty="0" err="1" smtClean="0">
-                <a:solidFill>
-                  <a:srgbClr val="002060"/>
-                </a:solidFill>
-                <a:latin typeface="Tahoma" pitchFamily="34" charset="0"/>
-                <a:ea typeface="Tahoma" pitchFamily="34" charset="0"/>
-                <a:cs typeface="Tahoma" pitchFamily="34" charset="0"/>
-              </a:rPr>
-              <a:t>fēi</a:t>
-            </a:r>
-            <a:r>
-              <a:rPr lang="en-US" altLang="zh-TW" sz="4000" dirty="0" smtClean="0">
-                <a:solidFill>
-                  <a:srgbClr val="002060"/>
-                </a:solidFill>
-                <a:latin typeface="Tahoma" pitchFamily="34" charset="0"/>
-                <a:ea typeface="Tahoma" pitchFamily="34" charset="0"/>
-                <a:cs typeface="Tahoma" pitchFamily="34" charset="0"/>
-              </a:rPr>
-              <a:t>  </a:t>
-            </a:r>
-            <a:r>
-              <a:rPr lang="en-US" altLang="zh-TW" sz="4000" dirty="0" err="1" smtClean="0">
-                <a:solidFill>
-                  <a:srgbClr val="002060"/>
-                </a:solidFill>
-                <a:latin typeface="Tahoma" pitchFamily="34" charset="0"/>
-                <a:ea typeface="Tahoma" pitchFamily="34" charset="0"/>
-                <a:cs typeface="Tahoma" pitchFamily="34" charset="0"/>
-              </a:rPr>
-              <a:t>xiáng</a:t>
-            </a:r>
-            <a:endParaRPr lang="en-US" altLang="zh-CN" sz="4000" dirty="0" err="1" smtClean="0">
               <a:solidFill>
                 <a:srgbClr val="002060"/>
               </a:solidFill>
@@ -5416,7 +5474,7 @@
           <a:lstStyle/>
           <a:p>
             <a:r>
-              <a:rPr lang="zh-TW" altLang="en-US" sz="6600" b="1" dirty="0" smtClean="0">
+              <a:rPr lang="zh-CN" altLang="en-US" sz="6600" b="1" dirty="0" smtClean="0">
                 <a:solidFill>
                   <a:srgbClr val="C00000"/>
                 </a:solidFill>
@@ -5430,83 +5488,7 @@
                 <a:latin typeface="標楷體" pitchFamily="65" charset="-120"/>
                 <a:ea typeface="標楷體" pitchFamily="65" charset="-120"/>
               </a:rPr>
-              <a:t>犧牲</a:t>
-            </a:r>
-            <a:endParaRPr lang="en-US" altLang="zh-TW" sz="6600" b="1" dirty="0" smtClean="0">
-              <a:solidFill>
-                <a:srgbClr val="C00000"/>
-              </a:solidFill>
-              <a:effectLst>
-                <a:outerShdw blurRad="38100" dist="38100" dir="2700000" algn="tl">
-                  <a:srgbClr val="000000">
-                    <a:alpha val="43137"/>
-                  </a:srgbClr>
-                </a:outerShdw>
-              </a:effectLst>
-              <a:latin typeface="標楷體" pitchFamily="65" charset="-120"/>
-              <a:ea typeface="標楷體" pitchFamily="65" charset="-120"/>
-            </a:endParaRPr>
-          </a:p>
-          <a:p>
-            <a:r>
-              <a:rPr lang="en-US" altLang="zh-TW" sz="4000" dirty="0" err="1" smtClean="0">
-                <a:solidFill>
-                  <a:srgbClr val="002060"/>
-                </a:solidFill>
-                <a:latin typeface="Tahoma" pitchFamily="34" charset="0"/>
-                <a:ea typeface="Tahoma" pitchFamily="34" charset="0"/>
-                <a:cs typeface="Tahoma" pitchFamily="34" charset="0"/>
-              </a:rPr>
-              <a:t>xī</a:t>
-            </a:r>
-            <a:r>
-              <a:rPr lang="en-US" altLang="zh-TW" sz="4000" dirty="0" smtClean="0">
-                <a:solidFill>
-                  <a:srgbClr val="002060"/>
-                </a:solidFill>
-                <a:latin typeface="Tahoma" pitchFamily="34" charset="0"/>
-                <a:ea typeface="Tahoma" pitchFamily="34" charset="0"/>
-                <a:cs typeface="Tahoma" pitchFamily="34" charset="0"/>
-              </a:rPr>
-              <a:t> </a:t>
-            </a:r>
-            <a:r>
-              <a:rPr lang="en-US" altLang="zh-TW" sz="4000" dirty="0" err="1" smtClean="0">
-                <a:solidFill>
-                  <a:srgbClr val="002060"/>
-                </a:solidFill>
-                <a:latin typeface="Tahoma" pitchFamily="34" charset="0"/>
-                <a:ea typeface="Tahoma" pitchFamily="34" charset="0"/>
-                <a:cs typeface="Tahoma" pitchFamily="34" charset="0"/>
-              </a:rPr>
-              <a:t>shēng</a:t>
-            </a:r>
-            <a:endParaRPr lang="en-US" altLang="zh-TW" sz="4000" dirty="0" smtClean="0">
-              <a:solidFill>
-                <a:srgbClr val="002060"/>
-              </a:solidFill>
-              <a:latin typeface="Tahoma" pitchFamily="34" charset="0"/>
-              <a:ea typeface="Tahoma" pitchFamily="34" charset="0"/>
-              <a:cs typeface="Tahoma" pitchFamily="34" charset="0"/>
-            </a:endParaRPr>
-          </a:p>
-          <a:p>
-            <a:r>
-              <a:rPr lang="zh-CN" altLang="en-US" sz="6600" b="1" dirty="0" smtClean="0">
-                <a:solidFill>
-                  <a:srgbClr val="C00000"/>
-                </a:solidFill>
-                <a:effectLst>
-                  <a:outerShdw blurRad="38100" dist="38100" dir="2700000" algn="tl">
-                    <a:srgbClr val="000000">
-                      <a:alpha val="43137"/>
-                    </a:srgbClr>
-                  </a:outerShdw>
-                </a:effectLst>
-                <a:latin typeface="標楷體" pitchFamily="65" charset="-120"/>
-                <a:ea typeface="標楷體" pitchFamily="65" charset="-120"/>
-              </a:rPr>
-              <a:t>堅定</a:t>
+              <a:t>翅膀</a:t>
             </a:r>
             <a:endParaRPr lang="en-US" altLang="zh-CN" sz="6600" b="1" dirty="0" smtClean="0">
               <a:solidFill>
@@ -5533,7 +5515,7 @@
                 <a:ea typeface="Tahoma" pitchFamily="34" charset="0"/>
                 <a:cs typeface="Tahoma" pitchFamily="34" charset="0"/>
               </a:rPr>
-              <a:t>jiān</a:t>
+              <a:t>chì</a:t>
             </a:r>
             <a:r>
               <a:rPr lang="en-US" altLang="zh-TW" sz="4000" dirty="0" smtClean="0">
@@ -5555,8 +5537,16 @@
                 <a:ea typeface="Tahoma" pitchFamily="34" charset="0"/>
                 <a:cs typeface="Tahoma" pitchFamily="34" charset="0"/>
               </a:rPr>
-              <a:t>dìng</a:t>
-            </a:r>
+              <a:t>bǎng</a:t>
+            </a:r>
+            <a:endParaRPr lang="en-US" altLang="zh-TW" sz="4000" dirty="0" smtClean="0">
+              <a:solidFill>
+                <a:srgbClr val="002060"/>
+              </a:solidFill>
+              <a:latin typeface="Tahoma" pitchFamily="34" charset="0"/>
+              <a:ea typeface="Tahoma" pitchFamily="34" charset="0"/>
+              <a:cs typeface="Tahoma" pitchFamily="34" charset="0"/>
+            </a:endParaRPr>
           </a:p>
           <a:p>
             <a:r>
@@ -5575,7 +5565,7 @@
                 <a:ea typeface="標楷體" pitchFamily="65" charset="-120"/>
                 <a:cs typeface="Tahoma" pitchFamily="34" charset="0"/>
               </a:rPr>
-              <a:t>學習</a:t>
+              <a:t>雙臂</a:t>
             </a:r>
             <a:endParaRPr lang="en-US" altLang="zh-CN" sz="6600" b="1" dirty="0" smtClean="0">
               <a:solidFill>
@@ -5603,7 +5593,7 @@
                 <a:ea typeface="Tahoma" pitchFamily="34" charset="0"/>
                 <a:cs typeface="Tahoma" pitchFamily="34" charset="0"/>
               </a:rPr>
-              <a:t>xué</a:t>
+              <a:t>shuāng</a:t>
             </a:r>
             <a:r>
               <a:rPr lang="en-US" altLang="zh-TW" sz="4000" dirty="0" smtClean="0">
@@ -5625,7 +5615,85 @@
                 <a:ea typeface="Tahoma" pitchFamily="34" charset="0"/>
                 <a:cs typeface="Tahoma" pitchFamily="34" charset="0"/>
               </a:rPr>
-              <a:t>xí</a:t>
+              <a:t>bì</a:t>
+            </a:r>
+            <a:endParaRPr lang="en-US" altLang="zh-TW" sz="4000" dirty="0" smtClean="0">
+              <a:solidFill>
+                <a:srgbClr val="002060"/>
+              </a:solidFill>
+              <a:latin typeface="Tahoma" pitchFamily="34" charset="0"/>
+              <a:ea typeface="Tahoma" pitchFamily="34" charset="0"/>
+              <a:cs typeface="Tahoma" pitchFamily="34" charset="0"/>
+            </a:endParaRPr>
+          </a:p>
+          <a:p>
+            <a:r>
+              <a:rPr lang="zh-CN" altLang="en-US" sz="6600" b="1" dirty="0" smtClean="0">
+                <a:solidFill>
+                  <a:srgbClr val="C00000"/>
+                </a:solidFill>
+                <a:effectLst>
+                  <a:outerShdw blurRad="38100" dist="38100" dir="2700000" algn="tl">
+                    <a:srgbClr val="000000">
+                      <a:alpha val="43137"/>
+                    </a:srgbClr>
+                  </a:outerShdw>
+                </a:effectLst>
+                <a:latin typeface="標楷體" pitchFamily="65" charset="-120"/>
+                <a:ea typeface="標楷體" pitchFamily="65" charset="-120"/>
+                <a:cs typeface="Tahoma" pitchFamily="34" charset="0"/>
+              </a:rPr>
+              <a:t>付出</a:t>
+            </a:r>
+            <a:endParaRPr lang="en-US" altLang="zh-CN" sz="6600" b="1" dirty="0" smtClean="0">
+              <a:solidFill>
+                <a:srgbClr val="C00000"/>
+              </a:solidFill>
+              <a:effectLst>
+                <a:outerShdw blurRad="38100" dist="38100" dir="2700000" algn="tl">
+                  <a:srgbClr val="000000">
+                    <a:alpha val="43137"/>
+                  </a:srgbClr>
+                </a:outerShdw>
+              </a:effectLst>
+              <a:latin typeface="標楷體" pitchFamily="65" charset="-120"/>
+              <a:ea typeface="標楷體" pitchFamily="65" charset="-120"/>
+              <a:cs typeface="Tahoma" pitchFamily="34" charset="0"/>
+            </a:endParaRPr>
+          </a:p>
+          <a:p>
+            <a:r>
+              <a:rPr lang="en-US" altLang="zh-TW" sz="4000" dirty="0" err="1" smtClean="0">
+                <a:solidFill>
+                  <a:srgbClr val="002060"/>
+                </a:solidFill>
+                <a:latin typeface="Tahoma" pitchFamily="34" charset="0"/>
+                <a:ea typeface="Tahoma" pitchFamily="34" charset="0"/>
+                <a:cs typeface="Tahoma" pitchFamily="34" charset="0"/>
+              </a:rPr>
+              <a:t>fù</a:t>
+            </a:r>
+            <a:r>
+              <a:rPr lang="en-US" altLang="zh-TW" sz="4000" dirty="0" smtClean="0">
+                <a:solidFill>
+                  <a:srgbClr val="002060"/>
+                </a:solidFill>
+                <a:latin typeface="Tahoma" pitchFamily="34" charset="0"/>
+                <a:ea typeface="Tahoma" pitchFamily="34" charset="0"/>
+                <a:cs typeface="Tahoma" pitchFamily="34" charset="0"/>
+              </a:rPr>
+              <a:t>  </a:t>
+            </a:r>
+            <a:r>
+              <a:rPr lang="en-US" altLang="zh-TW" sz="4000" dirty="0" err="1" smtClean="0">
+                <a:solidFill>
+                  <a:srgbClr val="002060"/>
+                </a:solidFill>
+                <a:latin typeface="Tahoma" pitchFamily="34" charset="0"/>
+                <a:ea typeface="Tahoma" pitchFamily="34" charset="0"/>
+                <a:cs typeface="Tahoma" pitchFamily="34" charset="0"/>
+              </a:rPr>
+              <a:t>chū</a:t>
             </a:r>
             <a:endParaRPr lang="en-US" altLang="zh-CN" sz="4000" dirty="0" smtClean="0">
               <a:solidFill>
@@ -5641,7 +5709,7 @@
     </p:spTree>
     <p:extLst>
       <p:ext uri="{BB962C8B-B14F-4D97-AF65-F5344CB8AC3E}">
-        <p14:creationId xmlns:p14="http://schemas.microsoft.com/office/powerpoint/2010/main" xmlns="" val="1085457488"/>
+        <p14:creationId xmlns="" xmlns:p14="http://schemas.microsoft.com/office/powerpoint/2010/main" val="1085457488"/>
       </p:ext>
     </p:extLst>
   </p:cSld>
@@ -5687,7 +5755,7 @@
           <a:blip r:embed="rId2">
             <a:extLst>
               <a:ext uri="{28A0092B-C50C-407E-A947-70E740481C1C}">
-                <a14:useLocalDpi xmlns:a14="http://schemas.microsoft.com/office/drawing/2010/main" xmlns="" val="0"/>
+                <a14:useLocalDpi xmlns="" xmlns:a14="http://schemas.microsoft.com/office/drawing/2010/main" val="0"/>
               </a:ext>
             </a:extLst>
           </a:blip>
@@ -5698,7 +5766,7 @@
         </p:blipFill>
         <p:spPr bwMode="auto">
           <a:xfrm>
-            <a:off x="-17687" y="-27384"/>
+            <a:off x="0" y="-27384"/>
             <a:ext cx="9175785" cy="6885384"/>
           </a:xfrm>
           <a:prstGeom prst="rect">
@@ -5707,7 +5775,7 @@
           <a:noFill/>
           <a:extLst>
             <a:ext uri="{909E8E84-426E-40DD-AFC4-6F175D3DCCD1}">
-              <a14:hiddenFill xmlns:a14="http://schemas.microsoft.com/office/drawing/2010/main" xmlns="">
+              <a14:hiddenFill xmlns="" xmlns:a14="http://schemas.microsoft.com/office/drawing/2010/main">
                 <a:solidFill>
                   <a:srgbClr val="FFFFFF"/>
                 </a:solidFill>
@@ -5718,61 +5786,76 @@
       </p:pic>
       <p:sp>
         <p:nvSpPr>
-          <p:cNvPr id="3" name="副標題 2"/>
-          <p:cNvSpPr>
-            <a:spLocks noGrp="1"/>
-          </p:cNvSpPr>
-          <p:nvPr>
-            <p:ph type="subTitle" idx="1"/>
-          </p:nvPr>
+          <p:cNvPr id="5" name="文字方塊 4"/>
+          <p:cNvSpPr txBox="1"/>
+          <p:nvPr/>
         </p:nvSpPr>
         <p:spPr>
           <a:xfrm>
-            <a:off x="753781" y="679004"/>
-            <a:ext cx="7632848" cy="5472608"/>
+            <a:off x="5286380" y="443284"/>
+            <a:ext cx="3286148" cy="4985980"/>
           </a:xfrm>
+          <a:prstGeom prst="rect">
+            <a:avLst/>
+          </a:prstGeom>
+          <a:noFill/>
         </p:spPr>
         <p:txBody>
-          <a:bodyPr>
-            <a:normAutofit/>
+          <a:bodyPr wrap="square" rtlCol="0">
+            <a:spAutoFit/>
           </a:bodyPr>
           <a:lstStyle/>
           <a:p>
-            <a:pPr algn="l"/>
-            <a:r>
-              <a:rPr lang="zh-TW" altLang="en-US" sz="4800" b="1" dirty="0">
+            <a:r>
+              <a:rPr lang="zh-CN" altLang="en-US" sz="6600" b="1" dirty="0" smtClean="0">
                 <a:solidFill>
                   <a:srgbClr val="C00000"/>
                 </a:solidFill>
-                <a:latin typeface="Adobe 楷体 Std R" pitchFamily="18" charset="-128"/>
-                <a:ea typeface="Adobe 楷体 Std R" pitchFamily="18" charset="-128"/>
-              </a:rPr>
-              <a:t>媽媽的愛是</a:t>
-            </a:r>
-            <a:r>
-              <a:rPr lang="zh-TW" altLang="en-US" sz="4800" b="1" dirty="0" smtClean="0">
-                <a:solidFill>
-                  <a:srgbClr val="C00000"/>
-                </a:solidFill>
-                <a:latin typeface="Adobe 楷体 Std R" pitchFamily="18" charset="-128"/>
-                <a:ea typeface="Adobe 楷体 Std R" pitchFamily="18" charset="-128"/>
-              </a:rPr>
-              <a:t>犧牲  的愛</a:t>
-            </a:r>
-            <a:endParaRPr lang="en-US" altLang="zh-TW" sz="4800" b="1" dirty="0" smtClean="0">
+                <a:effectLst>
+                  <a:outerShdw blurRad="38100" dist="38100" dir="2700000" algn="tl">
+                    <a:srgbClr val="000000">
+                      <a:alpha val="43137"/>
+                    </a:srgbClr>
+                  </a:outerShdw>
+                </a:effectLst>
+                <a:latin typeface="標楷體" pitchFamily="65" charset="-120"/>
+                <a:ea typeface="標楷體" pitchFamily="65" charset="-120"/>
+                <a:cs typeface="Tahoma" pitchFamily="34" charset="0"/>
+              </a:rPr>
+              <a:t>長大</a:t>
+            </a:r>
+            <a:endParaRPr lang="en-US" altLang="zh-CN" sz="6600" b="1" dirty="0" smtClean="0">
               <a:solidFill>
                 <a:srgbClr val="C00000"/>
               </a:solidFill>
-              <a:latin typeface="Adobe 楷体 Std R" pitchFamily="18" charset="-128"/>
-              <a:ea typeface="Adobe 楷体 Std R" pitchFamily="18" charset="-128"/>
+              <a:effectLst>
+                <a:outerShdw blurRad="38100" dist="38100" dir="2700000" algn="tl">
+                  <a:srgbClr val="000000">
+                    <a:alpha val="43137"/>
+                  </a:srgbClr>
+                </a:outerShdw>
+              </a:effectLst>
+              <a:latin typeface="標楷體" pitchFamily="65" charset="-120"/>
+              <a:ea typeface="標楷體" pitchFamily="65" charset="-120"/>
+              <a:cs typeface="Tahoma" pitchFamily="34" charset="0"/>
             </a:endParaRPr>
           </a:p>
           <a:p>
-            <a:pPr algn="l"/>
-            <a:r>
-              <a:rPr lang="en-US" altLang="zh-TW" sz="2800" dirty="0" smtClean="0">
-                <a:solidFill>
-                  <a:srgbClr val="00B0F0"/>
+            <a:r>
+              <a:rPr lang="en-US" altLang="zh-TW" sz="4000" dirty="0" err="1" smtClean="0">
+                <a:solidFill>
+                  <a:srgbClr val="002060"/>
+                </a:solidFill>
+                <a:latin typeface="Tahoma" pitchFamily="34" charset="0"/>
+                <a:ea typeface="Tahoma" pitchFamily="34" charset="0"/>
+                <a:cs typeface="Tahoma" pitchFamily="34" charset="0"/>
+              </a:rPr>
+              <a:t>zhǎng</a:t>
+            </a:r>
+            <a:r>
+              <a:rPr lang="en-US" altLang="zh-TW" sz="4000" dirty="0" smtClean="0">
+                <a:solidFill>
+                  <a:srgbClr val="002060"/>
                 </a:solidFill>
                 <a:latin typeface="Tahoma" pitchFamily="34" charset="0"/>
                 <a:ea typeface="Tahoma" pitchFamily="34" charset="0"/>
@@ -5781,558 +5864,7 @@
               <a:t> </a:t>
             </a:r>
             <a:r>
-              <a:rPr lang="en-US" altLang="zh-TW" sz="2800" dirty="0" err="1">
-                <a:solidFill>
-                  <a:srgbClr val="002060"/>
-                </a:solidFill>
-                <a:latin typeface="Tahoma" pitchFamily="34" charset="0"/>
-                <a:ea typeface="Tahoma" pitchFamily="34" charset="0"/>
-                <a:cs typeface="Tahoma" pitchFamily="34" charset="0"/>
-              </a:rPr>
-              <a:t>Mā</a:t>
-            </a:r>
-            <a:r>
-              <a:rPr lang="en-US" altLang="zh-TW" sz="2800" dirty="0">
-                <a:solidFill>
-                  <a:srgbClr val="002060"/>
-                </a:solidFill>
-                <a:latin typeface="Tahoma" pitchFamily="34" charset="0"/>
-                <a:ea typeface="Tahoma" pitchFamily="34" charset="0"/>
-                <a:cs typeface="Tahoma" pitchFamily="34" charset="0"/>
-              </a:rPr>
-              <a:t> </a:t>
-            </a:r>
-            <a:r>
-              <a:rPr lang="en-US" altLang="zh-TW" sz="2800" err="1">
-                <a:solidFill>
-                  <a:srgbClr val="002060"/>
-                </a:solidFill>
-                <a:latin typeface="Tahoma" pitchFamily="34" charset="0"/>
-                <a:ea typeface="Tahoma" pitchFamily="34" charset="0"/>
-                <a:cs typeface="Tahoma" pitchFamily="34" charset="0"/>
-              </a:rPr>
-              <a:t>mā</a:t>
-            </a:r>
-            <a:r>
-              <a:rPr lang="en-US" altLang="zh-TW" sz="2800">
-                <a:solidFill>
-                  <a:srgbClr val="002060"/>
-                </a:solidFill>
-                <a:latin typeface="Tahoma" pitchFamily="34" charset="0"/>
-                <a:ea typeface="Tahoma" pitchFamily="34" charset="0"/>
-                <a:cs typeface="Tahoma" pitchFamily="34" charset="0"/>
-              </a:rPr>
-              <a:t> </a:t>
-            </a:r>
-            <a:r>
-              <a:rPr lang="en-US" altLang="zh-TW" sz="2800" smtClean="0">
-                <a:solidFill>
-                  <a:srgbClr val="002060"/>
-                </a:solidFill>
-                <a:latin typeface="Tahoma" pitchFamily="34" charset="0"/>
-                <a:ea typeface="Tahoma" pitchFamily="34" charset="0"/>
-                <a:cs typeface="Tahoma" pitchFamily="34" charset="0"/>
-              </a:rPr>
-              <a:t>d   </a:t>
-            </a:r>
-            <a:r>
-              <a:rPr lang="en-US" altLang="zh-TW" sz="2800" dirty="0" err="1">
-                <a:solidFill>
-                  <a:srgbClr val="002060"/>
-                </a:solidFill>
-                <a:latin typeface="Tahoma" pitchFamily="34" charset="0"/>
-                <a:ea typeface="Tahoma" pitchFamily="34" charset="0"/>
-                <a:cs typeface="Tahoma" pitchFamily="34" charset="0"/>
-              </a:rPr>
-              <a:t>ài</a:t>
-            </a:r>
-            <a:r>
-              <a:rPr lang="en-US" altLang="zh-TW" sz="2800" dirty="0">
-                <a:solidFill>
-                  <a:srgbClr val="002060"/>
-                </a:solidFill>
-                <a:latin typeface="Tahoma" pitchFamily="34" charset="0"/>
-                <a:ea typeface="Tahoma" pitchFamily="34" charset="0"/>
-                <a:cs typeface="Tahoma" pitchFamily="34" charset="0"/>
-              </a:rPr>
-              <a:t>   </a:t>
-            </a:r>
-            <a:r>
-              <a:rPr lang="en-US" altLang="zh-TW" sz="2800" dirty="0" err="1">
-                <a:solidFill>
-                  <a:srgbClr val="002060"/>
-                </a:solidFill>
-                <a:latin typeface="Tahoma" pitchFamily="34" charset="0"/>
-                <a:ea typeface="Tahoma" pitchFamily="34" charset="0"/>
-                <a:cs typeface="Tahoma" pitchFamily="34" charset="0"/>
-              </a:rPr>
-              <a:t>shì</a:t>
-            </a:r>
-            <a:r>
-              <a:rPr lang="en-US" altLang="zh-TW" sz="2800" dirty="0">
-                <a:solidFill>
-                  <a:srgbClr val="002060"/>
-                </a:solidFill>
-                <a:latin typeface="Tahoma" pitchFamily="34" charset="0"/>
-                <a:ea typeface="Tahoma" pitchFamily="34" charset="0"/>
-                <a:cs typeface="Tahoma" pitchFamily="34" charset="0"/>
-              </a:rPr>
-              <a:t>  </a:t>
-            </a:r>
-            <a:r>
-              <a:rPr lang="en-US" altLang="zh-TW" sz="2800" dirty="0" err="1">
-                <a:solidFill>
-                  <a:srgbClr val="002060"/>
-                </a:solidFill>
-                <a:latin typeface="Tahoma" pitchFamily="34" charset="0"/>
-                <a:ea typeface="Tahoma" pitchFamily="34" charset="0"/>
-                <a:cs typeface="Tahoma" pitchFamily="34" charset="0"/>
-              </a:rPr>
-              <a:t>xī</a:t>
-            </a:r>
-            <a:r>
-              <a:rPr lang="en-US" altLang="zh-TW" sz="2800" dirty="0">
-                <a:solidFill>
-                  <a:srgbClr val="002060"/>
-                </a:solidFill>
-                <a:latin typeface="Tahoma" pitchFamily="34" charset="0"/>
-                <a:ea typeface="Tahoma" pitchFamily="34" charset="0"/>
-                <a:cs typeface="Tahoma" pitchFamily="34" charset="0"/>
-              </a:rPr>
-              <a:t> </a:t>
-            </a:r>
-            <a:r>
-              <a:rPr lang="en-US" altLang="zh-TW" sz="2800" dirty="0" err="1">
-                <a:solidFill>
-                  <a:srgbClr val="002060"/>
-                </a:solidFill>
-                <a:latin typeface="Tahoma" pitchFamily="34" charset="0"/>
-                <a:ea typeface="Tahoma" pitchFamily="34" charset="0"/>
-                <a:cs typeface="Tahoma" pitchFamily="34" charset="0"/>
-              </a:rPr>
-              <a:t>shēng</a:t>
-            </a:r>
-            <a:r>
-              <a:rPr lang="en-US" altLang="zh-TW" sz="2800" dirty="0">
-                <a:solidFill>
-                  <a:srgbClr val="002060"/>
-                </a:solidFill>
-                <a:latin typeface="Tahoma" pitchFamily="34" charset="0"/>
-                <a:ea typeface="Tahoma" pitchFamily="34" charset="0"/>
-                <a:cs typeface="Tahoma" pitchFamily="34" charset="0"/>
-              </a:rPr>
-              <a:t> de  </a:t>
-            </a:r>
-            <a:r>
-              <a:rPr lang="en-US" altLang="zh-TW" sz="2800" dirty="0" err="1">
-                <a:solidFill>
-                  <a:srgbClr val="002060"/>
-                </a:solidFill>
-                <a:latin typeface="Tahoma" pitchFamily="34" charset="0"/>
-                <a:ea typeface="Tahoma" pitchFamily="34" charset="0"/>
-                <a:cs typeface="Tahoma" pitchFamily="34" charset="0"/>
-              </a:rPr>
-              <a:t>ài</a:t>
-            </a:r>
-            <a:r>
-              <a:rPr lang="zh-TW" altLang="en-US" sz="2800" dirty="0">
-                <a:solidFill>
-                  <a:srgbClr val="002060"/>
-                </a:solidFill>
-                <a:latin typeface="Tahoma" pitchFamily="34" charset="0"/>
-                <a:ea typeface="Tahoma" pitchFamily="34" charset="0"/>
-                <a:cs typeface="Tahoma" pitchFamily="34" charset="0"/>
-              </a:rPr>
-              <a:t/>
-            </a:r>
-            <a:br>
-              <a:rPr lang="zh-TW" altLang="en-US" sz="2800" dirty="0">
-                <a:solidFill>
-                  <a:srgbClr val="002060"/>
-                </a:solidFill>
-                <a:latin typeface="Tahoma" pitchFamily="34" charset="0"/>
-                <a:ea typeface="Tahoma" pitchFamily="34" charset="0"/>
-                <a:cs typeface="Tahoma" pitchFamily="34" charset="0"/>
-              </a:rPr>
-            </a:br>
-            <a:r>
-              <a:rPr lang="zh-TW" altLang="en-US" sz="4800" b="1" dirty="0">
-                <a:solidFill>
-                  <a:srgbClr val="C00000"/>
-                </a:solidFill>
-                <a:latin typeface="Adobe 楷体 Std R" pitchFamily="18" charset="-128"/>
-                <a:ea typeface="Adobe 楷体 Std R" pitchFamily="18" charset="-128"/>
-              </a:rPr>
-              <a:t>爸爸的愛是堅定的愛</a:t>
-            </a:r>
-            <a:endParaRPr lang="en-US" altLang="zh-TW" sz="4800" b="1" dirty="0">
-              <a:solidFill>
-                <a:srgbClr val="C00000"/>
-              </a:solidFill>
-              <a:latin typeface="Adobe 楷体 Std R" pitchFamily="18" charset="-128"/>
-              <a:ea typeface="Adobe 楷体 Std R" pitchFamily="18" charset="-128"/>
-            </a:endParaRPr>
-          </a:p>
-          <a:p>
-            <a:pPr algn="l"/>
-            <a:r>
-              <a:rPr lang="en-US" altLang="zh-TW" sz="4000" b="1" dirty="0">
-                <a:solidFill>
-                  <a:srgbClr val="002060"/>
-                </a:solidFill>
-              </a:rPr>
-              <a:t> </a:t>
-            </a:r>
-            <a:r>
-              <a:rPr lang="en-US" altLang="zh-TW" sz="2800" dirty="0" err="1" smtClean="0">
-                <a:solidFill>
-                  <a:srgbClr val="002060"/>
-                </a:solidFill>
-                <a:latin typeface="Tahoma" pitchFamily="34" charset="0"/>
-                <a:ea typeface="Tahoma" pitchFamily="34" charset="0"/>
-                <a:cs typeface="Tahoma" pitchFamily="34" charset="0"/>
-              </a:rPr>
-              <a:t>Bà</a:t>
-            </a:r>
-            <a:r>
-              <a:rPr lang="en-US" altLang="zh-TW" sz="2800" dirty="0" smtClean="0">
-                <a:solidFill>
-                  <a:srgbClr val="002060"/>
-                </a:solidFill>
-                <a:latin typeface="Tahoma" pitchFamily="34" charset="0"/>
-                <a:ea typeface="Tahoma" pitchFamily="34" charset="0"/>
-                <a:cs typeface="Tahoma" pitchFamily="34" charset="0"/>
-              </a:rPr>
-              <a:t>  </a:t>
-            </a:r>
-            <a:r>
-              <a:rPr lang="en-US" altLang="zh-TW" sz="2800" dirty="0" err="1" smtClean="0">
-                <a:solidFill>
-                  <a:srgbClr val="002060"/>
-                </a:solidFill>
-                <a:latin typeface="Tahoma" pitchFamily="34" charset="0"/>
-                <a:ea typeface="Tahoma" pitchFamily="34" charset="0"/>
-                <a:cs typeface="Tahoma" pitchFamily="34" charset="0"/>
-              </a:rPr>
-              <a:t>ba</a:t>
-            </a:r>
-            <a:r>
-              <a:rPr lang="en-US" altLang="zh-TW" sz="2800" dirty="0" smtClean="0">
-                <a:solidFill>
-                  <a:srgbClr val="002060"/>
-                </a:solidFill>
-                <a:latin typeface="Tahoma" pitchFamily="34" charset="0"/>
-                <a:ea typeface="Tahoma" pitchFamily="34" charset="0"/>
-                <a:cs typeface="Tahoma" pitchFamily="34" charset="0"/>
-              </a:rPr>
-              <a:t>  de   </a:t>
-            </a:r>
-            <a:r>
-              <a:rPr lang="en-US" altLang="zh-TW" sz="2800" dirty="0" err="1" smtClean="0">
-                <a:solidFill>
-                  <a:srgbClr val="002060"/>
-                </a:solidFill>
-                <a:latin typeface="Tahoma" pitchFamily="34" charset="0"/>
-                <a:ea typeface="Tahoma" pitchFamily="34" charset="0"/>
-                <a:cs typeface="Tahoma" pitchFamily="34" charset="0"/>
-              </a:rPr>
-              <a:t>ài</a:t>
-            </a:r>
-            <a:r>
-              <a:rPr lang="en-US" altLang="zh-TW" sz="2800" dirty="0" smtClean="0">
-                <a:solidFill>
-                  <a:srgbClr val="002060"/>
-                </a:solidFill>
-                <a:latin typeface="Tahoma" pitchFamily="34" charset="0"/>
-                <a:ea typeface="Tahoma" pitchFamily="34" charset="0"/>
-                <a:cs typeface="Tahoma" pitchFamily="34" charset="0"/>
-              </a:rPr>
-              <a:t>  </a:t>
-            </a:r>
-            <a:r>
-              <a:rPr lang="en-US" altLang="zh-TW" sz="2800" dirty="0" err="1" smtClean="0">
-                <a:solidFill>
-                  <a:srgbClr val="002060"/>
-                </a:solidFill>
-                <a:latin typeface="Tahoma" pitchFamily="34" charset="0"/>
-                <a:ea typeface="Tahoma" pitchFamily="34" charset="0"/>
-                <a:cs typeface="Tahoma" pitchFamily="34" charset="0"/>
-              </a:rPr>
-              <a:t>shì</a:t>
-            </a:r>
-            <a:r>
-              <a:rPr lang="en-US" altLang="zh-TW" sz="2800" dirty="0" smtClean="0">
-                <a:solidFill>
-                  <a:srgbClr val="002060"/>
-                </a:solidFill>
-                <a:latin typeface="Tahoma" pitchFamily="34" charset="0"/>
-                <a:ea typeface="Tahoma" pitchFamily="34" charset="0"/>
-                <a:cs typeface="Tahoma" pitchFamily="34" charset="0"/>
-              </a:rPr>
-              <a:t> </a:t>
-            </a:r>
-            <a:r>
-              <a:rPr lang="en-US" altLang="zh-TW" sz="2800" dirty="0" err="1" smtClean="0">
-                <a:solidFill>
-                  <a:srgbClr val="002060"/>
-                </a:solidFill>
-                <a:latin typeface="Tahoma" pitchFamily="34" charset="0"/>
-                <a:ea typeface="Tahoma" pitchFamily="34" charset="0"/>
-                <a:cs typeface="Tahoma" pitchFamily="34" charset="0"/>
-              </a:rPr>
-              <a:t>jiān</a:t>
-            </a:r>
-            <a:r>
-              <a:rPr lang="en-US" altLang="zh-TW" sz="2800" dirty="0" smtClean="0">
-                <a:solidFill>
-                  <a:srgbClr val="002060"/>
-                </a:solidFill>
-                <a:latin typeface="Tahoma" pitchFamily="34" charset="0"/>
-                <a:ea typeface="Tahoma" pitchFamily="34" charset="0"/>
-                <a:cs typeface="Tahoma" pitchFamily="34" charset="0"/>
-              </a:rPr>
-              <a:t> </a:t>
-            </a:r>
-            <a:r>
-              <a:rPr lang="en-US" altLang="zh-TW" sz="2800" dirty="0" err="1" smtClean="0">
-                <a:solidFill>
-                  <a:srgbClr val="002060"/>
-                </a:solidFill>
-                <a:latin typeface="Tahoma" pitchFamily="34" charset="0"/>
-                <a:ea typeface="Tahoma" pitchFamily="34" charset="0"/>
-                <a:cs typeface="Tahoma" pitchFamily="34" charset="0"/>
-              </a:rPr>
-              <a:t>dìng</a:t>
-            </a:r>
-            <a:r>
-              <a:rPr lang="en-US" altLang="zh-TW" sz="2800" dirty="0" smtClean="0">
-                <a:solidFill>
-                  <a:srgbClr val="002060"/>
-                </a:solidFill>
-                <a:latin typeface="Tahoma" pitchFamily="34" charset="0"/>
-                <a:ea typeface="Tahoma" pitchFamily="34" charset="0"/>
-                <a:cs typeface="Tahoma" pitchFamily="34" charset="0"/>
-              </a:rPr>
-              <a:t> </a:t>
-            </a:r>
-            <a:r>
-              <a:rPr lang="en-US" altLang="zh-TW" sz="2800" dirty="0">
-                <a:solidFill>
-                  <a:srgbClr val="002060"/>
-                </a:solidFill>
-                <a:latin typeface="Tahoma" pitchFamily="34" charset="0"/>
-                <a:ea typeface="Tahoma" pitchFamily="34" charset="0"/>
-                <a:cs typeface="Tahoma" pitchFamily="34" charset="0"/>
-              </a:rPr>
-              <a:t>de </a:t>
-            </a:r>
-            <a:r>
-              <a:rPr lang="en-US" altLang="zh-TW" sz="2800" dirty="0" err="1">
-                <a:solidFill>
-                  <a:srgbClr val="002060"/>
-                </a:solidFill>
-                <a:latin typeface="Tahoma" pitchFamily="34" charset="0"/>
-                <a:ea typeface="Tahoma" pitchFamily="34" charset="0"/>
-                <a:cs typeface="Tahoma" pitchFamily="34" charset="0"/>
-              </a:rPr>
-              <a:t>ài</a:t>
-            </a:r>
-            <a:r>
-              <a:rPr lang="zh-TW" altLang="en-US" sz="2800" dirty="0">
-                <a:solidFill>
-                  <a:srgbClr val="00B0F0"/>
-                </a:solidFill>
-                <a:latin typeface="Tahoma" pitchFamily="34" charset="0"/>
-                <a:ea typeface="Tahoma" pitchFamily="34" charset="0"/>
-                <a:cs typeface="Tahoma" pitchFamily="34" charset="0"/>
-              </a:rPr>
-              <a:t/>
-            </a:r>
-            <a:br>
-              <a:rPr lang="zh-TW" altLang="en-US" sz="2800" dirty="0">
-                <a:solidFill>
-                  <a:srgbClr val="00B0F0"/>
-                </a:solidFill>
-                <a:latin typeface="Tahoma" pitchFamily="34" charset="0"/>
-                <a:ea typeface="Tahoma" pitchFamily="34" charset="0"/>
-                <a:cs typeface="Tahoma" pitchFamily="34" charset="0"/>
-              </a:rPr>
-            </a:br>
-            <a:r>
-              <a:rPr lang="zh-TW" altLang="en-US" sz="4800" b="1" dirty="0">
-                <a:solidFill>
-                  <a:srgbClr val="C00000"/>
-                </a:solidFill>
-                <a:latin typeface="Adobe 楷体 Std R" pitchFamily="18" charset="-128"/>
-                <a:ea typeface="Adobe 楷体 Std R" pitchFamily="18" charset="-128"/>
-              </a:rPr>
-              <a:t>你們讓</a:t>
-            </a:r>
-            <a:r>
-              <a:rPr lang="zh-TW" altLang="en-US" sz="4800" b="1" dirty="0" smtClean="0">
-                <a:solidFill>
-                  <a:srgbClr val="C00000"/>
-                </a:solidFill>
-                <a:latin typeface="Adobe 楷体 Std R" pitchFamily="18" charset="-128"/>
-                <a:ea typeface="Adobe 楷体 Std R" pitchFamily="18" charset="-128"/>
-              </a:rPr>
-              <a:t>我 學習長  大</a:t>
-            </a:r>
-            <a:endParaRPr lang="en-US" altLang="zh-TW" sz="4800" b="1" dirty="0">
-              <a:solidFill>
-                <a:srgbClr val="C00000"/>
-              </a:solidFill>
-              <a:latin typeface="Adobe 楷体 Std R" pitchFamily="18" charset="-128"/>
-              <a:ea typeface="Adobe 楷体 Std R" pitchFamily="18" charset="-128"/>
-            </a:endParaRPr>
-          </a:p>
-          <a:p>
-            <a:pPr algn="l"/>
-            <a:r>
-              <a:rPr lang="en-US" altLang="zh-TW" sz="2800" dirty="0" smtClean="0">
-                <a:solidFill>
-                  <a:srgbClr val="002060"/>
-                </a:solidFill>
-                <a:latin typeface="Tahoma" pitchFamily="34" charset="0"/>
-                <a:ea typeface="Tahoma" pitchFamily="34" charset="0"/>
-                <a:cs typeface="Tahoma" pitchFamily="34" charset="0"/>
-              </a:rPr>
-              <a:t> </a:t>
-            </a:r>
-            <a:r>
-              <a:rPr lang="en-US" altLang="zh-TW" sz="2800" dirty="0" err="1" smtClean="0">
-                <a:solidFill>
-                  <a:srgbClr val="002060"/>
-                </a:solidFill>
-                <a:latin typeface="Tahoma" pitchFamily="34" charset="0"/>
-                <a:ea typeface="Tahoma" pitchFamily="34" charset="0"/>
-                <a:cs typeface="Tahoma" pitchFamily="34" charset="0"/>
-              </a:rPr>
-              <a:t>Nǐ</a:t>
-            </a:r>
-            <a:r>
-              <a:rPr lang="en-US" altLang="zh-TW" sz="2800" dirty="0" smtClean="0">
-                <a:solidFill>
-                  <a:srgbClr val="002060"/>
-                </a:solidFill>
-                <a:latin typeface="Tahoma" pitchFamily="34" charset="0"/>
-                <a:ea typeface="Tahoma" pitchFamily="34" charset="0"/>
-                <a:cs typeface="Tahoma" pitchFamily="34" charset="0"/>
-              </a:rPr>
-              <a:t> men </a:t>
-            </a:r>
-            <a:r>
-              <a:rPr lang="en-US" altLang="zh-TW" sz="2800" dirty="0" err="1" smtClean="0">
-                <a:solidFill>
-                  <a:srgbClr val="002060"/>
-                </a:solidFill>
-                <a:latin typeface="Tahoma" pitchFamily="34" charset="0"/>
-                <a:ea typeface="Tahoma" pitchFamily="34" charset="0"/>
-                <a:cs typeface="Tahoma" pitchFamily="34" charset="0"/>
-              </a:rPr>
-              <a:t>ràng</a:t>
-            </a:r>
-            <a:r>
-              <a:rPr lang="en-US" altLang="zh-TW" sz="2800" dirty="0" smtClean="0">
-                <a:solidFill>
-                  <a:srgbClr val="002060"/>
-                </a:solidFill>
-                <a:latin typeface="Tahoma" pitchFamily="34" charset="0"/>
-                <a:ea typeface="Tahoma" pitchFamily="34" charset="0"/>
-                <a:cs typeface="Tahoma" pitchFamily="34" charset="0"/>
-              </a:rPr>
-              <a:t> </a:t>
-            </a:r>
-            <a:r>
-              <a:rPr lang="en-US" altLang="zh-TW" sz="2800" dirty="0" err="1" smtClean="0">
-                <a:solidFill>
-                  <a:srgbClr val="002060"/>
-                </a:solidFill>
-                <a:latin typeface="Tahoma" pitchFamily="34" charset="0"/>
-                <a:ea typeface="Tahoma" pitchFamily="34" charset="0"/>
-                <a:cs typeface="Tahoma" pitchFamily="34" charset="0"/>
-              </a:rPr>
-              <a:t>wǒ</a:t>
-            </a:r>
-            <a:r>
-              <a:rPr lang="en-US" altLang="zh-TW" sz="2800" dirty="0" smtClean="0">
-                <a:solidFill>
-                  <a:srgbClr val="002060"/>
-                </a:solidFill>
-                <a:latin typeface="Tahoma" pitchFamily="34" charset="0"/>
-                <a:ea typeface="Tahoma" pitchFamily="34" charset="0"/>
-                <a:cs typeface="Tahoma" pitchFamily="34" charset="0"/>
-              </a:rPr>
-              <a:t> </a:t>
-            </a:r>
-            <a:r>
-              <a:rPr lang="en-US" altLang="zh-TW" sz="2800" dirty="0" err="1" smtClean="0">
-                <a:solidFill>
-                  <a:srgbClr val="002060"/>
-                </a:solidFill>
-                <a:latin typeface="Tahoma" pitchFamily="34" charset="0"/>
-                <a:ea typeface="Tahoma" pitchFamily="34" charset="0"/>
-                <a:cs typeface="Tahoma" pitchFamily="34" charset="0"/>
-              </a:rPr>
-              <a:t>xué</a:t>
-            </a:r>
-            <a:r>
-              <a:rPr lang="en-US" altLang="zh-TW" sz="2800" dirty="0" smtClean="0">
-                <a:solidFill>
-                  <a:srgbClr val="002060"/>
-                </a:solidFill>
-                <a:latin typeface="Tahoma" pitchFamily="34" charset="0"/>
-                <a:ea typeface="Tahoma" pitchFamily="34" charset="0"/>
-                <a:cs typeface="Tahoma" pitchFamily="34" charset="0"/>
-              </a:rPr>
-              <a:t> </a:t>
-            </a:r>
-            <a:r>
-              <a:rPr lang="en-US" altLang="zh-TW" sz="2800" dirty="0" err="1" smtClean="0">
-                <a:solidFill>
-                  <a:srgbClr val="002060"/>
-                </a:solidFill>
-                <a:latin typeface="Tahoma" pitchFamily="34" charset="0"/>
-                <a:ea typeface="Tahoma" pitchFamily="34" charset="0"/>
-                <a:cs typeface="Tahoma" pitchFamily="34" charset="0"/>
-              </a:rPr>
-              <a:t>xí</a:t>
-            </a:r>
-            <a:r>
-              <a:rPr lang="en-US" altLang="zh-TW" sz="2800" dirty="0" smtClean="0">
-                <a:solidFill>
-                  <a:srgbClr val="002060"/>
-                </a:solidFill>
-                <a:latin typeface="Tahoma" pitchFamily="34" charset="0"/>
-                <a:ea typeface="Tahoma" pitchFamily="34" charset="0"/>
-                <a:cs typeface="Tahoma" pitchFamily="34" charset="0"/>
-              </a:rPr>
-              <a:t> </a:t>
-            </a:r>
-            <a:r>
-              <a:rPr lang="en-US" altLang="zh-TW" sz="2800" dirty="0" err="1" smtClean="0">
-                <a:solidFill>
-                  <a:srgbClr val="002060"/>
-                </a:solidFill>
-                <a:latin typeface="Tahoma" pitchFamily="34" charset="0"/>
-                <a:ea typeface="Tahoma" pitchFamily="34" charset="0"/>
-                <a:cs typeface="Tahoma" pitchFamily="34" charset="0"/>
-              </a:rPr>
-              <a:t>zhǎng</a:t>
-            </a:r>
-            <a:r>
-              <a:rPr lang="en-US" altLang="zh-TW" sz="2800" dirty="0" smtClean="0">
-                <a:solidFill>
-                  <a:srgbClr val="002060"/>
-                </a:solidFill>
-                <a:latin typeface="Tahoma" pitchFamily="34" charset="0"/>
-                <a:ea typeface="Tahoma" pitchFamily="34" charset="0"/>
-                <a:cs typeface="Tahoma" pitchFamily="34" charset="0"/>
-              </a:rPr>
-              <a:t> </a:t>
-            </a:r>
-            <a:r>
-              <a:rPr lang="en-US" altLang="zh-TW" sz="2800" dirty="0" err="1" smtClean="0">
+              <a:rPr lang="en-US" altLang="zh-TW" sz="4000" dirty="0" err="1" smtClean="0">
                 <a:solidFill>
                   <a:srgbClr val="002060"/>
                 </a:solidFill>
@@ -6342,163 +5874,7 @@
               </a:rPr>
               <a:t>dà</a:t>
             </a:r>
-            <a:r>
-              <a:rPr lang="zh-TW" altLang="en-US" sz="4000" b="1" dirty="0" smtClean="0">
-                <a:solidFill>
-                  <a:srgbClr val="C00000"/>
-                </a:solidFill>
-              </a:rPr>
-              <a:t/>
-            </a:r>
-            <a:br>
-              <a:rPr lang="zh-TW" altLang="en-US" sz="4000" b="1" dirty="0" smtClean="0">
-                <a:solidFill>
-                  <a:srgbClr val="C00000"/>
-                </a:solidFill>
-              </a:rPr>
-            </a:br>
-            <a:r>
-              <a:rPr lang="zh-TW" altLang="en-US" sz="4800" b="1" dirty="0" smtClean="0">
-                <a:solidFill>
-                  <a:srgbClr val="C00000"/>
-                </a:solidFill>
-                <a:latin typeface="Adobe 楷体 Std R" pitchFamily="18" charset="-128"/>
-                <a:ea typeface="Adobe 楷体 Std R" pitchFamily="18" charset="-128"/>
-              </a:rPr>
-              <a:t>讓  我 夢   想  飛 翔</a:t>
-            </a:r>
-            <a:endParaRPr lang="en-US" altLang="zh-TW" sz="4800" b="1" dirty="0" smtClean="0">
-              <a:solidFill>
-                <a:srgbClr val="C00000"/>
-              </a:solidFill>
-              <a:latin typeface="Adobe 楷体 Std R" pitchFamily="18" charset="-128"/>
-              <a:ea typeface="Adobe 楷体 Std R" pitchFamily="18" charset="-128"/>
-            </a:endParaRPr>
-          </a:p>
-          <a:p>
-            <a:pPr algn="l"/>
-            <a:r>
-              <a:rPr lang="en-US" altLang="zh-TW" sz="2800" dirty="0" err="1" smtClean="0">
-                <a:solidFill>
-                  <a:srgbClr val="002060"/>
-                </a:solidFill>
-                <a:latin typeface="Tahoma" pitchFamily="34" charset="0"/>
-                <a:ea typeface="Tahoma" pitchFamily="34" charset="0"/>
-                <a:cs typeface="Tahoma" pitchFamily="34" charset="0"/>
-              </a:rPr>
-              <a:t>Ràng</a:t>
-            </a:r>
-            <a:r>
-              <a:rPr lang="en-US" altLang="zh-TW" sz="2800" dirty="0" smtClean="0">
-                <a:solidFill>
-                  <a:srgbClr val="002060"/>
-                </a:solidFill>
-                <a:latin typeface="Tahoma" pitchFamily="34" charset="0"/>
-                <a:ea typeface="Tahoma" pitchFamily="34" charset="0"/>
-                <a:cs typeface="Tahoma" pitchFamily="34" charset="0"/>
-              </a:rPr>
-              <a:t> </a:t>
-            </a:r>
-            <a:r>
-              <a:rPr lang="en-US" altLang="zh-TW" sz="2800" dirty="0" err="1">
-                <a:solidFill>
-                  <a:srgbClr val="002060"/>
-                </a:solidFill>
-                <a:latin typeface="Tahoma" pitchFamily="34" charset="0"/>
-                <a:ea typeface="Tahoma" pitchFamily="34" charset="0"/>
-                <a:cs typeface="Tahoma" pitchFamily="34" charset="0"/>
-              </a:rPr>
-              <a:t>wǒ</a:t>
-            </a:r>
-            <a:r>
-              <a:rPr lang="en-US" altLang="zh-TW" sz="2800" dirty="0">
-                <a:solidFill>
-                  <a:srgbClr val="002060"/>
-                </a:solidFill>
-                <a:latin typeface="Tahoma" pitchFamily="34" charset="0"/>
-                <a:ea typeface="Tahoma" pitchFamily="34" charset="0"/>
-                <a:cs typeface="Tahoma" pitchFamily="34" charset="0"/>
-              </a:rPr>
-              <a:t> </a:t>
-            </a:r>
-            <a:r>
-              <a:rPr lang="en-US" altLang="zh-TW" sz="2800" dirty="0" err="1" smtClean="0">
-                <a:solidFill>
-                  <a:srgbClr val="002060"/>
-                </a:solidFill>
-                <a:latin typeface="Tahoma" pitchFamily="34" charset="0"/>
-                <a:ea typeface="Tahoma" pitchFamily="34" charset="0"/>
-                <a:cs typeface="Tahoma" pitchFamily="34" charset="0"/>
-              </a:rPr>
-              <a:t>mèng</a:t>
-            </a:r>
-            <a:r>
-              <a:rPr lang="en-US" altLang="zh-TW" sz="2800" dirty="0" smtClean="0">
-                <a:solidFill>
-                  <a:srgbClr val="002060"/>
-                </a:solidFill>
-                <a:latin typeface="Tahoma" pitchFamily="34" charset="0"/>
-                <a:ea typeface="Tahoma" pitchFamily="34" charset="0"/>
-                <a:cs typeface="Tahoma" pitchFamily="34" charset="0"/>
-              </a:rPr>
-              <a:t> </a:t>
-            </a:r>
-            <a:r>
-              <a:rPr lang="en-US" altLang="zh-TW" sz="2800" dirty="0" err="1" smtClean="0">
-                <a:solidFill>
-                  <a:srgbClr val="002060"/>
-                </a:solidFill>
-                <a:latin typeface="Tahoma" pitchFamily="34" charset="0"/>
-                <a:ea typeface="Tahoma" pitchFamily="34" charset="0"/>
-                <a:cs typeface="Tahoma" pitchFamily="34" charset="0"/>
-              </a:rPr>
-              <a:t>xiǎng</a:t>
-            </a:r>
-            <a:r>
-              <a:rPr lang="en-US" altLang="zh-TW" sz="2800" dirty="0" smtClean="0">
-                <a:solidFill>
-                  <a:srgbClr val="002060"/>
-                </a:solidFill>
-                <a:latin typeface="Tahoma" pitchFamily="34" charset="0"/>
-                <a:ea typeface="Tahoma" pitchFamily="34" charset="0"/>
-                <a:cs typeface="Tahoma" pitchFamily="34" charset="0"/>
-              </a:rPr>
-              <a:t>  </a:t>
-            </a:r>
-            <a:r>
-              <a:rPr lang="en-US" altLang="zh-TW" sz="2800" dirty="0" err="1" smtClean="0">
-                <a:solidFill>
-                  <a:srgbClr val="002060"/>
-                </a:solidFill>
-                <a:latin typeface="Tahoma" pitchFamily="34" charset="0"/>
-                <a:ea typeface="Tahoma" pitchFamily="34" charset="0"/>
-                <a:cs typeface="Tahoma" pitchFamily="34" charset="0"/>
-              </a:rPr>
-              <a:t>fēi</a:t>
-            </a:r>
-            <a:r>
-              <a:rPr lang="en-US" altLang="zh-TW" sz="2800" dirty="0" smtClean="0">
-                <a:solidFill>
-                  <a:srgbClr val="002060"/>
-                </a:solidFill>
-                <a:latin typeface="Tahoma" pitchFamily="34" charset="0"/>
-                <a:ea typeface="Tahoma" pitchFamily="34" charset="0"/>
-                <a:cs typeface="Tahoma" pitchFamily="34" charset="0"/>
-              </a:rPr>
-              <a:t>  </a:t>
-            </a:r>
-            <a:r>
-              <a:rPr lang="en-US" altLang="zh-TW" sz="2800" dirty="0" err="1" smtClean="0">
-                <a:solidFill>
-                  <a:srgbClr val="002060"/>
-                </a:solidFill>
-                <a:latin typeface="Tahoma" pitchFamily="34" charset="0"/>
-                <a:ea typeface="Tahoma" pitchFamily="34" charset="0"/>
-                <a:cs typeface="Tahoma" pitchFamily="34" charset="0"/>
-              </a:rPr>
-              <a:t>xiáng</a:t>
-            </a:r>
-            <a:endParaRPr lang="zh-TW" altLang="en-US" sz="2800" dirty="0">
+            <a:endParaRPr lang="en-US" altLang="zh-TW" sz="4000" dirty="0" smtClean="0">
               <a:solidFill>
                 <a:srgbClr val="002060"/>
               </a:solidFill>
@@ -6507,12 +5883,413 @@
               <a:cs typeface="Tahoma" pitchFamily="34" charset="0"/>
             </a:endParaRPr>
           </a:p>
+          <a:p>
+            <a:r>
+              <a:rPr lang="zh-CN" altLang="en-US" sz="6600" b="1" dirty="0" smtClean="0">
+                <a:solidFill>
+                  <a:srgbClr val="C00000"/>
+                </a:solidFill>
+                <a:effectLst>
+                  <a:outerShdw blurRad="38100" dist="38100" dir="2700000" algn="tl">
+                    <a:srgbClr val="000000">
+                      <a:alpha val="43137"/>
+                    </a:srgbClr>
+                  </a:outerShdw>
+                </a:effectLst>
+                <a:latin typeface="標楷體" pitchFamily="65" charset="-120"/>
+                <a:ea typeface="標楷體" pitchFamily="65" charset="-120"/>
+                <a:cs typeface="Tahoma" pitchFamily="34" charset="0"/>
+              </a:rPr>
+              <a:t>夢想</a:t>
+            </a:r>
+            <a:endParaRPr lang="en-US" altLang="zh-CN" sz="6600" b="1" dirty="0" smtClean="0">
+              <a:solidFill>
+                <a:srgbClr val="C00000"/>
+              </a:solidFill>
+              <a:effectLst>
+                <a:outerShdw blurRad="38100" dist="38100" dir="2700000" algn="tl">
+                  <a:srgbClr val="000000">
+                    <a:alpha val="43137"/>
+                  </a:srgbClr>
+                </a:outerShdw>
+              </a:effectLst>
+              <a:latin typeface="標楷體" pitchFamily="65" charset="-120"/>
+              <a:ea typeface="標楷體" pitchFamily="65" charset="-120"/>
+              <a:cs typeface="Tahoma" pitchFamily="34" charset="0"/>
+            </a:endParaRPr>
+          </a:p>
+          <a:p>
+            <a:r>
+              <a:rPr lang="en-US" altLang="zh-TW" sz="4000" dirty="0" err="1" smtClean="0">
+                <a:solidFill>
+                  <a:srgbClr val="002060"/>
+                </a:solidFill>
+                <a:latin typeface="Tahoma" pitchFamily="34" charset="0"/>
+                <a:ea typeface="Tahoma" pitchFamily="34" charset="0"/>
+                <a:cs typeface="Tahoma" pitchFamily="34" charset="0"/>
+              </a:rPr>
+              <a:t>mèng</a:t>
+            </a:r>
+            <a:r>
+              <a:rPr lang="en-US" altLang="zh-TW" sz="4000" dirty="0" smtClean="0">
+                <a:solidFill>
+                  <a:srgbClr val="002060"/>
+                </a:solidFill>
+                <a:latin typeface="Tahoma" pitchFamily="34" charset="0"/>
+                <a:ea typeface="Tahoma" pitchFamily="34" charset="0"/>
+                <a:cs typeface="Tahoma" pitchFamily="34" charset="0"/>
+              </a:rPr>
+              <a:t> </a:t>
+            </a:r>
+            <a:r>
+              <a:rPr lang="en-US" altLang="zh-TW" sz="4000" dirty="0" err="1" smtClean="0">
+                <a:solidFill>
+                  <a:srgbClr val="002060"/>
+                </a:solidFill>
+                <a:latin typeface="Tahoma" pitchFamily="34" charset="0"/>
+                <a:ea typeface="Tahoma" pitchFamily="34" charset="0"/>
+                <a:cs typeface="Tahoma" pitchFamily="34" charset="0"/>
+              </a:rPr>
+              <a:t>xiǎng</a:t>
+            </a:r>
+            <a:endParaRPr lang="en-US" altLang="zh-CN" sz="4000" dirty="0" err="1" smtClean="0">
+              <a:solidFill>
+                <a:srgbClr val="002060"/>
+              </a:solidFill>
+              <a:latin typeface="Tahoma" pitchFamily="34" charset="0"/>
+              <a:ea typeface="Tahoma" pitchFamily="34" charset="0"/>
+              <a:cs typeface="Tahoma" pitchFamily="34" charset="0"/>
+            </a:endParaRPr>
+          </a:p>
+          <a:p>
+            <a:r>
+              <a:rPr lang="zh-CN" altLang="en-US" sz="6600" b="1" dirty="0" smtClean="0">
+                <a:solidFill>
+                  <a:srgbClr val="C00000"/>
+                </a:solidFill>
+                <a:effectLst>
+                  <a:outerShdw blurRad="38100" dist="38100" dir="2700000" algn="tl">
+                    <a:srgbClr val="000000">
+                      <a:alpha val="43137"/>
+                    </a:srgbClr>
+                  </a:outerShdw>
+                </a:effectLst>
+                <a:latin typeface="標楷體" pitchFamily="65" charset="-120"/>
+                <a:ea typeface="標楷體" pitchFamily="65" charset="-120"/>
+                <a:cs typeface="Tahoma" pitchFamily="34" charset="0"/>
+              </a:rPr>
+              <a:t>飛翔</a:t>
+            </a:r>
+            <a:endParaRPr lang="en-US" altLang="zh-CN" sz="6600" b="1" dirty="0" smtClean="0">
+              <a:solidFill>
+                <a:srgbClr val="C00000"/>
+              </a:solidFill>
+              <a:effectLst>
+                <a:outerShdw blurRad="38100" dist="38100" dir="2700000" algn="tl">
+                  <a:srgbClr val="000000">
+                    <a:alpha val="43137"/>
+                  </a:srgbClr>
+                </a:outerShdw>
+              </a:effectLst>
+              <a:latin typeface="標楷體" pitchFamily="65" charset="-120"/>
+              <a:ea typeface="標楷體" pitchFamily="65" charset="-120"/>
+              <a:cs typeface="Tahoma" pitchFamily="34" charset="0"/>
+            </a:endParaRPr>
+          </a:p>
+          <a:p>
+            <a:r>
+              <a:rPr lang="en-US" altLang="zh-TW" sz="4000" dirty="0" err="1" smtClean="0">
+                <a:solidFill>
+                  <a:srgbClr val="002060"/>
+                </a:solidFill>
+                <a:latin typeface="Tahoma" pitchFamily="34" charset="0"/>
+                <a:ea typeface="Tahoma" pitchFamily="34" charset="0"/>
+                <a:cs typeface="Tahoma" pitchFamily="34" charset="0"/>
+              </a:rPr>
+              <a:t>fēi</a:t>
+            </a:r>
+            <a:r>
+              <a:rPr lang="en-US" altLang="zh-TW" sz="4000" dirty="0" smtClean="0">
+                <a:solidFill>
+                  <a:srgbClr val="002060"/>
+                </a:solidFill>
+                <a:latin typeface="Tahoma" pitchFamily="34" charset="0"/>
+                <a:ea typeface="Tahoma" pitchFamily="34" charset="0"/>
+                <a:cs typeface="Tahoma" pitchFamily="34" charset="0"/>
+              </a:rPr>
+              <a:t>  </a:t>
+            </a:r>
+            <a:r>
+              <a:rPr lang="en-US" altLang="zh-TW" sz="4000" dirty="0" err="1" smtClean="0">
+                <a:solidFill>
+                  <a:srgbClr val="002060"/>
+                </a:solidFill>
+                <a:latin typeface="Tahoma" pitchFamily="34" charset="0"/>
+                <a:ea typeface="Tahoma" pitchFamily="34" charset="0"/>
+                <a:cs typeface="Tahoma" pitchFamily="34" charset="0"/>
+              </a:rPr>
+              <a:t>xiáng</a:t>
+            </a:r>
+            <a:endParaRPr lang="en-US" altLang="zh-CN" sz="4000" dirty="0" err="1" smtClean="0">
+              <a:solidFill>
+                <a:srgbClr val="002060"/>
+              </a:solidFill>
+              <a:latin typeface="Tahoma" pitchFamily="34" charset="0"/>
+              <a:ea typeface="Tahoma" pitchFamily="34" charset="0"/>
+              <a:cs typeface="Tahoma" pitchFamily="34" charset="0"/>
+            </a:endParaRPr>
+          </a:p>
+        </p:txBody>
+      </p:sp>
+      <p:sp>
+        <p:nvSpPr>
+          <p:cNvPr id="7" name="文字方塊 6"/>
+          <p:cNvSpPr txBox="1"/>
+          <p:nvPr/>
+        </p:nvSpPr>
+        <p:spPr>
+          <a:xfrm>
+            <a:off x="1285852" y="443284"/>
+            <a:ext cx="3286148" cy="4985980"/>
+          </a:xfrm>
+          <a:prstGeom prst="rect">
+            <a:avLst/>
+          </a:prstGeom>
+          <a:noFill/>
+        </p:spPr>
+        <p:txBody>
+          <a:bodyPr wrap="square" rtlCol="0">
+            <a:spAutoFit/>
+          </a:bodyPr>
+          <a:lstStyle/>
+          <a:p>
+            <a:r>
+              <a:rPr lang="zh-TW" altLang="en-US" sz="6600" b="1" dirty="0" smtClean="0">
+                <a:solidFill>
+                  <a:srgbClr val="C00000"/>
+                </a:solidFill>
+                <a:effectLst>
+                  <a:outerShdw blurRad="38100" dist="38100" dir="2700000" algn="tl">
+                    <a:srgbClr val="000000">
+                      <a:alpha val="43137"/>
+                    </a:srgbClr>
+                  </a:outerShdw>
+                </a:effectLst>
+                <a:latin typeface="標楷體" pitchFamily="65" charset="-120"/>
+                <a:ea typeface="標楷體" pitchFamily="65" charset="-120"/>
+              </a:rPr>
+              <a:t>犧牲</a:t>
+            </a:r>
+            <a:endParaRPr lang="en-US" altLang="zh-TW" sz="6600" b="1" dirty="0" smtClean="0">
+              <a:solidFill>
+                <a:srgbClr val="C00000"/>
+              </a:solidFill>
+              <a:effectLst>
+                <a:outerShdw blurRad="38100" dist="38100" dir="2700000" algn="tl">
+                  <a:srgbClr val="000000">
+                    <a:alpha val="43137"/>
+                  </a:srgbClr>
+                </a:outerShdw>
+              </a:effectLst>
+              <a:latin typeface="標楷體" pitchFamily="65" charset="-120"/>
+              <a:ea typeface="標楷體" pitchFamily="65" charset="-120"/>
+            </a:endParaRPr>
+          </a:p>
+          <a:p>
+            <a:r>
+              <a:rPr lang="en-US" altLang="zh-TW" sz="4000" dirty="0" err="1" smtClean="0">
+                <a:solidFill>
+                  <a:srgbClr val="002060"/>
+                </a:solidFill>
+                <a:latin typeface="Tahoma" pitchFamily="34" charset="0"/>
+                <a:ea typeface="Tahoma" pitchFamily="34" charset="0"/>
+                <a:cs typeface="Tahoma" pitchFamily="34" charset="0"/>
+              </a:rPr>
+              <a:t>xī</a:t>
+            </a:r>
+            <a:r>
+              <a:rPr lang="en-US" altLang="zh-TW" sz="4000" dirty="0" smtClean="0">
+                <a:solidFill>
+                  <a:srgbClr val="002060"/>
+                </a:solidFill>
+                <a:latin typeface="Tahoma" pitchFamily="34" charset="0"/>
+                <a:ea typeface="Tahoma" pitchFamily="34" charset="0"/>
+                <a:cs typeface="Tahoma" pitchFamily="34" charset="0"/>
+              </a:rPr>
+              <a:t> </a:t>
+            </a:r>
+            <a:r>
+              <a:rPr lang="en-US" altLang="zh-TW" sz="4000" dirty="0" err="1" smtClean="0">
+                <a:solidFill>
+                  <a:srgbClr val="002060"/>
+                </a:solidFill>
+                <a:latin typeface="Tahoma" pitchFamily="34" charset="0"/>
+                <a:ea typeface="Tahoma" pitchFamily="34" charset="0"/>
+                <a:cs typeface="Tahoma" pitchFamily="34" charset="0"/>
+              </a:rPr>
+              <a:t>shēng</a:t>
+            </a:r>
+            <a:endParaRPr lang="en-US" altLang="zh-TW" sz="4000" dirty="0" smtClean="0">
+              <a:solidFill>
+                <a:srgbClr val="002060"/>
+              </a:solidFill>
+              <a:latin typeface="Tahoma" pitchFamily="34" charset="0"/>
+              <a:ea typeface="Tahoma" pitchFamily="34" charset="0"/>
+              <a:cs typeface="Tahoma" pitchFamily="34" charset="0"/>
+            </a:endParaRPr>
+          </a:p>
+          <a:p>
+            <a:r>
+              <a:rPr lang="zh-CN" altLang="en-US" sz="6600" b="1" dirty="0" smtClean="0">
+                <a:solidFill>
+                  <a:srgbClr val="C00000"/>
+                </a:solidFill>
+                <a:effectLst>
+                  <a:outerShdw blurRad="38100" dist="38100" dir="2700000" algn="tl">
+                    <a:srgbClr val="000000">
+                      <a:alpha val="43137"/>
+                    </a:srgbClr>
+                  </a:outerShdw>
+                </a:effectLst>
+                <a:latin typeface="標楷體" pitchFamily="65" charset="-120"/>
+                <a:ea typeface="標楷體" pitchFamily="65" charset="-120"/>
+              </a:rPr>
+              <a:t>堅定</a:t>
+            </a:r>
+            <a:endParaRPr lang="en-US" altLang="zh-CN" sz="6600" b="1" dirty="0" smtClean="0">
+              <a:solidFill>
+                <a:srgbClr val="C00000"/>
+              </a:solidFill>
+              <a:effectLst>
+                <a:outerShdw blurRad="38100" dist="38100" dir="2700000" algn="tl">
+                  <a:srgbClr val="000000">
+                    <a:alpha val="43137"/>
+                  </a:srgbClr>
+                </a:outerShdw>
+              </a:effectLst>
+              <a:latin typeface="標楷體" pitchFamily="65" charset="-120"/>
+              <a:ea typeface="標楷體" pitchFamily="65" charset="-120"/>
+            </a:endParaRPr>
+          </a:p>
+          <a:p>
+            <a:r>
+              <a:rPr lang="en-US" altLang="zh-TW" sz="4000" dirty="0" err="1" smtClean="0">
+                <a:solidFill>
+                  <a:srgbClr val="002060"/>
+                </a:solidFill>
+                <a:latin typeface="Tahoma" pitchFamily="34" charset="0"/>
+                <a:ea typeface="Tahoma" pitchFamily="34" charset="0"/>
+                <a:cs typeface="Tahoma" pitchFamily="34" charset="0"/>
+              </a:rPr>
+              <a:t>jiān</a:t>
+            </a:r>
+            <a:r>
+              <a:rPr lang="en-US" altLang="zh-TW" sz="4000" dirty="0" smtClean="0">
+                <a:solidFill>
+                  <a:srgbClr val="002060"/>
+                </a:solidFill>
+                <a:latin typeface="Tahoma" pitchFamily="34" charset="0"/>
+                <a:ea typeface="Tahoma" pitchFamily="34" charset="0"/>
+                <a:cs typeface="Tahoma" pitchFamily="34" charset="0"/>
+              </a:rPr>
+              <a:t> </a:t>
+            </a:r>
+            <a:r>
+              <a:rPr lang="en-US" altLang="zh-TW" sz="4000" dirty="0" err="1" smtClean="0">
+                <a:solidFill>
+                  <a:srgbClr val="002060"/>
+                </a:solidFill>
+                <a:latin typeface="Tahoma" pitchFamily="34" charset="0"/>
+                <a:ea typeface="Tahoma" pitchFamily="34" charset="0"/>
+                <a:cs typeface="Tahoma" pitchFamily="34" charset="0"/>
+              </a:rPr>
+              <a:t>dìng</a:t>
+            </a:r>
+          </a:p>
+          <a:p>
+            <a:r>
+              <a:rPr lang="zh-CN" altLang="en-US" sz="6600" b="1" dirty="0" smtClean="0">
+                <a:solidFill>
+                  <a:srgbClr val="C00000"/>
+                </a:solidFill>
+                <a:effectLst>
+                  <a:outerShdw blurRad="38100" dist="38100" dir="2700000" algn="tl">
+                    <a:srgbClr val="000000">
+                      <a:alpha val="43137"/>
+                    </a:srgbClr>
+                  </a:outerShdw>
+                </a:effectLst>
+                <a:latin typeface="標楷體" pitchFamily="65" charset="-120"/>
+                <a:ea typeface="標楷體" pitchFamily="65" charset="-120"/>
+                <a:cs typeface="Tahoma" pitchFamily="34" charset="0"/>
+              </a:rPr>
+              <a:t>學習</a:t>
+            </a:r>
+            <a:endParaRPr lang="en-US" altLang="zh-CN" sz="6600" b="1" dirty="0" smtClean="0">
+              <a:solidFill>
+                <a:srgbClr val="C00000"/>
+              </a:solidFill>
+              <a:effectLst>
+                <a:outerShdw blurRad="38100" dist="38100" dir="2700000" algn="tl">
+                  <a:srgbClr val="000000">
+                    <a:alpha val="43137"/>
+                  </a:srgbClr>
+                </a:outerShdw>
+              </a:effectLst>
+              <a:latin typeface="標楷體" pitchFamily="65" charset="-120"/>
+              <a:ea typeface="標楷體" pitchFamily="65" charset="-120"/>
+              <a:cs typeface="Tahoma" pitchFamily="34" charset="0"/>
+            </a:endParaRPr>
+          </a:p>
+          <a:p>
+            <a:r>
+              <a:rPr lang="en-US" altLang="zh-TW" sz="4000" dirty="0" err="1" smtClean="0">
+                <a:solidFill>
+                  <a:srgbClr val="002060"/>
+                </a:solidFill>
+                <a:latin typeface="Tahoma" pitchFamily="34" charset="0"/>
+                <a:ea typeface="Tahoma" pitchFamily="34" charset="0"/>
+                <a:cs typeface="Tahoma" pitchFamily="34" charset="0"/>
+              </a:rPr>
+              <a:t>xué</a:t>
+            </a:r>
+            <a:r>
+              <a:rPr lang="en-US" altLang="zh-TW" sz="4000" dirty="0" smtClean="0">
+                <a:solidFill>
+                  <a:srgbClr val="002060"/>
+                </a:solidFill>
+                <a:latin typeface="Tahoma" pitchFamily="34" charset="0"/>
+                <a:ea typeface="Tahoma" pitchFamily="34" charset="0"/>
+                <a:cs typeface="Tahoma" pitchFamily="34" charset="0"/>
+              </a:rPr>
+              <a:t> </a:t>
+            </a:r>
+            <a:r>
+              <a:rPr lang="en-US" altLang="zh-TW" sz="4000" dirty="0" err="1" smtClean="0">
+                <a:solidFill>
+                  <a:srgbClr val="002060"/>
+                </a:solidFill>
+                <a:latin typeface="Tahoma" pitchFamily="34" charset="0"/>
+                <a:ea typeface="Tahoma" pitchFamily="34" charset="0"/>
+                <a:cs typeface="Tahoma" pitchFamily="34" charset="0"/>
+              </a:rPr>
+              <a:t>xí</a:t>
+            </a:r>
+            <a:endParaRPr lang="en-US" altLang="zh-CN" sz="4000" dirty="0" smtClean="0">
+              <a:solidFill>
+                <a:srgbClr val="002060"/>
+              </a:solidFill>
+              <a:latin typeface="Tahoma" pitchFamily="34" charset="0"/>
+              <a:ea typeface="Tahoma" pitchFamily="34" charset="0"/>
+              <a:cs typeface="Tahoma" pitchFamily="34" charset="0"/>
+            </a:endParaRPr>
+          </a:p>
         </p:txBody>
       </p:sp>
     </p:spTree>
     <p:extLst>
       <p:ext uri="{BB962C8B-B14F-4D97-AF65-F5344CB8AC3E}">
-        <p14:creationId xmlns:p14="http://schemas.microsoft.com/office/powerpoint/2010/main" xmlns="" val="229611767"/>
+        <p14:creationId xmlns="" xmlns:p14="http://schemas.microsoft.com/office/powerpoint/2010/main" val="1085457488"/>
       </p:ext>
     </p:extLst>
   </p:cSld>
@@ -6558,7 +6335,7 @@
           <a:blip r:embed="rId2">
             <a:extLst>
               <a:ext uri="{28A0092B-C50C-407E-A947-70E740481C1C}">
-                <a14:useLocalDpi xmlns:a14="http://schemas.microsoft.com/office/drawing/2010/main" xmlns="" val="0"/>
+                <a14:useLocalDpi xmlns="" xmlns:a14="http://schemas.microsoft.com/office/drawing/2010/main" val="0"/>
               </a:ext>
             </a:extLst>
           </a:blip>
@@ -6578,7 +6355,7 @@
           <a:noFill/>
           <a:extLst>
             <a:ext uri="{909E8E84-426E-40DD-AFC4-6F175D3DCCD1}">
-              <a14:hiddenFill xmlns:a14="http://schemas.microsoft.com/office/drawing/2010/main" xmlns="">
+              <a14:hiddenFill xmlns="" xmlns:a14="http://schemas.microsoft.com/office/drawing/2010/main">
                 <a:solidFill>
                   <a:srgbClr val="FFFFFF"/>
                 </a:solidFill>
@@ -6595,8 +6372,8 @@
         </p:nvSpPr>
         <p:spPr>
           <a:xfrm>
-            <a:off x="4286248" y="4572008"/>
-            <a:ext cx="3286148" cy="1723549"/>
+            <a:off x="5286380" y="443284"/>
+            <a:ext cx="3286148" cy="4985980"/>
           </a:xfrm>
           <a:prstGeom prst="rect">
             <a:avLst/>
@@ -6625,7 +6402,7 @@
                 <a:ea typeface="標楷體" pitchFamily="65" charset="-120"/>
                 <a:cs typeface="Tahoma" pitchFamily="34" charset="0"/>
               </a:rPr>
-              <a:t>教</a:t>
+              <a:t>回頭</a:t>
             </a:r>
             <a:endParaRPr lang="en-US" altLang="zh-CN" sz="6600" b="1" dirty="0" smtClean="0">
               <a:solidFill>
@@ -6653,40 +6430,42 @@
                 <a:ea typeface="Tahoma" pitchFamily="34" charset="0"/>
                 <a:cs typeface="Tahoma" pitchFamily="34" charset="0"/>
               </a:rPr>
-              <a:t>Jiào</a:t>
-            </a:r>
-            <a:endParaRPr lang="en-US" altLang="zh-TW" sz="4000" dirty="0" smtClean="0">
-              <a:solidFill>
-                <a:srgbClr val="002060"/>
-              </a:solidFill>
-              <a:latin typeface="Tahoma" pitchFamily="34" charset="0"/>
-              <a:ea typeface="Tahoma" pitchFamily="34" charset="0"/>
-              <a:cs typeface="Tahoma" pitchFamily="34" charset="0"/>
-            </a:endParaRPr>
-          </a:p>
-        </p:txBody>
-      </p:sp>
-      <p:sp>
-        <p:nvSpPr>
-          <p:cNvPr id="7" name="文字方塊 6"/>
-          <p:cNvSpPr txBox="1"/>
-          <p:nvPr/>
-        </p:nvSpPr>
-        <p:spPr>
-          <a:xfrm>
-            <a:off x="1285852" y="443284"/>
-            <a:ext cx="3286148" cy="4985980"/>
-          </a:xfrm>
-          <a:prstGeom prst="rect">
-            <a:avLst/>
-          </a:prstGeom>
-          <a:noFill/>
-        </p:spPr>
-        <p:txBody>
-          <a:bodyPr wrap="square" rtlCol="0">
-            <a:spAutoFit/>
-          </a:bodyPr>
-          <a:lstStyle/>
+              <a:t>Huí</a:t>
+            </a:r>
+            <a:r>
+              <a:rPr lang="en-US" altLang="zh-TW" sz="4000" dirty="0" smtClean="0">
+                <a:solidFill>
+                  <a:srgbClr val="002060"/>
+                </a:solidFill>
+                <a:latin typeface="Tahoma" pitchFamily="34" charset="0"/>
+                <a:ea typeface="Tahoma" pitchFamily="34" charset="0"/>
+                <a:cs typeface="Tahoma" pitchFamily="34" charset="0"/>
+              </a:rPr>
+              <a:t>  </a:t>
+            </a:r>
+            <a:r>
+              <a:rPr lang="en-US" altLang="zh-TW" sz="4000" dirty="0" err="1" smtClean="0">
+                <a:solidFill>
+                  <a:srgbClr val="002060"/>
+                </a:solidFill>
+                <a:latin typeface="Tahoma" pitchFamily="34" charset="0"/>
+                <a:ea typeface="Tahoma" pitchFamily="34" charset="0"/>
+                <a:cs typeface="Tahoma" pitchFamily="34" charset="0"/>
+              </a:rPr>
+              <a:t>tóu</a:t>
+            </a:r>
+            <a:r>
+              <a:rPr lang="en-US" altLang="zh-TW" sz="4000" dirty="0" smtClean="0">
+                <a:solidFill>
+                  <a:srgbClr val="002060"/>
+                </a:solidFill>
+                <a:latin typeface="Tahoma" pitchFamily="34" charset="0"/>
+                <a:ea typeface="Tahoma" pitchFamily="34" charset="0"/>
+                <a:cs typeface="Tahoma" pitchFamily="34" charset="0"/>
+              </a:rPr>
+              <a:t> </a:t>
+            </a:r>
+          </a:p>
           <a:p>
             <a:r>
               <a:rPr lang="zh-CN" altLang="en-US" sz="6600" b="1" dirty="0" smtClean="0">
@@ -6702,85 +6481,9 @@
                 </a:effectLst>
                 <a:latin typeface="標楷體" pitchFamily="65" charset="-120"/>
                 <a:ea typeface="標楷體" pitchFamily="65" charset="-120"/>
-              </a:rPr>
-              <a:t>翅膀</a:t>
-            </a:r>
-            <a:endParaRPr lang="en-US" altLang="zh-CN" sz="6600" b="1" dirty="0" smtClean="0">
-              <a:solidFill>
-                <a:srgbClr val="C00000"/>
-              </a:solidFill>
-              <a:effectLst>
-                <a:outerShdw blurRad="38100" dist="38100" dir="2700000" algn="tl">
-                  <a:srgbClr val="000000">
-                    <a:alpha val="43137"/>
-                  </a:srgbClr>
-                </a:outerShdw>
-              </a:effectLst>
-              <a:latin typeface="標楷體" pitchFamily="65" charset="-120"/>
-              <a:ea typeface="標楷體" pitchFamily="65" charset="-120"/>
-            </a:endParaRPr>
-          </a:p>
-          <a:p>
-            <a:r>
-              <a:rPr lang="en-US" altLang="zh-TW" sz="4000" dirty="0" err="1" smtClean="0">
-                <a:solidFill>
-                  <a:srgbClr val="002060"/>
-                </a:solidFill>
-                <a:latin typeface="Tahoma" pitchFamily="34" charset="0"/>
-                <a:ea typeface="Tahoma" pitchFamily="34" charset="0"/>
-                <a:cs typeface="Tahoma" pitchFamily="34" charset="0"/>
-              </a:rPr>
-              <a:t>chì</a:t>
-            </a:r>
-            <a:r>
-              <a:rPr lang="en-US" altLang="zh-TW" sz="4000" dirty="0" smtClean="0">
-                <a:solidFill>
-                  <a:srgbClr val="002060"/>
-                </a:solidFill>
-                <a:latin typeface="Tahoma" pitchFamily="34" charset="0"/>
-                <a:ea typeface="Tahoma" pitchFamily="34" charset="0"/>
-                <a:cs typeface="Tahoma" pitchFamily="34" charset="0"/>
-              </a:rPr>
-              <a:t> </a:t>
-            </a:r>
-            <a:r>
-              <a:rPr lang="en-US" altLang="zh-TW" sz="4000" dirty="0" err="1" smtClean="0">
-                <a:solidFill>
-                  <a:srgbClr val="002060"/>
-                </a:solidFill>
-                <a:latin typeface="Tahoma" pitchFamily="34" charset="0"/>
-                <a:ea typeface="Tahoma" pitchFamily="34" charset="0"/>
-                <a:cs typeface="Tahoma" pitchFamily="34" charset="0"/>
-              </a:rPr>
-              <a:t>bǎng</a:t>
-            </a:r>
-            <a:endParaRPr lang="en-US" altLang="zh-TW" sz="4000" dirty="0" smtClean="0">
-              <a:solidFill>
-                <a:srgbClr val="002060"/>
-              </a:solidFill>
-              <a:latin typeface="Tahoma" pitchFamily="34" charset="0"/>
-              <a:ea typeface="Tahoma" pitchFamily="34" charset="0"/>
-              <a:cs typeface="Tahoma" pitchFamily="34" charset="0"/>
-            </a:endParaRPr>
-          </a:p>
-          <a:p>
-            <a:r>
-              <a:rPr lang="zh-CN" altLang="en-US" sz="6600" b="1" dirty="0" smtClean="0">
-                <a:solidFill>
-                  <a:srgbClr val="C00000"/>
-                </a:solidFill>
-                <a:effectLst>
-                  <a:outerShdw blurRad="38100" dist="38100" dir="2700000" algn="tl">
-                    <a:srgbClr val="000000">
-                      <a:alpha val="43137"/>
-                    </a:srgbClr>
-                  </a:outerShdw>
-                </a:effectLst>
-                <a:latin typeface="標楷體" pitchFamily="65" charset="-120"/>
-                <a:ea typeface="標楷體" pitchFamily="65" charset="-120"/>
-                <a:cs typeface="Tahoma" pitchFamily="34" charset="0"/>
-              </a:rPr>
-              <a:t>雙臂</a:t>
+                <a:cs typeface="Tahoma" pitchFamily="34" charset="0"/>
+              </a:rPr>
+              <a:t>看著</a:t>
             </a:r>
             <a:endParaRPr lang="en-US" altLang="zh-CN" sz="6600" b="1" dirty="0" smtClean="0">
               <a:solidFill>
@@ -6808,7 +6511,7 @@
                 <a:ea typeface="Tahoma" pitchFamily="34" charset="0"/>
                 <a:cs typeface="Tahoma" pitchFamily="34" charset="0"/>
               </a:rPr>
-              <a:t>shuāng</a:t>
+              <a:t>kàn</a:t>
             </a:r>
             <a:r>
               <a:rPr lang="en-US" altLang="zh-TW" sz="4000" dirty="0" smtClean="0">
@@ -6830,7 +6533,7 @@
                 <a:ea typeface="Tahoma" pitchFamily="34" charset="0"/>
                 <a:cs typeface="Tahoma" pitchFamily="34" charset="0"/>
               </a:rPr>
-              <a:t>bì</a:t>
+              <a:t>zhe</a:t>
             </a:r>
             <a:endParaRPr lang="en-US" altLang="zh-TW" sz="4000" dirty="0" smtClean="0">
               <a:solidFill>
@@ -6858,7 +6561,7 @@
                 <a:ea typeface="標楷體" pitchFamily="65" charset="-120"/>
                 <a:cs typeface="Tahoma" pitchFamily="34" charset="0"/>
               </a:rPr>
-              <a:t>付出</a:t>
+              <a:t>笑容</a:t>
             </a:r>
             <a:endParaRPr lang="en-US" altLang="zh-CN" sz="6600" b="1" dirty="0" smtClean="0">
               <a:solidFill>
@@ -6886,7 +6589,7 @@
                 <a:ea typeface="Tahoma" pitchFamily="34" charset="0"/>
                 <a:cs typeface="Tahoma" pitchFamily="34" charset="0"/>
               </a:rPr>
-              <a:t>fù</a:t>
+              <a:t>xiào</a:t>
             </a:r>
             <a:r>
               <a:rPr lang="en-US" altLang="zh-TW" sz="4000" dirty="0" smtClean="0">
@@ -6897,7 +6600,7 @@
                 <a:ea typeface="Tahoma" pitchFamily="34" charset="0"/>
                 <a:cs typeface="Tahoma" pitchFamily="34" charset="0"/>
               </a:rPr>
-              <a:t>  </a:t>
+              <a:t> </a:t>
             </a:r>
             <a:r>
               <a:rPr lang="en-US" altLang="zh-TW" sz="4000" dirty="0" err="1" smtClean="0">
@@ -6908,7 +6611,7 @@
                 <a:ea typeface="Tahoma" pitchFamily="34" charset="0"/>
                 <a:cs typeface="Tahoma" pitchFamily="34" charset="0"/>
               </a:rPr>
-              <a:t>chū</a:t>
+              <a:t>róng</a:t>
             </a:r>
             <a:endParaRPr lang="en-US" altLang="zh-CN" sz="4000" dirty="0" smtClean="0">
               <a:solidFill>
@@ -6921,10 +6624,300 @@
           </a:p>
         </p:txBody>
       </p:sp>
+      <p:sp>
+        <p:nvSpPr>
+          <p:cNvPr id="7" name="文字方塊 6"/>
+          <p:cNvSpPr txBox="1"/>
+          <p:nvPr/>
+        </p:nvSpPr>
+        <p:spPr>
+          <a:xfrm>
+            <a:off x="1285852" y="443284"/>
+            <a:ext cx="3643338" cy="4985980"/>
+          </a:xfrm>
+          <a:prstGeom prst="rect">
+            <a:avLst/>
+          </a:prstGeom>
+          <a:noFill/>
+        </p:spPr>
+        <p:txBody>
+          <a:bodyPr wrap="square" rtlCol="0">
+            <a:spAutoFit/>
+          </a:bodyPr>
+          <a:lstStyle/>
+          <a:p>
+            <a:r>
+              <a:rPr lang="zh-CN" altLang="en-US" sz="6600" b="1" dirty="0" smtClean="0">
+                <a:solidFill>
+                  <a:srgbClr val="C00000"/>
+                </a:solidFill>
+                <a:effectLst>
+                  <a:outerShdw blurRad="38100" dist="38100" dir="2700000" algn="tl">
+                    <a:srgbClr val="000000">
+                      <a:alpha val="43137"/>
+                    </a:srgbClr>
+                  </a:outerShdw>
+                </a:effectLst>
+                <a:latin typeface="標楷體" pitchFamily="65" charset="-120"/>
+                <a:ea typeface="標楷體" pitchFamily="65" charset="-120"/>
+                <a:cs typeface="Tahoma" pitchFamily="34" charset="0"/>
+              </a:rPr>
+              <a:t>一步</a:t>
+            </a:r>
+            <a:endParaRPr lang="en-US" altLang="zh-CN" sz="6600" b="1" dirty="0" smtClean="0">
+              <a:solidFill>
+                <a:srgbClr val="C00000"/>
+              </a:solidFill>
+              <a:effectLst>
+                <a:outerShdw blurRad="38100" dist="38100" dir="2700000" algn="tl">
+                  <a:srgbClr val="000000">
+                    <a:alpha val="43137"/>
+                  </a:srgbClr>
+                </a:outerShdw>
+              </a:effectLst>
+              <a:latin typeface="標楷體" pitchFamily="65" charset="-120"/>
+              <a:ea typeface="標楷體" pitchFamily="65" charset="-120"/>
+              <a:cs typeface="Tahoma" pitchFamily="34" charset="0"/>
+            </a:endParaRPr>
+          </a:p>
+          <a:p>
+            <a:r>
+              <a:rPr lang="en-US" altLang="zh-TW" sz="4000" dirty="0" smtClean="0">
+                <a:solidFill>
+                  <a:srgbClr val="002060"/>
+                </a:solidFill>
+                <a:latin typeface="Tahoma" pitchFamily="34" charset="0"/>
+                <a:ea typeface="Tahoma" pitchFamily="34" charset="0"/>
+                <a:cs typeface="Tahoma" pitchFamily="34" charset="0"/>
+              </a:rPr>
+              <a:t> </a:t>
+            </a:r>
+            <a:r>
+              <a:rPr lang="en-US" altLang="zh-TW" sz="4000" dirty="0" err="1" smtClean="0">
+                <a:solidFill>
+                  <a:srgbClr val="002060"/>
+                </a:solidFill>
+                <a:latin typeface="Tahoma" pitchFamily="34" charset="0"/>
+                <a:ea typeface="Tahoma" pitchFamily="34" charset="0"/>
+                <a:cs typeface="Tahoma" pitchFamily="34" charset="0"/>
+              </a:rPr>
+              <a:t>yī</a:t>
+            </a:r>
+            <a:r>
+              <a:rPr lang="en-US" altLang="zh-TW" sz="4000" dirty="0" smtClean="0">
+                <a:solidFill>
+                  <a:srgbClr val="002060"/>
+                </a:solidFill>
+                <a:latin typeface="Tahoma" pitchFamily="34" charset="0"/>
+                <a:ea typeface="Tahoma" pitchFamily="34" charset="0"/>
+                <a:cs typeface="Tahoma" pitchFamily="34" charset="0"/>
+              </a:rPr>
+              <a:t>  </a:t>
+            </a:r>
+            <a:r>
+              <a:rPr lang="en-US" altLang="zh-TW" sz="4000" dirty="0" err="1" smtClean="0">
+                <a:solidFill>
+                  <a:srgbClr val="002060"/>
+                </a:solidFill>
+                <a:latin typeface="Tahoma" pitchFamily="34" charset="0"/>
+                <a:ea typeface="Tahoma" pitchFamily="34" charset="0"/>
+                <a:cs typeface="Tahoma" pitchFamily="34" charset="0"/>
+              </a:rPr>
+              <a:t>bù</a:t>
+            </a:r>
+            <a:endParaRPr lang="en-US" altLang="zh-TW" sz="4000" dirty="0" smtClean="0">
+              <a:solidFill>
+                <a:srgbClr val="002060"/>
+              </a:solidFill>
+              <a:latin typeface="Tahoma" pitchFamily="34" charset="0"/>
+              <a:ea typeface="Tahoma" pitchFamily="34" charset="0"/>
+              <a:cs typeface="Tahoma" pitchFamily="34" charset="0"/>
+            </a:endParaRPr>
+          </a:p>
+          <a:p>
+            <a:r>
+              <a:rPr lang="zh-CN" altLang="en-US" sz="6600" b="1" dirty="0" smtClean="0">
+                <a:solidFill>
+                  <a:srgbClr val="C00000"/>
+                </a:solidFill>
+                <a:effectLst>
+                  <a:outerShdw blurRad="38100" dist="38100" dir="2700000" algn="tl">
+                    <a:srgbClr val="000000">
+                      <a:alpha val="43137"/>
+                    </a:srgbClr>
+                  </a:outerShdw>
+                </a:effectLst>
+                <a:latin typeface="標楷體" pitchFamily="65" charset="-120"/>
+                <a:ea typeface="標楷體" pitchFamily="65" charset="-120"/>
+                <a:cs typeface="Tahoma" pitchFamily="34" charset="0"/>
+              </a:rPr>
+              <a:t> 向前走</a:t>
+            </a:r>
+            <a:endParaRPr lang="en-US" altLang="zh-CN" sz="6600" b="1" dirty="0" smtClean="0">
+              <a:solidFill>
+                <a:srgbClr val="C00000"/>
+              </a:solidFill>
+              <a:effectLst>
+                <a:outerShdw blurRad="38100" dist="38100" dir="2700000" algn="tl">
+                  <a:srgbClr val="000000">
+                    <a:alpha val="43137"/>
+                  </a:srgbClr>
+                </a:outerShdw>
+              </a:effectLst>
+              <a:latin typeface="標楷體" pitchFamily="65" charset="-120"/>
+              <a:ea typeface="標楷體" pitchFamily="65" charset="-120"/>
+              <a:cs typeface="Tahoma" pitchFamily="34" charset="0"/>
+            </a:endParaRPr>
+          </a:p>
+          <a:p>
+            <a:r>
+              <a:rPr lang="en-US" altLang="zh-TW" sz="4000" dirty="0" err="1" smtClean="0">
+                <a:solidFill>
+                  <a:srgbClr val="002060"/>
+                </a:solidFill>
+                <a:latin typeface="Tahoma" pitchFamily="34" charset="0"/>
+                <a:ea typeface="Tahoma" pitchFamily="34" charset="0"/>
+                <a:cs typeface="Tahoma" pitchFamily="34" charset="0"/>
+              </a:rPr>
+              <a:t>xiàng</a:t>
+            </a:r>
+            <a:r>
+              <a:rPr lang="en-US" altLang="zh-TW" sz="4000" dirty="0" smtClean="0">
+                <a:solidFill>
+                  <a:srgbClr val="002060"/>
+                </a:solidFill>
+                <a:latin typeface="Tahoma" pitchFamily="34" charset="0"/>
+                <a:ea typeface="Tahoma" pitchFamily="34" charset="0"/>
+                <a:cs typeface="Tahoma" pitchFamily="34" charset="0"/>
+              </a:rPr>
+              <a:t> </a:t>
+            </a:r>
+            <a:r>
+              <a:rPr lang="en-US" altLang="zh-TW" sz="4000" dirty="0" err="1" smtClean="0">
+                <a:solidFill>
+                  <a:srgbClr val="002060"/>
+                </a:solidFill>
+                <a:latin typeface="Tahoma" pitchFamily="34" charset="0"/>
+                <a:ea typeface="Tahoma" pitchFamily="34" charset="0"/>
+                <a:cs typeface="Tahoma" pitchFamily="34" charset="0"/>
+              </a:rPr>
+              <a:t>qián</a:t>
+            </a:r>
+            <a:r>
+              <a:rPr lang="en-US" altLang="zh-TW" sz="4000" dirty="0" smtClean="0">
+                <a:solidFill>
+                  <a:srgbClr val="002060"/>
+                </a:solidFill>
+                <a:latin typeface="Tahoma" pitchFamily="34" charset="0"/>
+                <a:ea typeface="Tahoma" pitchFamily="34" charset="0"/>
+                <a:cs typeface="Tahoma" pitchFamily="34" charset="0"/>
+              </a:rPr>
+              <a:t> </a:t>
+            </a:r>
+            <a:r>
+              <a:rPr lang="en-US" altLang="zh-TW" sz="4000" dirty="0" err="1" smtClean="0">
+                <a:solidFill>
+                  <a:srgbClr val="002060"/>
+                </a:solidFill>
+                <a:latin typeface="Tahoma" pitchFamily="34" charset="0"/>
+                <a:ea typeface="Tahoma" pitchFamily="34" charset="0"/>
+                <a:cs typeface="Tahoma" pitchFamily="34" charset="0"/>
+              </a:rPr>
+              <a:t>zǒu</a:t>
+            </a:r>
+            <a:endParaRPr lang="en-US" altLang="zh-TW" sz="4000" dirty="0" smtClean="0">
+              <a:solidFill>
+                <a:srgbClr val="002060"/>
+              </a:solidFill>
+              <a:latin typeface="Tahoma" pitchFamily="34" charset="0"/>
+              <a:ea typeface="Tahoma" pitchFamily="34" charset="0"/>
+              <a:cs typeface="Tahoma" pitchFamily="34" charset="0"/>
+            </a:endParaRPr>
+          </a:p>
+          <a:p>
+            <a:r>
+              <a:rPr lang="zh-CN" altLang="en-US" sz="6600" b="1" dirty="0" smtClean="0">
+                <a:solidFill>
+                  <a:srgbClr val="C00000"/>
+                </a:solidFill>
+                <a:effectLst>
+                  <a:outerShdw blurRad="38100" dist="38100" dir="2700000" algn="tl">
+                    <a:srgbClr val="000000">
+                      <a:alpha val="43137"/>
+                    </a:srgbClr>
+                  </a:outerShdw>
+                </a:effectLst>
+                <a:latin typeface="標楷體" pitchFamily="65" charset="-120"/>
+                <a:ea typeface="標楷體" pitchFamily="65" charset="-120"/>
+                <a:cs typeface="Tahoma" pitchFamily="34" charset="0"/>
+              </a:rPr>
+              <a:t>謝謝</a:t>
+            </a:r>
+            <a:endParaRPr lang="en-US" altLang="zh-CN" sz="6600" b="1" dirty="0" smtClean="0">
+              <a:solidFill>
+                <a:srgbClr val="C00000"/>
+              </a:solidFill>
+              <a:effectLst>
+                <a:outerShdw blurRad="38100" dist="38100" dir="2700000" algn="tl">
+                  <a:srgbClr val="000000">
+                    <a:alpha val="43137"/>
+                  </a:srgbClr>
+                </a:outerShdw>
+              </a:effectLst>
+              <a:latin typeface="標楷體" pitchFamily="65" charset="-120"/>
+              <a:ea typeface="標楷體" pitchFamily="65" charset="-120"/>
+              <a:cs typeface="Tahoma" pitchFamily="34" charset="0"/>
+            </a:endParaRPr>
+          </a:p>
+          <a:p>
+            <a:r>
+              <a:rPr lang="en-US" altLang="zh-TW" sz="4000" dirty="0" err="1" smtClean="0">
+                <a:solidFill>
+                  <a:srgbClr val="002060"/>
+                </a:solidFill>
+                <a:latin typeface="Tahoma" pitchFamily="34" charset="0"/>
+                <a:ea typeface="Tahoma" pitchFamily="34" charset="0"/>
+                <a:cs typeface="Tahoma" pitchFamily="34" charset="0"/>
+              </a:rPr>
+              <a:t>Xiè</a:t>
+            </a:r>
+            <a:r>
+              <a:rPr lang="en-US" altLang="zh-TW" sz="4000" dirty="0" smtClean="0">
+                <a:solidFill>
+                  <a:srgbClr val="002060"/>
+                </a:solidFill>
+                <a:latin typeface="Tahoma" pitchFamily="34" charset="0"/>
+                <a:ea typeface="Tahoma" pitchFamily="34" charset="0"/>
+                <a:cs typeface="Tahoma" pitchFamily="34" charset="0"/>
+              </a:rPr>
+              <a:t>  </a:t>
+            </a:r>
+            <a:r>
+              <a:rPr lang="en-US" altLang="zh-TW" sz="4000" dirty="0" err="1" smtClean="0">
+                <a:solidFill>
+                  <a:srgbClr val="002060"/>
+                </a:solidFill>
+                <a:latin typeface="Tahoma" pitchFamily="34" charset="0"/>
+                <a:ea typeface="Tahoma" pitchFamily="34" charset="0"/>
+                <a:cs typeface="Tahoma" pitchFamily="34" charset="0"/>
+              </a:rPr>
+              <a:t>xiè</a:t>
+            </a:r>
+            <a:endParaRPr lang="en-US" altLang="zh-CN" sz="4000" dirty="0" smtClean="0">
+              <a:solidFill>
+                <a:srgbClr val="002060"/>
+              </a:solidFill>
+              <a:latin typeface="Tahoma" pitchFamily="34" charset="0"/>
+              <a:ea typeface="Tahoma" pitchFamily="34" charset="0"/>
+              <a:cs typeface="Tahoma" pitchFamily="34" charset="0"/>
+            </a:endParaRPr>
+          </a:p>
+        </p:txBody>
+      </p:sp>
     </p:spTree>
     <p:extLst>
       <p:ext uri="{BB962C8B-B14F-4D97-AF65-F5344CB8AC3E}">
-        <p14:creationId xmlns:p14="http://schemas.microsoft.com/office/powerpoint/2010/main" xmlns="" val="1085457488"/>
+        <p14:creationId xmlns="" xmlns:p14="http://schemas.microsoft.com/office/powerpoint/2010/main" val="1085457488"/>
       </p:ext>
     </p:extLst>
   </p:cSld>
@@ -6970,7 +6963,7 @@
           <a:blip r:embed="rId2">
             <a:extLst>
               <a:ext uri="{28A0092B-C50C-407E-A947-70E740481C1C}">
-                <a14:useLocalDpi xmlns:a14="http://schemas.microsoft.com/office/drawing/2010/main" xmlns="" val="0"/>
+                <a14:useLocalDpi xmlns="" xmlns:a14="http://schemas.microsoft.com/office/drawing/2010/main" val="0"/>
               </a:ext>
             </a:extLst>
           </a:blip>
@@ -6981,7 +6974,7 @@
         </p:blipFill>
         <p:spPr bwMode="auto">
           <a:xfrm>
-            <a:off x="-17687" y="-27384"/>
+            <a:off x="0" y="-27384"/>
             <a:ext cx="9175785" cy="6885384"/>
           </a:xfrm>
           <a:prstGeom prst="rect">
@@ -6990,7 +6983,7 @@
           <a:noFill/>
           <a:extLst>
             <a:ext uri="{909E8E84-426E-40DD-AFC4-6F175D3DCCD1}">
-              <a14:hiddenFill xmlns:a14="http://schemas.microsoft.com/office/drawing/2010/main" xmlns="">
+              <a14:hiddenFill xmlns="" xmlns:a14="http://schemas.microsoft.com/office/drawing/2010/main">
                 <a:solidFill>
                   <a:srgbClr val="FFFFFF"/>
                 </a:solidFill>
@@ -7001,803 +6994,74 @@
       </p:pic>
       <p:sp>
         <p:nvSpPr>
-          <p:cNvPr id="3" name="副標題 2"/>
-          <p:cNvSpPr>
-            <a:spLocks noGrp="1"/>
-          </p:cNvSpPr>
-          <p:nvPr>
-            <p:ph type="subTitle" idx="1"/>
-          </p:nvPr>
+          <p:cNvPr id="7" name="文字方塊 6"/>
+          <p:cNvSpPr txBox="1"/>
+          <p:nvPr/>
         </p:nvSpPr>
         <p:spPr>
           <a:xfrm>
-            <a:off x="393741" y="823020"/>
-            <a:ext cx="8352928" cy="5184576"/>
+            <a:off x="3571868" y="-24"/>
+            <a:ext cx="3643338" cy="6617196"/>
           </a:xfrm>
+          <a:prstGeom prst="rect">
+            <a:avLst/>
+          </a:prstGeom>
+          <a:noFill/>
         </p:spPr>
         <p:txBody>
-          <a:bodyPr>
-            <a:normAutofit/>
+          <a:bodyPr wrap="square" rtlCol="0">
+            <a:spAutoFit/>
           </a:bodyPr>
           <a:lstStyle/>
           <a:p>
-            <a:pPr algn="l"/>
-            <a:r>
-              <a:rPr lang="zh-TW" altLang="en-US" sz="4800" b="1" dirty="0">
+            <a:r>
+              <a:rPr lang="zh-CN" altLang="en-US" sz="6600" b="1" dirty="0" smtClean="0">
                 <a:solidFill>
                   <a:srgbClr val="C00000"/>
                 </a:solidFill>
-                <a:latin typeface="Adobe 楷体 Std R" pitchFamily="18" charset="-128"/>
-                <a:ea typeface="Adobe 楷体 Std R" pitchFamily="18" charset="-128"/>
-              </a:rPr>
-              <a:t>媽媽的愛是我的</a:t>
-            </a:r>
-            <a:r>
-              <a:rPr lang="zh-TW" altLang="en-US" sz="4800" b="1" dirty="0" smtClean="0">
-                <a:solidFill>
-                  <a:srgbClr val="C00000"/>
-                </a:solidFill>
-                <a:latin typeface="Adobe 楷体 Std R" pitchFamily="18" charset="-128"/>
-                <a:ea typeface="Adobe 楷体 Std R" pitchFamily="18" charset="-128"/>
-              </a:rPr>
-              <a:t>翅 膀</a:t>
-            </a:r>
-            <a:endParaRPr lang="en-US" altLang="zh-TW" sz="4800" b="1" dirty="0">
+                <a:effectLst>
+                  <a:outerShdw blurRad="38100" dist="38100" dir="2700000" algn="tl">
+                    <a:srgbClr val="000000">
+                      <a:alpha val="43137"/>
+                    </a:srgbClr>
+                  </a:outerShdw>
+                </a:effectLst>
+                <a:latin typeface="標楷體" pitchFamily="65" charset="-120"/>
+                <a:ea typeface="標楷體" pitchFamily="65" charset="-120"/>
+                <a:cs typeface="Tahoma" pitchFamily="34" charset="0"/>
+              </a:rPr>
+              <a:t>用</a:t>
+            </a:r>
+            <a:endParaRPr lang="en-US" altLang="zh-CN" sz="6600" b="1" dirty="0" smtClean="0">
               <a:solidFill>
                 <a:srgbClr val="C00000"/>
               </a:solidFill>
-              <a:latin typeface="Adobe 楷体 Std R" pitchFamily="18" charset="-128"/>
-              <a:ea typeface="Adobe 楷体 Std R" pitchFamily="18" charset="-128"/>
+              <a:effectLst>
+                <a:outerShdw blurRad="38100" dist="38100" dir="2700000" algn="tl">
+                  <a:srgbClr val="000000">
+                    <a:alpha val="43137"/>
+                  </a:srgbClr>
+                </a:outerShdw>
+              </a:effectLst>
+              <a:latin typeface="標楷體" pitchFamily="65" charset="-120"/>
+              <a:ea typeface="標楷體" pitchFamily="65" charset="-120"/>
+              <a:cs typeface="Tahoma" pitchFamily="34" charset="0"/>
             </a:endParaRPr>
           </a:p>
           <a:p>
-            <a:pPr algn="l"/>
-            <a:r>
-              <a:rPr lang="en-US" altLang="zh-TW" sz="2800" dirty="0" err="1" smtClean="0">
-                <a:solidFill>
-                  <a:srgbClr val="002060"/>
-                </a:solidFill>
-                <a:latin typeface="Tahoma" pitchFamily="34" charset="0"/>
-                <a:ea typeface="Tahoma" pitchFamily="34" charset="0"/>
-                <a:cs typeface="Tahoma" pitchFamily="34" charset="0"/>
-              </a:rPr>
-              <a:t>Mā</a:t>
-            </a:r>
-            <a:r>
-              <a:rPr lang="en-US" altLang="zh-TW" sz="2800" dirty="0" smtClean="0">
-                <a:solidFill>
-                  <a:srgbClr val="002060"/>
-                </a:solidFill>
-                <a:latin typeface="Tahoma" pitchFamily="34" charset="0"/>
-                <a:ea typeface="Tahoma" pitchFamily="34" charset="0"/>
-                <a:cs typeface="Tahoma" pitchFamily="34" charset="0"/>
-              </a:rPr>
-              <a:t>  </a:t>
-            </a:r>
-            <a:r>
-              <a:rPr lang="en-US" altLang="zh-TW" sz="2800" dirty="0" err="1" smtClean="0">
-                <a:solidFill>
-                  <a:srgbClr val="002060"/>
-                </a:solidFill>
-                <a:latin typeface="Tahoma" pitchFamily="34" charset="0"/>
-                <a:ea typeface="Tahoma" pitchFamily="34" charset="0"/>
-                <a:cs typeface="Tahoma" pitchFamily="34" charset="0"/>
-              </a:rPr>
-              <a:t>mā</a:t>
-            </a:r>
-            <a:r>
-              <a:rPr lang="en-US" altLang="zh-TW" sz="2800" dirty="0" smtClean="0">
-                <a:solidFill>
-                  <a:srgbClr val="002060"/>
-                </a:solidFill>
-                <a:latin typeface="Tahoma" pitchFamily="34" charset="0"/>
-                <a:ea typeface="Tahoma" pitchFamily="34" charset="0"/>
-                <a:cs typeface="Tahoma" pitchFamily="34" charset="0"/>
-              </a:rPr>
-              <a:t> de    </a:t>
-            </a:r>
-            <a:r>
-              <a:rPr lang="en-US" altLang="zh-TW" sz="2800" dirty="0" err="1">
-                <a:solidFill>
-                  <a:srgbClr val="002060"/>
-                </a:solidFill>
-                <a:latin typeface="Tahoma" pitchFamily="34" charset="0"/>
-                <a:ea typeface="Tahoma" pitchFamily="34" charset="0"/>
-                <a:cs typeface="Tahoma" pitchFamily="34" charset="0"/>
-              </a:rPr>
-              <a:t>ài</a:t>
-            </a:r>
-            <a:r>
-              <a:rPr lang="en-US" altLang="zh-TW" sz="2800" dirty="0">
-                <a:solidFill>
-                  <a:srgbClr val="002060"/>
-                </a:solidFill>
-                <a:latin typeface="Tahoma" pitchFamily="34" charset="0"/>
-                <a:ea typeface="Tahoma" pitchFamily="34" charset="0"/>
-                <a:cs typeface="Tahoma" pitchFamily="34" charset="0"/>
-              </a:rPr>
-              <a:t> </a:t>
-            </a:r>
-            <a:r>
-              <a:rPr lang="en-US" altLang="zh-TW" sz="2800" dirty="0" err="1" smtClean="0">
-                <a:solidFill>
-                  <a:srgbClr val="002060"/>
-                </a:solidFill>
-                <a:latin typeface="Tahoma" pitchFamily="34" charset="0"/>
-                <a:ea typeface="Tahoma" pitchFamily="34" charset="0"/>
-                <a:cs typeface="Tahoma" pitchFamily="34" charset="0"/>
-              </a:rPr>
-              <a:t>shì</a:t>
-            </a:r>
-            <a:r>
-              <a:rPr lang="en-US" altLang="zh-TW" sz="2800" dirty="0" smtClean="0">
-                <a:solidFill>
-                  <a:srgbClr val="002060"/>
-                </a:solidFill>
-                <a:latin typeface="Tahoma" pitchFamily="34" charset="0"/>
-                <a:ea typeface="Tahoma" pitchFamily="34" charset="0"/>
-                <a:cs typeface="Tahoma" pitchFamily="34" charset="0"/>
-              </a:rPr>
-              <a:t>  </a:t>
-            </a:r>
-            <a:r>
-              <a:rPr lang="en-US" altLang="zh-TW" sz="2800" dirty="0" err="1">
-                <a:solidFill>
-                  <a:srgbClr val="002060"/>
-                </a:solidFill>
-                <a:latin typeface="Tahoma" pitchFamily="34" charset="0"/>
-                <a:ea typeface="Tahoma" pitchFamily="34" charset="0"/>
-                <a:cs typeface="Tahoma" pitchFamily="34" charset="0"/>
-              </a:rPr>
-              <a:t>wǒ</a:t>
-            </a:r>
-            <a:r>
-              <a:rPr lang="en-US" altLang="zh-TW" sz="2800" dirty="0">
-                <a:solidFill>
-                  <a:srgbClr val="002060"/>
-                </a:solidFill>
-                <a:latin typeface="Tahoma" pitchFamily="34" charset="0"/>
-                <a:ea typeface="Tahoma" pitchFamily="34" charset="0"/>
-                <a:cs typeface="Tahoma" pitchFamily="34" charset="0"/>
-              </a:rPr>
-              <a:t> </a:t>
-            </a:r>
-            <a:r>
-              <a:rPr lang="en-US" altLang="zh-TW" sz="2800" dirty="0" smtClean="0">
-                <a:solidFill>
-                  <a:srgbClr val="002060"/>
-                </a:solidFill>
-                <a:latin typeface="Tahoma" pitchFamily="34" charset="0"/>
-                <a:ea typeface="Tahoma" pitchFamily="34" charset="0"/>
-                <a:cs typeface="Tahoma" pitchFamily="34" charset="0"/>
-              </a:rPr>
-              <a:t> de  </a:t>
-            </a:r>
-            <a:r>
-              <a:rPr lang="en-US" altLang="zh-TW" sz="2800" dirty="0" err="1" smtClean="0">
-                <a:solidFill>
-                  <a:srgbClr val="002060"/>
-                </a:solidFill>
-                <a:latin typeface="Tahoma" pitchFamily="34" charset="0"/>
-                <a:ea typeface="Tahoma" pitchFamily="34" charset="0"/>
-                <a:cs typeface="Tahoma" pitchFamily="34" charset="0"/>
-              </a:rPr>
-              <a:t>chì</a:t>
-            </a:r>
-            <a:r>
-              <a:rPr lang="en-US" altLang="zh-TW" sz="2800" dirty="0" smtClean="0">
-                <a:solidFill>
-                  <a:srgbClr val="002060"/>
-                </a:solidFill>
-                <a:latin typeface="Tahoma" pitchFamily="34" charset="0"/>
-                <a:ea typeface="Tahoma" pitchFamily="34" charset="0"/>
-                <a:cs typeface="Tahoma" pitchFamily="34" charset="0"/>
-              </a:rPr>
-              <a:t> </a:t>
-            </a:r>
-            <a:r>
-              <a:rPr lang="en-US" altLang="zh-TW" sz="2800" dirty="0" err="1" smtClean="0">
-                <a:solidFill>
-                  <a:srgbClr val="002060"/>
-                </a:solidFill>
-                <a:latin typeface="Tahoma" pitchFamily="34" charset="0"/>
-                <a:ea typeface="Tahoma" pitchFamily="34" charset="0"/>
-                <a:cs typeface="Tahoma" pitchFamily="34" charset="0"/>
-              </a:rPr>
-              <a:t>bǎng</a:t>
-            </a:r>
-            <a:r>
-              <a:rPr lang="zh-TW" altLang="en-US" sz="2600" dirty="0">
-                <a:solidFill>
-                  <a:srgbClr val="C00000"/>
-                </a:solidFill>
-                <a:latin typeface="Tahoma" pitchFamily="34" charset="0"/>
-                <a:ea typeface="Tahoma" pitchFamily="34" charset="0"/>
-                <a:cs typeface="Tahoma" pitchFamily="34" charset="0"/>
-              </a:rPr>
-              <a:t/>
-            </a:r>
-            <a:br>
-              <a:rPr lang="zh-TW" altLang="en-US" sz="2600" dirty="0">
-                <a:solidFill>
-                  <a:srgbClr val="C00000"/>
-                </a:solidFill>
-                <a:latin typeface="Tahoma" pitchFamily="34" charset="0"/>
-                <a:ea typeface="Tahoma" pitchFamily="34" charset="0"/>
-                <a:cs typeface="Tahoma" pitchFamily="34" charset="0"/>
-              </a:rPr>
-            </a:br>
-            <a:r>
-              <a:rPr lang="zh-TW" altLang="en-US" sz="4800" b="1" dirty="0">
-                <a:solidFill>
-                  <a:srgbClr val="C00000"/>
-                </a:solidFill>
-                <a:latin typeface="Adobe 楷体 Std R" pitchFamily="18" charset="-128"/>
-                <a:ea typeface="Adobe 楷体 Std R" pitchFamily="18" charset="-128"/>
-              </a:rPr>
-              <a:t>爸爸的愛是我</a:t>
-            </a:r>
-            <a:r>
-              <a:rPr lang="zh-TW" altLang="en-US" sz="4800" b="1" dirty="0" smtClean="0">
-                <a:solidFill>
-                  <a:srgbClr val="C00000"/>
-                </a:solidFill>
-                <a:latin typeface="Adobe 楷体 Std R" pitchFamily="18" charset="-128"/>
-                <a:ea typeface="Adobe 楷体 Std R" pitchFamily="18" charset="-128"/>
-              </a:rPr>
-              <a:t>的  雙 臂</a:t>
-            </a:r>
-            <a:endParaRPr lang="en-US" altLang="zh-TW" sz="4800" b="1" dirty="0">
-              <a:solidFill>
-                <a:srgbClr val="C00000"/>
-              </a:solidFill>
-              <a:latin typeface="Adobe 楷体 Std R" pitchFamily="18" charset="-128"/>
-              <a:ea typeface="Adobe 楷体 Std R" pitchFamily="18" charset="-128"/>
-            </a:endParaRPr>
-          </a:p>
-          <a:p>
-            <a:pPr algn="l"/>
-            <a:r>
-              <a:rPr lang="en-US" altLang="zh-TW" sz="2800" dirty="0" smtClean="0">
-                <a:solidFill>
-                  <a:srgbClr val="002060"/>
-                </a:solidFill>
-                <a:latin typeface="Tahoma" pitchFamily="34" charset="0"/>
-                <a:ea typeface="Tahoma" pitchFamily="34" charset="0"/>
-                <a:cs typeface="Tahoma" pitchFamily="34" charset="0"/>
-              </a:rPr>
-              <a:t>  </a:t>
-            </a:r>
-            <a:r>
-              <a:rPr lang="en-US" altLang="zh-TW" sz="2800" dirty="0" err="1" smtClean="0">
-                <a:solidFill>
-                  <a:srgbClr val="002060"/>
-                </a:solidFill>
-                <a:latin typeface="Tahoma" pitchFamily="34" charset="0"/>
-                <a:ea typeface="Tahoma" pitchFamily="34" charset="0"/>
-                <a:cs typeface="Tahoma" pitchFamily="34" charset="0"/>
-              </a:rPr>
-              <a:t>Bà</a:t>
-            </a:r>
-            <a:r>
-              <a:rPr lang="en-US" altLang="zh-TW" sz="2800" dirty="0" smtClean="0">
-                <a:solidFill>
-                  <a:srgbClr val="002060"/>
-                </a:solidFill>
-                <a:latin typeface="Tahoma" pitchFamily="34" charset="0"/>
-                <a:ea typeface="Tahoma" pitchFamily="34" charset="0"/>
-                <a:cs typeface="Tahoma" pitchFamily="34" charset="0"/>
-              </a:rPr>
-              <a:t> </a:t>
-            </a:r>
-            <a:r>
-              <a:rPr lang="en-US" altLang="zh-TW" sz="2800" dirty="0" err="1" smtClean="0">
-                <a:solidFill>
-                  <a:srgbClr val="002060"/>
-                </a:solidFill>
-                <a:latin typeface="Tahoma" pitchFamily="34" charset="0"/>
-                <a:ea typeface="Tahoma" pitchFamily="34" charset="0"/>
-                <a:cs typeface="Tahoma" pitchFamily="34" charset="0"/>
-              </a:rPr>
-              <a:t>ba</a:t>
-            </a:r>
-            <a:r>
-              <a:rPr lang="en-US" altLang="zh-TW" sz="2800" dirty="0" smtClean="0">
-                <a:solidFill>
-                  <a:srgbClr val="002060"/>
-                </a:solidFill>
-                <a:latin typeface="Tahoma" pitchFamily="34" charset="0"/>
-                <a:ea typeface="Tahoma" pitchFamily="34" charset="0"/>
-                <a:cs typeface="Tahoma" pitchFamily="34" charset="0"/>
-              </a:rPr>
-              <a:t>  de   </a:t>
-            </a:r>
-            <a:r>
-              <a:rPr lang="en-US" altLang="zh-TW" sz="2800" dirty="0" err="1">
-                <a:solidFill>
-                  <a:srgbClr val="002060"/>
-                </a:solidFill>
-                <a:latin typeface="Tahoma" pitchFamily="34" charset="0"/>
-                <a:ea typeface="Tahoma" pitchFamily="34" charset="0"/>
-                <a:cs typeface="Tahoma" pitchFamily="34" charset="0"/>
-              </a:rPr>
-              <a:t>ài</a:t>
-            </a:r>
-            <a:r>
-              <a:rPr lang="en-US" altLang="zh-TW" sz="2800" dirty="0">
-                <a:solidFill>
-                  <a:srgbClr val="002060"/>
-                </a:solidFill>
-                <a:latin typeface="Tahoma" pitchFamily="34" charset="0"/>
-                <a:ea typeface="Tahoma" pitchFamily="34" charset="0"/>
-                <a:cs typeface="Tahoma" pitchFamily="34" charset="0"/>
-              </a:rPr>
-              <a:t> </a:t>
-            </a:r>
-            <a:r>
-              <a:rPr lang="en-US" altLang="zh-TW" sz="2800" dirty="0" smtClean="0">
-                <a:solidFill>
-                  <a:srgbClr val="002060"/>
-                </a:solidFill>
-                <a:latin typeface="Tahoma" pitchFamily="34" charset="0"/>
-                <a:ea typeface="Tahoma" pitchFamily="34" charset="0"/>
-                <a:cs typeface="Tahoma" pitchFamily="34" charset="0"/>
-              </a:rPr>
-              <a:t> </a:t>
-            </a:r>
-            <a:r>
-              <a:rPr lang="en-US" altLang="zh-TW" sz="2800" dirty="0" err="1" smtClean="0">
-                <a:solidFill>
-                  <a:srgbClr val="002060"/>
-                </a:solidFill>
-                <a:latin typeface="Tahoma" pitchFamily="34" charset="0"/>
-                <a:ea typeface="Tahoma" pitchFamily="34" charset="0"/>
-                <a:cs typeface="Tahoma" pitchFamily="34" charset="0"/>
-              </a:rPr>
-              <a:t>shì</a:t>
-            </a:r>
-            <a:r>
-              <a:rPr lang="en-US" altLang="zh-TW" sz="2800" dirty="0" smtClean="0">
-                <a:solidFill>
-                  <a:srgbClr val="002060"/>
-                </a:solidFill>
-                <a:latin typeface="Tahoma" pitchFamily="34" charset="0"/>
-                <a:ea typeface="Tahoma" pitchFamily="34" charset="0"/>
-                <a:cs typeface="Tahoma" pitchFamily="34" charset="0"/>
-              </a:rPr>
-              <a:t>  </a:t>
-            </a:r>
-            <a:r>
-              <a:rPr lang="en-US" altLang="zh-TW" sz="2800" dirty="0" err="1" smtClean="0">
-                <a:solidFill>
-                  <a:srgbClr val="002060"/>
-                </a:solidFill>
-                <a:latin typeface="Tahoma" pitchFamily="34" charset="0"/>
-                <a:ea typeface="Tahoma" pitchFamily="34" charset="0"/>
-                <a:cs typeface="Tahoma" pitchFamily="34" charset="0"/>
-              </a:rPr>
-              <a:t>wǒ</a:t>
-            </a:r>
-            <a:r>
-              <a:rPr lang="en-US" altLang="zh-TW" sz="2800" dirty="0" smtClean="0">
-                <a:solidFill>
-                  <a:srgbClr val="002060"/>
-                </a:solidFill>
-                <a:latin typeface="Tahoma" pitchFamily="34" charset="0"/>
-                <a:ea typeface="Tahoma" pitchFamily="34" charset="0"/>
-                <a:cs typeface="Tahoma" pitchFamily="34" charset="0"/>
-              </a:rPr>
-              <a:t> </a:t>
-            </a:r>
-            <a:r>
-              <a:rPr lang="en-US" altLang="zh-TW" sz="2800" dirty="0">
-                <a:solidFill>
-                  <a:srgbClr val="002060"/>
-                </a:solidFill>
-                <a:latin typeface="Tahoma" pitchFamily="34" charset="0"/>
-                <a:ea typeface="Tahoma" pitchFamily="34" charset="0"/>
-                <a:cs typeface="Tahoma" pitchFamily="34" charset="0"/>
-              </a:rPr>
-              <a:t>de </a:t>
-            </a:r>
-            <a:r>
-              <a:rPr lang="en-US" altLang="zh-TW" sz="2800" dirty="0" err="1">
-                <a:solidFill>
-                  <a:srgbClr val="002060"/>
-                </a:solidFill>
-                <a:latin typeface="Tahoma" pitchFamily="34" charset="0"/>
-                <a:ea typeface="Tahoma" pitchFamily="34" charset="0"/>
-                <a:cs typeface="Tahoma" pitchFamily="34" charset="0"/>
-              </a:rPr>
-              <a:t>shuāng</a:t>
-            </a:r>
-            <a:r>
-              <a:rPr lang="en-US" altLang="zh-TW" sz="2800" dirty="0">
-                <a:solidFill>
-                  <a:srgbClr val="002060"/>
-                </a:solidFill>
-                <a:latin typeface="Tahoma" pitchFamily="34" charset="0"/>
-                <a:ea typeface="Tahoma" pitchFamily="34" charset="0"/>
-                <a:cs typeface="Tahoma" pitchFamily="34" charset="0"/>
-              </a:rPr>
-              <a:t> </a:t>
-            </a:r>
-            <a:r>
-              <a:rPr lang="en-US" altLang="zh-TW" sz="2800" dirty="0" err="1">
-                <a:solidFill>
-                  <a:srgbClr val="002060"/>
-                </a:solidFill>
-                <a:latin typeface="Tahoma" pitchFamily="34" charset="0"/>
-                <a:ea typeface="Tahoma" pitchFamily="34" charset="0"/>
-                <a:cs typeface="Tahoma" pitchFamily="34" charset="0"/>
-              </a:rPr>
-              <a:t>bì</a:t>
-            </a:r>
-            <a:r>
-              <a:rPr lang="zh-TW" altLang="en-US" dirty="0" smtClean="0"/>
-              <a:t/>
-            </a:r>
-            <a:br>
-              <a:rPr lang="zh-TW" altLang="en-US" dirty="0" smtClean="0"/>
-            </a:br>
-            <a:r>
-              <a:rPr lang="zh-TW" altLang="en-US" sz="4800" b="1" dirty="0" smtClean="0">
-                <a:solidFill>
-                  <a:srgbClr val="C00000"/>
-                </a:solidFill>
-                <a:latin typeface="Adobe 楷体 Std R" pitchFamily="18" charset="-128"/>
-                <a:ea typeface="Adobe 楷体 Std R" pitchFamily="18" charset="-128"/>
-              </a:rPr>
-              <a:t>你們 教</a:t>
-            </a:r>
-            <a:r>
-              <a:rPr lang="zh-TW" altLang="en-US" sz="4800" b="1" dirty="0">
-                <a:solidFill>
-                  <a:srgbClr val="C00000"/>
-                </a:solidFill>
-                <a:latin typeface="Adobe 楷体 Std R" pitchFamily="18" charset="-128"/>
-                <a:ea typeface="Adobe 楷体 Std R" pitchFamily="18" charset="-128"/>
-              </a:rPr>
-              <a:t>我學習付出</a:t>
-            </a:r>
-            <a:endParaRPr lang="en-US" altLang="zh-TW" sz="4800" b="1" dirty="0">
-              <a:solidFill>
-                <a:srgbClr val="C00000"/>
-              </a:solidFill>
-              <a:latin typeface="Adobe 楷体 Std R" pitchFamily="18" charset="-128"/>
-              <a:ea typeface="Adobe 楷体 Std R" pitchFamily="18" charset="-128"/>
-            </a:endParaRPr>
-          </a:p>
-          <a:p>
-            <a:pPr algn="l"/>
-            <a:r>
-              <a:rPr lang="en-US" altLang="zh-TW" sz="2800" dirty="0" smtClean="0">
-                <a:solidFill>
-                  <a:srgbClr val="002060"/>
-                </a:solidFill>
-                <a:latin typeface="Tahoma" pitchFamily="34" charset="0"/>
-                <a:ea typeface="Tahoma" pitchFamily="34" charset="0"/>
-                <a:cs typeface="Tahoma" pitchFamily="34" charset="0"/>
-              </a:rPr>
-              <a:t> </a:t>
-            </a:r>
-            <a:r>
-              <a:rPr lang="en-US" altLang="zh-TW" sz="2800" dirty="0" err="1" smtClean="0">
-                <a:solidFill>
-                  <a:srgbClr val="002060"/>
-                </a:solidFill>
-                <a:latin typeface="Tahoma" pitchFamily="34" charset="0"/>
-                <a:ea typeface="Tahoma" pitchFamily="34" charset="0"/>
-                <a:cs typeface="Tahoma" pitchFamily="34" charset="0"/>
-              </a:rPr>
-              <a:t>Nǐ</a:t>
-            </a:r>
-            <a:r>
-              <a:rPr lang="en-US" altLang="zh-TW" sz="2800" dirty="0" smtClean="0">
-                <a:solidFill>
-                  <a:srgbClr val="002060"/>
-                </a:solidFill>
-                <a:latin typeface="Tahoma" pitchFamily="34" charset="0"/>
-                <a:ea typeface="Tahoma" pitchFamily="34" charset="0"/>
-                <a:cs typeface="Tahoma" pitchFamily="34" charset="0"/>
-              </a:rPr>
-              <a:t>  men </a:t>
-            </a:r>
-            <a:r>
-              <a:rPr lang="en-US" altLang="zh-TW" sz="2800" dirty="0" err="1">
-                <a:solidFill>
-                  <a:srgbClr val="002060"/>
-                </a:solidFill>
-                <a:latin typeface="Tahoma" pitchFamily="34" charset="0"/>
-                <a:ea typeface="Tahoma" pitchFamily="34" charset="0"/>
-                <a:cs typeface="Tahoma" pitchFamily="34" charset="0"/>
-              </a:rPr>
-              <a:t>jiào</a:t>
-            </a:r>
-            <a:r>
-              <a:rPr lang="en-US" altLang="zh-TW" sz="2800" dirty="0">
-                <a:solidFill>
-                  <a:srgbClr val="002060"/>
-                </a:solidFill>
-                <a:latin typeface="Tahoma" pitchFamily="34" charset="0"/>
-                <a:ea typeface="Tahoma" pitchFamily="34" charset="0"/>
-                <a:cs typeface="Tahoma" pitchFamily="34" charset="0"/>
-              </a:rPr>
-              <a:t> </a:t>
-            </a:r>
-            <a:r>
-              <a:rPr lang="en-US" altLang="zh-TW" sz="2800" dirty="0" err="1">
-                <a:solidFill>
-                  <a:srgbClr val="002060"/>
-                </a:solidFill>
-                <a:latin typeface="Tahoma" pitchFamily="34" charset="0"/>
-                <a:ea typeface="Tahoma" pitchFamily="34" charset="0"/>
-                <a:cs typeface="Tahoma" pitchFamily="34" charset="0"/>
-              </a:rPr>
-              <a:t>wǒ</a:t>
-            </a:r>
-            <a:r>
-              <a:rPr lang="en-US" altLang="zh-TW" sz="2800" dirty="0">
-                <a:solidFill>
-                  <a:srgbClr val="002060"/>
-                </a:solidFill>
-                <a:latin typeface="Tahoma" pitchFamily="34" charset="0"/>
-                <a:ea typeface="Tahoma" pitchFamily="34" charset="0"/>
-                <a:cs typeface="Tahoma" pitchFamily="34" charset="0"/>
-              </a:rPr>
-              <a:t> </a:t>
-            </a:r>
-            <a:r>
-              <a:rPr lang="en-US" altLang="zh-TW" sz="2800" dirty="0" err="1" smtClean="0">
-                <a:solidFill>
-                  <a:srgbClr val="002060"/>
-                </a:solidFill>
-                <a:latin typeface="Tahoma" pitchFamily="34" charset="0"/>
-                <a:ea typeface="Tahoma" pitchFamily="34" charset="0"/>
-                <a:cs typeface="Tahoma" pitchFamily="34" charset="0"/>
-              </a:rPr>
-              <a:t>xué</a:t>
-            </a:r>
-            <a:r>
-              <a:rPr lang="en-US" altLang="zh-TW" sz="2800" dirty="0" smtClean="0">
-                <a:solidFill>
-                  <a:srgbClr val="002060"/>
-                </a:solidFill>
-                <a:latin typeface="Tahoma" pitchFamily="34" charset="0"/>
-                <a:ea typeface="Tahoma" pitchFamily="34" charset="0"/>
-                <a:cs typeface="Tahoma" pitchFamily="34" charset="0"/>
-              </a:rPr>
-              <a:t>  </a:t>
-            </a:r>
-            <a:r>
-              <a:rPr lang="en-US" altLang="zh-TW" sz="2800" dirty="0" err="1" smtClean="0">
-                <a:solidFill>
-                  <a:srgbClr val="002060"/>
-                </a:solidFill>
-                <a:latin typeface="Tahoma" pitchFamily="34" charset="0"/>
-                <a:ea typeface="Tahoma" pitchFamily="34" charset="0"/>
-                <a:cs typeface="Tahoma" pitchFamily="34" charset="0"/>
-              </a:rPr>
-              <a:t>xí</a:t>
-            </a:r>
-            <a:r>
-              <a:rPr lang="en-US" altLang="zh-TW" sz="2800" dirty="0" smtClean="0">
-                <a:solidFill>
-                  <a:srgbClr val="002060"/>
-                </a:solidFill>
-                <a:latin typeface="Tahoma" pitchFamily="34" charset="0"/>
-                <a:ea typeface="Tahoma" pitchFamily="34" charset="0"/>
-                <a:cs typeface="Tahoma" pitchFamily="34" charset="0"/>
-              </a:rPr>
-              <a:t>  </a:t>
-            </a:r>
-            <a:r>
-              <a:rPr lang="en-US" altLang="zh-TW" sz="2800" dirty="0" err="1" smtClean="0">
-                <a:solidFill>
-                  <a:srgbClr val="002060"/>
-                </a:solidFill>
-                <a:latin typeface="Tahoma" pitchFamily="34" charset="0"/>
-                <a:ea typeface="Tahoma" pitchFamily="34" charset="0"/>
-                <a:cs typeface="Tahoma" pitchFamily="34" charset="0"/>
-              </a:rPr>
-              <a:t>fù</a:t>
-            </a:r>
-            <a:r>
-              <a:rPr lang="en-US" altLang="zh-TW" sz="2800" dirty="0" smtClean="0">
-                <a:solidFill>
-                  <a:srgbClr val="002060"/>
-                </a:solidFill>
-                <a:latin typeface="Tahoma" pitchFamily="34" charset="0"/>
-                <a:ea typeface="Tahoma" pitchFamily="34" charset="0"/>
-                <a:cs typeface="Tahoma" pitchFamily="34" charset="0"/>
-              </a:rPr>
-              <a:t>  </a:t>
-            </a:r>
-            <a:r>
-              <a:rPr lang="en-US" altLang="zh-TW" sz="2800" dirty="0" err="1" smtClean="0">
-                <a:solidFill>
-                  <a:srgbClr val="002060"/>
-                </a:solidFill>
-                <a:latin typeface="Tahoma" pitchFamily="34" charset="0"/>
-                <a:ea typeface="Tahoma" pitchFamily="34" charset="0"/>
-                <a:cs typeface="Tahoma" pitchFamily="34" charset="0"/>
-              </a:rPr>
-              <a:t>chū</a:t>
-            </a:r>
-            <a:r>
-              <a:rPr lang="zh-TW" altLang="en-US" sz="2400" dirty="0">
-                <a:solidFill>
-                  <a:srgbClr val="C00000"/>
-                </a:solidFill>
-                <a:latin typeface="Tahoma" pitchFamily="34" charset="0"/>
-                <a:ea typeface="Tahoma" pitchFamily="34" charset="0"/>
-                <a:cs typeface="Tahoma" pitchFamily="34" charset="0"/>
-              </a:rPr>
-              <a:t/>
-            </a:r>
-            <a:br>
-              <a:rPr lang="zh-TW" altLang="en-US" sz="2400" dirty="0">
-                <a:solidFill>
-                  <a:srgbClr val="C00000"/>
-                </a:solidFill>
-                <a:latin typeface="Tahoma" pitchFamily="34" charset="0"/>
-                <a:ea typeface="Tahoma" pitchFamily="34" charset="0"/>
-                <a:cs typeface="Tahoma" pitchFamily="34" charset="0"/>
-              </a:rPr>
-            </a:br>
-            <a:r>
-              <a:rPr lang="zh-TW" altLang="en-US" sz="4800" b="1" dirty="0">
-                <a:solidFill>
-                  <a:srgbClr val="C00000"/>
-                </a:solidFill>
-                <a:latin typeface="Adobe 楷体 Std R" pitchFamily="18" charset="-128"/>
-                <a:ea typeface="Adobe 楷体 Std R" pitchFamily="18" charset="-128"/>
-              </a:rPr>
-              <a:t>教我要愛耶穌</a:t>
-            </a:r>
-            <a:endParaRPr lang="en-US" altLang="zh-TW" sz="4800" b="1" dirty="0">
-              <a:solidFill>
-                <a:srgbClr val="C00000"/>
-              </a:solidFill>
-              <a:latin typeface="Adobe 楷体 Std R" pitchFamily="18" charset="-128"/>
-              <a:ea typeface="Adobe 楷体 Std R" pitchFamily="18" charset="-128"/>
-            </a:endParaRPr>
-          </a:p>
-          <a:p>
-            <a:pPr algn="l"/>
-            <a:r>
-              <a:rPr lang="en-US" altLang="zh-TW" sz="2800" dirty="0" err="1">
-                <a:solidFill>
-                  <a:srgbClr val="002060"/>
-                </a:solidFill>
-                <a:latin typeface="Tahoma" pitchFamily="34" charset="0"/>
-                <a:ea typeface="Tahoma" pitchFamily="34" charset="0"/>
-                <a:cs typeface="Tahoma" pitchFamily="34" charset="0"/>
-              </a:rPr>
-              <a:t>Jiào</a:t>
-            </a:r>
-            <a:r>
-              <a:rPr lang="en-US" altLang="zh-TW" sz="2800" dirty="0">
-                <a:solidFill>
-                  <a:srgbClr val="002060"/>
-                </a:solidFill>
-                <a:latin typeface="Tahoma" pitchFamily="34" charset="0"/>
-                <a:ea typeface="Tahoma" pitchFamily="34" charset="0"/>
-                <a:cs typeface="Tahoma" pitchFamily="34" charset="0"/>
-              </a:rPr>
-              <a:t> </a:t>
-            </a:r>
-            <a:r>
-              <a:rPr lang="en-US" altLang="zh-TW" sz="2800" dirty="0" err="1">
-                <a:solidFill>
-                  <a:srgbClr val="002060"/>
-                </a:solidFill>
-                <a:latin typeface="Tahoma" pitchFamily="34" charset="0"/>
-                <a:ea typeface="Tahoma" pitchFamily="34" charset="0"/>
-                <a:cs typeface="Tahoma" pitchFamily="34" charset="0"/>
-              </a:rPr>
-              <a:t>wǒ</a:t>
-            </a:r>
-            <a:r>
-              <a:rPr lang="en-US" altLang="zh-TW" sz="2800" dirty="0">
-                <a:solidFill>
-                  <a:srgbClr val="002060"/>
-                </a:solidFill>
-                <a:latin typeface="Tahoma" pitchFamily="34" charset="0"/>
-                <a:ea typeface="Tahoma" pitchFamily="34" charset="0"/>
-                <a:cs typeface="Tahoma" pitchFamily="34" charset="0"/>
-              </a:rPr>
-              <a:t> </a:t>
-            </a:r>
-            <a:r>
-              <a:rPr lang="en-US" altLang="zh-TW" sz="2800" dirty="0" err="1">
-                <a:solidFill>
-                  <a:srgbClr val="002060"/>
-                </a:solidFill>
-                <a:latin typeface="Tahoma" pitchFamily="34" charset="0"/>
-                <a:ea typeface="Tahoma" pitchFamily="34" charset="0"/>
-                <a:cs typeface="Tahoma" pitchFamily="34" charset="0"/>
-              </a:rPr>
-              <a:t>yào</a:t>
-            </a:r>
-            <a:r>
-              <a:rPr lang="en-US" altLang="zh-TW" sz="2800" dirty="0">
-                <a:solidFill>
-                  <a:srgbClr val="002060"/>
-                </a:solidFill>
-                <a:latin typeface="Tahoma" pitchFamily="34" charset="0"/>
-                <a:ea typeface="Tahoma" pitchFamily="34" charset="0"/>
-                <a:cs typeface="Tahoma" pitchFamily="34" charset="0"/>
-              </a:rPr>
-              <a:t> </a:t>
-            </a:r>
-            <a:r>
-              <a:rPr lang="en-US" altLang="zh-TW" sz="2800" dirty="0" smtClean="0">
-                <a:solidFill>
-                  <a:srgbClr val="002060"/>
-                </a:solidFill>
-                <a:latin typeface="Tahoma" pitchFamily="34" charset="0"/>
-                <a:ea typeface="Tahoma" pitchFamily="34" charset="0"/>
-                <a:cs typeface="Tahoma" pitchFamily="34" charset="0"/>
-              </a:rPr>
-              <a:t> </a:t>
-            </a:r>
-            <a:r>
-              <a:rPr lang="en-US" altLang="zh-TW" sz="2800" dirty="0" err="1" smtClean="0">
-                <a:solidFill>
-                  <a:srgbClr val="002060"/>
-                </a:solidFill>
-                <a:latin typeface="Tahoma" pitchFamily="34" charset="0"/>
-                <a:ea typeface="Tahoma" pitchFamily="34" charset="0"/>
-                <a:cs typeface="Tahoma" pitchFamily="34" charset="0"/>
-              </a:rPr>
-              <a:t>ài</a:t>
-            </a:r>
-            <a:r>
-              <a:rPr lang="en-US" altLang="zh-TW" sz="2800" dirty="0" smtClean="0">
-                <a:solidFill>
-                  <a:srgbClr val="002060"/>
-                </a:solidFill>
-                <a:latin typeface="Tahoma" pitchFamily="34" charset="0"/>
-                <a:ea typeface="Tahoma" pitchFamily="34" charset="0"/>
-                <a:cs typeface="Tahoma" pitchFamily="34" charset="0"/>
-              </a:rPr>
-              <a:t>   </a:t>
-            </a:r>
-            <a:r>
-              <a:rPr lang="en-US" altLang="zh-TW" sz="2800" dirty="0" err="1" smtClean="0">
-                <a:solidFill>
-                  <a:srgbClr val="002060"/>
-                </a:solidFill>
-                <a:latin typeface="Tahoma" pitchFamily="34" charset="0"/>
-                <a:ea typeface="Tahoma" pitchFamily="34" charset="0"/>
-                <a:cs typeface="Tahoma" pitchFamily="34" charset="0"/>
-              </a:rPr>
-              <a:t>yē</a:t>
-            </a:r>
-            <a:r>
-              <a:rPr lang="en-US" altLang="zh-TW" sz="2800" dirty="0" smtClean="0">
-                <a:solidFill>
-                  <a:srgbClr val="002060"/>
-                </a:solidFill>
-                <a:latin typeface="Tahoma" pitchFamily="34" charset="0"/>
-                <a:ea typeface="Tahoma" pitchFamily="34" charset="0"/>
-                <a:cs typeface="Tahoma" pitchFamily="34" charset="0"/>
-              </a:rPr>
-              <a:t>  </a:t>
-            </a:r>
-            <a:r>
-              <a:rPr lang="en-US" altLang="zh-TW" sz="2800" dirty="0" err="1" smtClean="0">
-                <a:solidFill>
-                  <a:srgbClr val="002060"/>
-                </a:solidFill>
-                <a:latin typeface="Tahoma" pitchFamily="34" charset="0"/>
-                <a:ea typeface="Tahoma" pitchFamily="34" charset="0"/>
-                <a:cs typeface="Tahoma" pitchFamily="34" charset="0"/>
-              </a:rPr>
-              <a:t>sū</a:t>
-            </a:r>
-            <a:endParaRPr lang="zh-TW" altLang="en-US" sz="2800" dirty="0">
+            <a:pPr fontAlgn="base"/>
+            <a:r>
+              <a:rPr lang="en-US" altLang="zh-TW" sz="4000" dirty="0" err="1" smtClean="0">
+                <a:solidFill>
+                  <a:srgbClr val="002060"/>
+                </a:solidFill>
+                <a:latin typeface="Tahoma" pitchFamily="34" charset="0"/>
+                <a:ea typeface="Tahoma" pitchFamily="34" charset="0"/>
+                <a:cs typeface="Tahoma" pitchFamily="34" charset="0"/>
+              </a:rPr>
+              <a:t>Yòng</a:t>
+            </a:r>
+            <a:endParaRPr lang="zh-TW" altLang="en-US" sz="4000" dirty="0" smtClean="0">
               <a:solidFill>
                 <a:srgbClr val="002060"/>
               </a:solidFill>
@@ -7806,12 +7070,224 @@
               <a:cs typeface="Tahoma" pitchFamily="34" charset="0"/>
             </a:endParaRPr>
           </a:p>
+          <a:p>
+            <a:r>
+              <a:rPr lang="zh-CN" altLang="en-US" sz="6600" b="1" dirty="0" smtClean="0">
+                <a:solidFill>
+                  <a:srgbClr val="C00000"/>
+                </a:solidFill>
+                <a:effectLst>
+                  <a:outerShdw blurRad="38100" dist="38100" dir="2700000" algn="tl">
+                    <a:srgbClr val="000000">
+                      <a:alpha val="43137"/>
+                    </a:srgbClr>
+                  </a:outerShdw>
+                </a:effectLst>
+                <a:latin typeface="標楷體" pitchFamily="65" charset="-120"/>
+                <a:ea typeface="標楷體" pitchFamily="65" charset="-120"/>
+                <a:cs typeface="Tahoma" pitchFamily="34" charset="0"/>
+              </a:rPr>
+              <a:t>擁抱</a:t>
+            </a:r>
+            <a:endParaRPr lang="en-US" altLang="zh-CN" sz="6600" b="1" dirty="0" smtClean="0">
+              <a:solidFill>
+                <a:srgbClr val="C00000"/>
+              </a:solidFill>
+              <a:effectLst>
+                <a:outerShdw blurRad="38100" dist="38100" dir="2700000" algn="tl">
+                  <a:srgbClr val="000000">
+                    <a:alpha val="43137"/>
+                  </a:srgbClr>
+                </a:outerShdw>
+              </a:effectLst>
+              <a:latin typeface="標楷體" pitchFamily="65" charset="-120"/>
+              <a:ea typeface="標楷體" pitchFamily="65" charset="-120"/>
+              <a:cs typeface="Tahoma" pitchFamily="34" charset="0"/>
+            </a:endParaRPr>
+          </a:p>
+          <a:p>
+            <a:r>
+              <a:rPr lang="en-US" altLang="zh-TW" sz="4000" dirty="0" err="1" smtClean="0">
+                <a:solidFill>
+                  <a:srgbClr val="002060"/>
+                </a:solidFill>
+                <a:latin typeface="Tahoma" pitchFamily="34" charset="0"/>
+                <a:ea typeface="Tahoma" pitchFamily="34" charset="0"/>
+                <a:cs typeface="Tahoma" pitchFamily="34" charset="0"/>
+              </a:rPr>
+              <a:t>yǒng</a:t>
+            </a:r>
+            <a:r>
+              <a:rPr lang="en-US" altLang="zh-TW" sz="4000" dirty="0" smtClean="0">
+                <a:solidFill>
+                  <a:srgbClr val="002060"/>
+                </a:solidFill>
+                <a:latin typeface="Tahoma" pitchFamily="34" charset="0"/>
+                <a:ea typeface="Tahoma" pitchFamily="34" charset="0"/>
+                <a:cs typeface="Tahoma" pitchFamily="34" charset="0"/>
+              </a:rPr>
+              <a:t> </a:t>
+            </a:r>
+            <a:r>
+              <a:rPr lang="en-US" altLang="zh-TW" sz="4000" dirty="0" err="1" smtClean="0">
+                <a:solidFill>
+                  <a:srgbClr val="002060"/>
+                </a:solidFill>
+                <a:latin typeface="Tahoma" pitchFamily="34" charset="0"/>
+                <a:ea typeface="Tahoma" pitchFamily="34" charset="0"/>
+                <a:cs typeface="Tahoma" pitchFamily="34" charset="0"/>
+              </a:rPr>
+              <a:t>bào</a:t>
+            </a:r>
+            <a:endParaRPr lang="en-US" altLang="zh-TW" sz="4000" dirty="0" smtClean="0">
+              <a:solidFill>
+                <a:srgbClr val="002060"/>
+              </a:solidFill>
+              <a:latin typeface="Tahoma" pitchFamily="34" charset="0"/>
+              <a:ea typeface="Tahoma" pitchFamily="34" charset="0"/>
+              <a:cs typeface="Tahoma" pitchFamily="34" charset="0"/>
+            </a:endParaRPr>
+          </a:p>
+          <a:p>
+            <a:r>
+              <a:rPr lang="zh-CN" altLang="en-US" sz="6600" b="1" dirty="0" smtClean="0">
+                <a:solidFill>
+                  <a:srgbClr val="C00000"/>
+                </a:solidFill>
+                <a:effectLst>
+                  <a:outerShdw blurRad="38100" dist="38100" dir="2700000" algn="tl">
+                    <a:srgbClr val="000000">
+                      <a:alpha val="43137"/>
+                    </a:srgbClr>
+                  </a:outerShdw>
+                </a:effectLst>
+                <a:latin typeface="標楷體" pitchFamily="65" charset="-120"/>
+                <a:ea typeface="標楷體" pitchFamily="65" charset="-120"/>
+                <a:cs typeface="Tahoma" pitchFamily="34" charset="0"/>
+              </a:rPr>
+              <a:t>這</a:t>
+            </a:r>
+            <a:endParaRPr lang="en-US" altLang="zh-CN" sz="6600" b="1" dirty="0" smtClean="0">
+              <a:solidFill>
+                <a:srgbClr val="C00000"/>
+              </a:solidFill>
+              <a:effectLst>
+                <a:outerShdw blurRad="38100" dist="38100" dir="2700000" algn="tl">
+                  <a:srgbClr val="000000">
+                    <a:alpha val="43137"/>
+                  </a:srgbClr>
+                </a:outerShdw>
+              </a:effectLst>
+              <a:latin typeface="標楷體" pitchFamily="65" charset="-120"/>
+              <a:ea typeface="標楷體" pitchFamily="65" charset="-120"/>
+              <a:cs typeface="Tahoma" pitchFamily="34" charset="0"/>
+            </a:endParaRPr>
+          </a:p>
+          <a:p>
+            <a:r>
+              <a:rPr lang="en-US" altLang="zh-TW" sz="4000" dirty="0" err="1" smtClean="0">
+                <a:solidFill>
+                  <a:srgbClr val="002060"/>
+                </a:solidFill>
+                <a:latin typeface="Tahoma" pitchFamily="34" charset="0"/>
+                <a:ea typeface="Tahoma" pitchFamily="34" charset="0"/>
+                <a:cs typeface="Tahoma" pitchFamily="34" charset="0"/>
+              </a:rPr>
+              <a:t>Zhè</a:t>
+            </a:r>
+            <a:endParaRPr lang="en-US" altLang="zh-TW" sz="4000" dirty="0" smtClean="0">
+              <a:solidFill>
+                <a:srgbClr val="002060"/>
+              </a:solidFill>
+              <a:latin typeface="Tahoma" pitchFamily="34" charset="0"/>
+              <a:ea typeface="Tahoma" pitchFamily="34" charset="0"/>
+              <a:cs typeface="Tahoma" pitchFamily="34" charset="0"/>
+            </a:endParaRPr>
+          </a:p>
+          <a:p>
+            <a:r>
+              <a:rPr lang="zh-CN" altLang="en-US" sz="6600" b="1" dirty="0" smtClean="0">
+                <a:solidFill>
+                  <a:srgbClr val="C00000"/>
+                </a:solidFill>
+                <a:effectLst>
+                  <a:outerShdw blurRad="38100" dist="38100" dir="2700000" algn="tl">
+                    <a:srgbClr val="000000">
+                      <a:alpha val="43137"/>
+                    </a:srgbClr>
+                  </a:outerShdw>
+                </a:effectLst>
+                <a:latin typeface="標楷體" pitchFamily="65" charset="-120"/>
+                <a:ea typeface="標楷體" pitchFamily="65" charset="-120"/>
+                <a:cs typeface="Tahoma" pitchFamily="34" charset="0"/>
+              </a:rPr>
+              <a:t>世界</a:t>
+            </a:r>
+            <a:endParaRPr lang="en-US" altLang="zh-CN" sz="6600" b="1" dirty="0" smtClean="0">
+              <a:solidFill>
+                <a:srgbClr val="C00000"/>
+              </a:solidFill>
+              <a:effectLst>
+                <a:outerShdw blurRad="38100" dist="38100" dir="2700000" algn="tl">
+                  <a:srgbClr val="000000">
+                    <a:alpha val="43137"/>
+                  </a:srgbClr>
+                </a:outerShdw>
+              </a:effectLst>
+              <a:latin typeface="標楷體" pitchFamily="65" charset="-120"/>
+              <a:ea typeface="標楷體" pitchFamily="65" charset="-120"/>
+              <a:cs typeface="Tahoma" pitchFamily="34" charset="0"/>
+            </a:endParaRPr>
+          </a:p>
+          <a:p>
+            <a:r>
+              <a:rPr lang="en-US" altLang="zh-TW" sz="4000" dirty="0" err="1" smtClean="0">
+                <a:solidFill>
+                  <a:srgbClr val="002060"/>
+                </a:solidFill>
+                <a:latin typeface="Tahoma" pitchFamily="34" charset="0"/>
+                <a:ea typeface="Tahoma" pitchFamily="34" charset="0"/>
+                <a:cs typeface="Tahoma" pitchFamily="34" charset="0"/>
+              </a:rPr>
+              <a:t>shì</a:t>
+            </a:r>
+            <a:r>
+              <a:rPr lang="en-US" altLang="zh-TW" sz="4000" dirty="0" smtClean="0">
+                <a:solidFill>
+                  <a:srgbClr val="002060"/>
+                </a:solidFill>
+                <a:latin typeface="Tahoma" pitchFamily="34" charset="0"/>
+                <a:ea typeface="Tahoma" pitchFamily="34" charset="0"/>
+                <a:cs typeface="Tahoma" pitchFamily="34" charset="0"/>
+              </a:rPr>
+              <a:t>  </a:t>
+            </a:r>
+            <a:r>
+              <a:rPr lang="en-US" altLang="zh-TW" sz="4000" dirty="0" err="1" smtClean="0">
+                <a:solidFill>
+                  <a:srgbClr val="002060"/>
+                </a:solidFill>
+                <a:latin typeface="Tahoma" pitchFamily="34" charset="0"/>
+                <a:ea typeface="Tahoma" pitchFamily="34" charset="0"/>
+                <a:cs typeface="Tahoma" pitchFamily="34" charset="0"/>
+              </a:rPr>
+              <a:t>jiè</a:t>
+            </a:r>
+            <a:endParaRPr lang="en-US" altLang="zh-CN" sz="4000" dirty="0" err="1" smtClean="0">
+              <a:solidFill>
+                <a:srgbClr val="002060"/>
+              </a:solidFill>
+              <a:latin typeface="Tahoma" pitchFamily="34" charset="0"/>
+              <a:ea typeface="Tahoma" pitchFamily="34" charset="0"/>
+              <a:cs typeface="Tahoma" pitchFamily="34" charset="0"/>
+            </a:endParaRPr>
+          </a:p>
         </p:txBody>
       </p:sp>
     </p:spTree>
     <p:extLst>
       <p:ext uri="{BB962C8B-B14F-4D97-AF65-F5344CB8AC3E}">
-        <p14:creationId xmlns:p14="http://schemas.microsoft.com/office/powerpoint/2010/main" xmlns="" val="3856569344"/>
+        <p14:creationId xmlns="" xmlns:p14="http://schemas.microsoft.com/office/powerpoint/2010/main" val="1085457488"/>
       </p:ext>
     </p:extLst>
   </p:cSld>
@@ -7857,7 +7333,7 @@
           <a:blip r:embed="rId2">
             <a:extLst>
               <a:ext uri="{28A0092B-C50C-407E-A947-70E740481C1C}">
-                <a14:useLocalDpi xmlns:a14="http://schemas.microsoft.com/office/drawing/2010/main" xmlns="" val="0"/>
+                <a14:useLocalDpi xmlns="" xmlns:a14="http://schemas.microsoft.com/office/drawing/2010/main" val="0"/>
               </a:ext>
             </a:extLst>
           </a:blip>
@@ -7877,7 +7353,7 @@
           <a:noFill/>
           <a:extLst>
             <a:ext uri="{909E8E84-426E-40DD-AFC4-6F175D3DCCD1}">
-              <a14:hiddenFill xmlns:a14="http://schemas.microsoft.com/office/drawing/2010/main" xmlns="">
+              <a14:hiddenFill xmlns="" xmlns:a14="http://schemas.microsoft.com/office/drawing/2010/main">
                 <a:solidFill>
                   <a:srgbClr val="FFFFFF"/>
                 </a:solidFill>
@@ -7888,14 +7364,14 @@
       </p:pic>
       <p:sp>
         <p:nvSpPr>
-          <p:cNvPr id="5" name="文字方塊 4"/>
+          <p:cNvPr id="7" name="文字方塊 6"/>
           <p:cNvSpPr txBox="1"/>
           <p:nvPr/>
         </p:nvSpPr>
         <p:spPr>
           <a:xfrm>
-            <a:off x="5286380" y="443284"/>
-            <a:ext cx="3286148" cy="4985980"/>
+            <a:off x="500034" y="571480"/>
+            <a:ext cx="3643338" cy="4985980"/>
           </a:xfrm>
           <a:prstGeom prst="rect">
             <a:avLst/>
@@ -7908,6 +7384,7 @@
           </a:bodyPr>
           <a:lstStyle/>
           <a:p>
+            <a:pPr fontAlgn="base"/>
             <a:r>
               <a:rPr lang="zh-CN" altLang="en-US" sz="6600" b="1" dirty="0" smtClean="0">
                 <a:solidFill>
@@ -7924,7 +7401,7 @@
                 <a:ea typeface="標楷體" pitchFamily="65" charset="-120"/>
                 <a:cs typeface="Tahoma" pitchFamily="34" charset="0"/>
               </a:rPr>
-              <a:t>回頭</a:t>
+              <a:t>帶著</a:t>
             </a:r>
             <a:endParaRPr lang="en-US" altLang="zh-CN" sz="6600" b="1" dirty="0" smtClean="0">
               <a:solidFill>
@@ -7943,6 +7420,7 @@
             </a:endParaRPr>
           </a:p>
           <a:p>
+            <a:pPr fontAlgn="base"/>
             <a:r>
               <a:rPr lang="en-US" altLang="zh-TW" sz="4000" dirty="0" err="1" smtClean="0">
                 <a:solidFill>
@@ -7952,7 +7430,7 @@
                 <a:ea typeface="Tahoma" pitchFamily="34" charset="0"/>
                 <a:cs typeface="Tahoma" pitchFamily="34" charset="0"/>
               </a:rPr>
-              <a:t>Huí</a:t>
+              <a:t>Dài</a:t>
             </a:r>
             <a:r>
               <a:rPr lang="en-US" altLang="zh-TW" sz="4000" dirty="0" smtClean="0">
@@ -7963,7 +7441,7 @@
                 <a:ea typeface="Tahoma" pitchFamily="34" charset="0"/>
                 <a:cs typeface="Tahoma" pitchFamily="34" charset="0"/>
               </a:rPr>
-              <a:t>  </a:t>
+              <a:t> </a:t>
             </a:r>
             <a:r>
               <a:rPr lang="en-US" altLang="zh-TW" sz="4000" dirty="0" err="1" smtClean="0">
@@ -7974,21 +7452,19 @@
                 <a:ea typeface="Tahoma" pitchFamily="34" charset="0"/>
                 <a:cs typeface="Tahoma" pitchFamily="34" charset="0"/>
               </a:rPr>
-              <a:t>tóu</a:t>
-            </a:r>
-            <a:r>
-              <a:rPr lang="en-US" altLang="zh-TW" sz="4000" dirty="0" smtClean="0">
-                <a:solidFill>
-                  <a:srgbClr val="002060"/>
-                </a:solidFill>
-                <a:latin typeface="Tahoma" pitchFamily="34" charset="0"/>
-                <a:ea typeface="Tahoma" pitchFamily="34" charset="0"/>
-                <a:cs typeface="Tahoma" pitchFamily="34" charset="0"/>
-              </a:rPr>
-              <a:t> </a:t>
-            </a:r>
-          </a:p>
-          <a:p>
+              <a:t>zhe</a:t>
+            </a:r>
+            <a:endParaRPr lang="en-US" altLang="zh-TW" sz="4000" dirty="0" smtClean="0">
+              <a:solidFill>
+                <a:srgbClr val="002060"/>
+              </a:solidFill>
+              <a:latin typeface="Tahoma" pitchFamily="34" charset="0"/>
+              <a:ea typeface="Tahoma" pitchFamily="34" charset="0"/>
+              <a:cs typeface="Tahoma" pitchFamily="34" charset="0"/>
+            </a:endParaRPr>
+          </a:p>
+          <a:p>
+            <a:pPr fontAlgn="base"/>
             <a:r>
               <a:rPr lang="zh-CN" altLang="en-US" sz="6600" b="1" dirty="0" smtClean="0">
                 <a:solidFill>
@@ -8005,7 +7481,7 @@
                 <a:ea typeface="標楷體" pitchFamily="65" charset="-120"/>
                 <a:cs typeface="Tahoma" pitchFamily="34" charset="0"/>
               </a:rPr>
-              <a:t>看著</a:t>
+              <a:t>感恩</a:t>
             </a:r>
             <a:endParaRPr lang="en-US" altLang="zh-CN" sz="6600" b="1" dirty="0" smtClean="0">
               <a:solidFill>
@@ -8033,7 +7509,7 @@
                 <a:ea typeface="Tahoma" pitchFamily="34" charset="0"/>
                 <a:cs typeface="Tahoma" pitchFamily="34" charset="0"/>
               </a:rPr>
-              <a:t>kàn</a:t>
+              <a:t>gǎn</a:t>
             </a:r>
             <a:r>
               <a:rPr lang="en-US" altLang="zh-TW" sz="4000" dirty="0" smtClean="0">
@@ -8055,7 +7531,7 @@
                 <a:ea typeface="Tahoma" pitchFamily="34" charset="0"/>
                 <a:cs typeface="Tahoma" pitchFamily="34" charset="0"/>
               </a:rPr>
-              <a:t>zhe</a:t>
+              <a:t>ēn</a:t>
             </a:r>
             <a:endParaRPr lang="en-US" altLang="zh-TW" sz="4000" dirty="0" smtClean="0">
               <a:solidFill>
@@ -8083,7 +7559,7 @@
                 <a:ea typeface="標楷體" pitchFamily="65" charset="-120"/>
                 <a:cs typeface="Tahoma" pitchFamily="34" charset="0"/>
               </a:rPr>
-              <a:t>笑容</a:t>
+              <a:t>改變</a:t>
             </a:r>
             <a:endParaRPr lang="en-US" altLang="zh-CN" sz="6600" b="1" dirty="0" smtClean="0">
               <a:solidFill>
@@ -8111,7 +7587,7 @@
                 <a:ea typeface="Tahoma" pitchFamily="34" charset="0"/>
                 <a:cs typeface="Tahoma" pitchFamily="34" charset="0"/>
               </a:rPr>
-              <a:t>xiào</a:t>
+              <a:t>gǎi</a:t>
             </a:r>
             <a:r>
               <a:rPr lang="en-US" altLang="zh-TW" sz="4000" dirty="0" smtClean="0">
@@ -8133,9 +7609,9 @@
                 <a:ea typeface="Tahoma" pitchFamily="34" charset="0"/>
                 <a:cs typeface="Tahoma" pitchFamily="34" charset="0"/>
               </a:rPr>
-              <a:t>róng</a:t>
-            </a:r>
-            <a:endParaRPr lang="en-US" altLang="zh-CN" sz="4000" dirty="0" smtClean="0">
+              <a:t>biàn</a:t>
+            </a:r>
+            <a:endParaRPr lang="en-US" altLang="zh-TW" sz="4000" dirty="0" smtClean="0">
               <a:solidFill>
                 <a:srgbClr val="002060"/>
               </a:solidFill>
@@ -8148,13 +7624,13 @@
       </p:sp>
       <p:sp>
         <p:nvSpPr>
-          <p:cNvPr id="7" name="文字方塊 6"/>
+          <p:cNvPr id="5" name="文字方塊 4"/>
           <p:cNvSpPr txBox="1"/>
           <p:nvPr/>
         </p:nvSpPr>
         <p:spPr>
           <a:xfrm>
-            <a:off x="1285852" y="443284"/>
+            <a:off x="4857752" y="240804"/>
             <a:ext cx="3643338" cy="4985980"/>
           </a:xfrm>
           <a:prstGeom prst="rect">
@@ -8184,7 +7660,7 @@
                 <a:ea typeface="標楷體" pitchFamily="65" charset="-120"/>
                 <a:cs typeface="Tahoma" pitchFamily="34" charset="0"/>
               </a:rPr>
-              <a:t>一步</a:t>
+              <a:t>一生</a:t>
             </a:r>
             <a:endParaRPr lang="en-US" altLang="zh-CN" sz="6600" b="1" dirty="0" smtClean="0">
               <a:solidFill>
@@ -8204,6 +7680,17 @@
           </a:p>
           <a:p>
             <a:r>
+              <a:rPr lang="en-US" altLang="zh-TW" sz="4000" dirty="0" err="1" smtClean="0">
+                <a:solidFill>
+                  <a:srgbClr val="002060"/>
+                </a:solidFill>
+                <a:latin typeface="Tahoma" pitchFamily="34" charset="0"/>
+                <a:ea typeface="Tahoma" pitchFamily="34" charset="0"/>
+                <a:cs typeface="Tahoma" pitchFamily="34" charset="0"/>
+              </a:rPr>
+              <a:t>Yī</a:t>
+            </a:r>
+            <a:r>
               <a:rPr lang="en-US" altLang="zh-TW" sz="4000" dirty="0" smtClean="0">
                 <a:solidFill>
                   <a:srgbClr val="002060"/>
@@ -8212,7 +7699,7 @@
                 <a:ea typeface="Tahoma" pitchFamily="34" charset="0"/>
                 <a:cs typeface="Tahoma" pitchFamily="34" charset="0"/>
               </a:rPr>
-              <a:t> </a:t>
+              <a:t>  </a:t>
             </a:r>
             <a:r>
               <a:rPr lang="en-US" altLang="zh-TW" sz="4000" dirty="0" err="1" smtClean="0">
@@ -8223,29 +7710,7 @@
                 <a:ea typeface="Tahoma" pitchFamily="34" charset="0"/>
                 <a:cs typeface="Tahoma" pitchFamily="34" charset="0"/>
               </a:rPr>
-              <a:t>yī</a:t>
-            </a:r>
-            <a:r>
-              <a:rPr lang="en-US" altLang="zh-TW" sz="4000" dirty="0" smtClean="0">
-                <a:solidFill>
-                  <a:srgbClr val="002060"/>
-                </a:solidFill>
-                <a:latin typeface="Tahoma" pitchFamily="34" charset="0"/>
-                <a:ea typeface="Tahoma" pitchFamily="34" charset="0"/>
-                <a:cs typeface="Tahoma" pitchFamily="34" charset="0"/>
-              </a:rPr>
-              <a:t>  </a:t>
-            </a:r>
-            <a:r>
-              <a:rPr lang="en-US" altLang="zh-TW" sz="4000" dirty="0" err="1" smtClean="0">
-                <a:solidFill>
-                  <a:srgbClr val="002060"/>
-                </a:solidFill>
-                <a:latin typeface="Tahoma" pitchFamily="34" charset="0"/>
-                <a:ea typeface="Tahoma" pitchFamily="34" charset="0"/>
-                <a:cs typeface="Tahoma" pitchFamily="34" charset="0"/>
-              </a:rPr>
-              <a:t>bù</a:t>
+              <a:t>shēng</a:t>
             </a:r>
             <a:endParaRPr lang="en-US" altLang="zh-TW" sz="4000" dirty="0" smtClean="0">
               <a:solidFill>
@@ -8273,7 +7738,7 @@
                 <a:ea typeface="標楷體" pitchFamily="65" charset="-120"/>
                 <a:cs typeface="Tahoma" pitchFamily="34" charset="0"/>
               </a:rPr>
-              <a:t> 向前走</a:t>
+              <a:t>服事</a:t>
             </a:r>
             <a:endParaRPr lang="en-US" altLang="zh-CN" sz="6600" b="1" dirty="0" smtClean="0">
               <a:solidFill>
@@ -8301,7 +7766,7 @@
                 <a:ea typeface="Tahoma" pitchFamily="34" charset="0"/>
                 <a:cs typeface="Tahoma" pitchFamily="34" charset="0"/>
               </a:rPr>
-              <a:t>xiàng</a:t>
+              <a:t>fú</a:t>
             </a:r>
             <a:r>
               <a:rPr lang="en-US" altLang="zh-TW" sz="4000" dirty="0" smtClean="0">
@@ -8312,7 +7777,7 @@
                 <a:ea typeface="Tahoma" pitchFamily="34" charset="0"/>
                 <a:cs typeface="Tahoma" pitchFamily="34" charset="0"/>
               </a:rPr>
-              <a:t> </a:t>
+              <a:t>   </a:t>
             </a:r>
             <a:r>
               <a:rPr lang="en-US" altLang="zh-TW" sz="4000" dirty="0" err="1" smtClean="0">
@@ -8323,31 +7788,9 @@
                 <a:ea typeface="Tahoma" pitchFamily="34" charset="0"/>
                 <a:cs typeface="Tahoma" pitchFamily="34" charset="0"/>
               </a:rPr>
-              <a:t>qián</a:t>
-            </a:r>
-            <a:r>
-              <a:rPr lang="en-US" altLang="zh-TW" sz="4000" dirty="0" smtClean="0">
-                <a:solidFill>
-                  <a:srgbClr val="002060"/>
-                </a:solidFill>
-                <a:latin typeface="Tahoma" pitchFamily="34" charset="0"/>
-                <a:ea typeface="Tahoma" pitchFamily="34" charset="0"/>
-                <a:cs typeface="Tahoma" pitchFamily="34" charset="0"/>
-              </a:rPr>
-              <a:t> </a:t>
-            </a:r>
-            <a:r>
-              <a:rPr lang="en-US" altLang="zh-TW" sz="4000" dirty="0" err="1" smtClean="0">
-                <a:solidFill>
-                  <a:srgbClr val="002060"/>
-                </a:solidFill>
-                <a:latin typeface="Tahoma" pitchFamily="34" charset="0"/>
-                <a:ea typeface="Tahoma" pitchFamily="34" charset="0"/>
-                <a:cs typeface="Tahoma" pitchFamily="34" charset="0"/>
-              </a:rPr>
-              <a:t>zǒu</a:t>
-            </a:r>
-            <a:endParaRPr lang="en-US" altLang="zh-TW" sz="4000" dirty="0" smtClean="0">
+              <a:t>shì</a:t>
+            </a:r>
+            <a:endParaRPr lang="en-US" altLang="zh-CN" sz="4000" dirty="0" smtClean="0">
               <a:solidFill>
                 <a:srgbClr val="002060"/>
               </a:solidFill>
@@ -8373,7 +7816,7 @@
                 <a:ea typeface="標楷體" pitchFamily="65" charset="-120"/>
                 <a:cs typeface="Tahoma" pitchFamily="34" charset="0"/>
               </a:rPr>
-              <a:t>謝謝</a:t>
+              <a:t>榮耀</a:t>
             </a:r>
             <a:endParaRPr lang="en-US" altLang="zh-CN" sz="6600" b="1" dirty="0" smtClean="0">
               <a:solidFill>
@@ -8401,7 +7844,7 @@
                 <a:ea typeface="Tahoma" pitchFamily="34" charset="0"/>
                 <a:cs typeface="Tahoma" pitchFamily="34" charset="0"/>
               </a:rPr>
-              <a:t>Xiè</a:t>
+              <a:t>róng</a:t>
             </a:r>
             <a:r>
               <a:rPr lang="en-US" altLang="zh-TW" sz="4000" dirty="0" smtClean="0">
@@ -8412,7 +7855,7 @@
                 <a:ea typeface="Tahoma" pitchFamily="34" charset="0"/>
                 <a:cs typeface="Tahoma" pitchFamily="34" charset="0"/>
               </a:rPr>
-              <a:t>  </a:t>
+              <a:t> </a:t>
             </a:r>
             <a:r>
               <a:rPr lang="en-US" altLang="zh-TW" sz="4000" dirty="0" err="1" smtClean="0">
@@ -8423,7 +7866,7 @@
                 <a:ea typeface="Tahoma" pitchFamily="34" charset="0"/>
                 <a:cs typeface="Tahoma" pitchFamily="34" charset="0"/>
               </a:rPr>
-              <a:t>xiè</a:t>
+              <a:t>yào</a:t>
             </a:r>
             <a:endParaRPr lang="en-US" altLang="zh-CN" sz="4000" dirty="0" smtClean="0">
               <a:solidFill>
@@ -8439,7 +7882,7 @@
     </p:spTree>
     <p:extLst>
       <p:ext uri="{BB962C8B-B14F-4D97-AF65-F5344CB8AC3E}">
-        <p14:creationId xmlns:p14="http://schemas.microsoft.com/office/powerpoint/2010/main" xmlns="" val="1085457488"/>
+        <p14:creationId xmlns="" xmlns:p14="http://schemas.microsoft.com/office/powerpoint/2010/main" val="1085457488"/>
       </p:ext>
     </p:extLst>
   </p:cSld>
@@ -8485,7 +7928,7 @@
           <a:blip r:embed="rId2">
             <a:extLst>
               <a:ext uri="{28A0092B-C50C-407E-A947-70E740481C1C}">
-                <a14:useLocalDpi xmlns:a14="http://schemas.microsoft.com/office/drawing/2010/main" xmlns="" val="0"/>
+                <a14:useLocalDpi xmlns="" xmlns:a14="http://schemas.microsoft.com/office/drawing/2010/main" val="0"/>
               </a:ext>
             </a:extLst>
           </a:blip>
@@ -8496,7 +7939,7 @@
         </p:blipFill>
         <p:spPr bwMode="auto">
           <a:xfrm>
-            <a:off x="0" y="-27384"/>
+            <a:off x="-17687" y="-27384"/>
             <a:ext cx="9175785" cy="6885384"/>
           </a:xfrm>
           <a:prstGeom prst="rect">
@@ -8505,7 +7948,7 @@
           <a:noFill/>
           <a:extLst>
             <a:ext uri="{909E8E84-426E-40DD-AFC4-6F175D3DCCD1}">
-              <a14:hiddenFill xmlns:a14="http://schemas.microsoft.com/office/drawing/2010/main" xmlns="">
+              <a14:hiddenFill xmlns="" xmlns:a14="http://schemas.microsoft.com/office/drawing/2010/main">
                 <a:solidFill>
                   <a:srgbClr val="FFFFFF"/>
                 </a:solidFill>
@@ -8516,74 +7959,787 @@
       </p:pic>
       <p:sp>
         <p:nvSpPr>
-          <p:cNvPr id="7" name="文字方塊 6"/>
-          <p:cNvSpPr txBox="1"/>
-          <p:nvPr/>
+          <p:cNvPr id="3" name="副標題 2"/>
+          <p:cNvSpPr>
+            <a:spLocks noGrp="1"/>
+          </p:cNvSpPr>
+          <p:nvPr>
+            <p:ph type="subTitle" idx="1"/>
+          </p:nvPr>
         </p:nvSpPr>
         <p:spPr>
           <a:xfrm>
-            <a:off x="3571868" y="-24"/>
-            <a:ext cx="3643338" cy="6617196"/>
+            <a:off x="753781" y="679004"/>
+            <a:ext cx="7632848" cy="5472608"/>
           </a:xfrm>
-          <a:prstGeom prst="rect">
-            <a:avLst/>
-          </a:prstGeom>
-          <a:noFill/>
         </p:spPr>
         <p:txBody>
-          <a:bodyPr wrap="square" rtlCol="0">
-            <a:spAutoFit/>
+          <a:bodyPr>
+            <a:normAutofit/>
           </a:bodyPr>
           <a:lstStyle/>
           <a:p>
-            <a:r>
-              <a:rPr lang="zh-CN" altLang="en-US" sz="6600" b="1" dirty="0" smtClean="0">
+            <a:pPr algn="l"/>
+            <a:r>
+              <a:rPr lang="zh-TW" altLang="en-US" sz="4800" b="1" dirty="0">
                 <a:solidFill>
                   <a:srgbClr val="C00000"/>
                 </a:solidFill>
-                <a:effectLst>
-                  <a:outerShdw blurRad="38100" dist="38100" dir="2700000" algn="tl">
-                    <a:srgbClr val="000000">
-                      <a:alpha val="43137"/>
-                    </a:srgbClr>
-                  </a:outerShdw>
-                </a:effectLst>
-                <a:latin typeface="標楷體" pitchFamily="65" charset="-120"/>
-                <a:ea typeface="標楷體" pitchFamily="65" charset="-120"/>
-                <a:cs typeface="Tahoma" pitchFamily="34" charset="0"/>
-              </a:rPr>
-              <a:t>用</a:t>
-            </a:r>
-            <a:endParaRPr lang="en-US" altLang="zh-CN" sz="6600" b="1" dirty="0" smtClean="0">
+                <a:latin typeface="Adobe 楷体 Std R" pitchFamily="18" charset="-128"/>
+                <a:ea typeface="Adobe 楷体 Std R" pitchFamily="18" charset="-128"/>
+              </a:rPr>
+              <a:t>媽媽的愛是</a:t>
+            </a:r>
+            <a:r>
+              <a:rPr lang="zh-TW" altLang="en-US" sz="4800" b="1" dirty="0" smtClean="0">
+                <a:solidFill>
+                  <a:srgbClr val="C00000"/>
+                </a:solidFill>
+                <a:latin typeface="Adobe 楷体 Std R" pitchFamily="18" charset="-128"/>
+                <a:ea typeface="Adobe 楷体 Std R" pitchFamily="18" charset="-128"/>
+              </a:rPr>
+              <a:t>犧牲  的愛</a:t>
+            </a:r>
+            <a:endParaRPr lang="en-US" altLang="zh-TW" sz="4800" b="1" dirty="0" smtClean="0">
               <a:solidFill>
                 <a:srgbClr val="C00000"/>
               </a:solidFill>
-              <a:effectLst>
-                <a:outerShdw blurRad="38100" dist="38100" dir="2700000" algn="tl">
-                  <a:srgbClr val="000000">
-                    <a:alpha val="43137"/>
-                  </a:srgbClr>
-                </a:outerShdw>
-              </a:effectLst>
-              <a:latin typeface="標楷體" pitchFamily="65" charset="-120"/>
-              <a:ea typeface="標楷體" pitchFamily="65" charset="-120"/>
-              <a:cs typeface="Tahoma" pitchFamily="34" charset="0"/>
+              <a:latin typeface="Adobe 楷体 Std R" pitchFamily="18" charset="-128"/>
+              <a:ea typeface="Adobe 楷体 Std R" pitchFamily="18" charset="-128"/>
             </a:endParaRPr>
           </a:p>
           <a:p>
-            <a:pPr fontAlgn="base"/>
-            <a:r>
-              <a:rPr lang="en-US" altLang="zh-TW" sz="4000" dirty="0" err="1" smtClean="0">
-                <a:solidFill>
-                  <a:srgbClr val="002060"/>
-                </a:solidFill>
-                <a:latin typeface="Tahoma" pitchFamily="34" charset="0"/>
-                <a:ea typeface="Tahoma" pitchFamily="34" charset="0"/>
-                <a:cs typeface="Tahoma" pitchFamily="34" charset="0"/>
-              </a:rPr>
-              <a:t>Yòng</a:t>
-            </a:r>
-            <a:endParaRPr lang="zh-TW" altLang="en-US" sz="4000" dirty="0" smtClean="0">
+            <a:pPr algn="l"/>
+            <a:r>
+              <a:rPr lang="en-US" altLang="zh-TW" sz="2800" dirty="0" smtClean="0">
+                <a:solidFill>
+                  <a:srgbClr val="00B0F0"/>
+                </a:solidFill>
+                <a:latin typeface="Tahoma" pitchFamily="34" charset="0"/>
+                <a:ea typeface="Tahoma" pitchFamily="34" charset="0"/>
+                <a:cs typeface="Tahoma" pitchFamily="34" charset="0"/>
+              </a:rPr>
+              <a:t> </a:t>
+            </a:r>
+            <a:r>
+              <a:rPr lang="en-US" altLang="zh-TW" sz="2800" dirty="0" err="1">
+                <a:solidFill>
+                  <a:srgbClr val="002060"/>
+                </a:solidFill>
+                <a:latin typeface="Tahoma" pitchFamily="34" charset="0"/>
+                <a:ea typeface="Tahoma" pitchFamily="34" charset="0"/>
+                <a:cs typeface="Tahoma" pitchFamily="34" charset="0"/>
+              </a:rPr>
+              <a:t>Mā</a:t>
+            </a:r>
+            <a:r>
+              <a:rPr lang="en-US" altLang="zh-TW" sz="2800" dirty="0">
+                <a:solidFill>
+                  <a:srgbClr val="002060"/>
+                </a:solidFill>
+                <a:latin typeface="Tahoma" pitchFamily="34" charset="0"/>
+                <a:ea typeface="Tahoma" pitchFamily="34" charset="0"/>
+                <a:cs typeface="Tahoma" pitchFamily="34" charset="0"/>
+              </a:rPr>
+              <a:t> </a:t>
+            </a:r>
+            <a:r>
+              <a:rPr lang="en-US" altLang="zh-TW" sz="2800" err="1">
+                <a:solidFill>
+                  <a:srgbClr val="002060"/>
+                </a:solidFill>
+                <a:latin typeface="Tahoma" pitchFamily="34" charset="0"/>
+                <a:ea typeface="Tahoma" pitchFamily="34" charset="0"/>
+                <a:cs typeface="Tahoma" pitchFamily="34" charset="0"/>
+              </a:rPr>
+              <a:t>mā</a:t>
+            </a:r>
+            <a:r>
+              <a:rPr lang="en-US" altLang="zh-TW" sz="2800">
+                <a:solidFill>
+                  <a:srgbClr val="002060"/>
+                </a:solidFill>
+                <a:latin typeface="Tahoma" pitchFamily="34" charset="0"/>
+                <a:ea typeface="Tahoma" pitchFamily="34" charset="0"/>
+                <a:cs typeface="Tahoma" pitchFamily="34" charset="0"/>
+              </a:rPr>
+              <a:t> </a:t>
+            </a:r>
+            <a:r>
+              <a:rPr lang="en-US" altLang="zh-TW" sz="2800" smtClean="0">
+                <a:solidFill>
+                  <a:srgbClr val="002060"/>
+                </a:solidFill>
+                <a:latin typeface="Tahoma" pitchFamily="34" charset="0"/>
+                <a:ea typeface="Tahoma" pitchFamily="34" charset="0"/>
+                <a:cs typeface="Tahoma" pitchFamily="34" charset="0"/>
+              </a:rPr>
+              <a:t>d   </a:t>
+            </a:r>
+            <a:r>
+              <a:rPr lang="en-US" altLang="zh-TW" sz="2800" dirty="0" err="1">
+                <a:solidFill>
+                  <a:srgbClr val="002060"/>
+                </a:solidFill>
+                <a:latin typeface="Tahoma" pitchFamily="34" charset="0"/>
+                <a:ea typeface="Tahoma" pitchFamily="34" charset="0"/>
+                <a:cs typeface="Tahoma" pitchFamily="34" charset="0"/>
+              </a:rPr>
+              <a:t>ài</a:t>
+            </a:r>
+            <a:r>
+              <a:rPr lang="en-US" altLang="zh-TW" sz="2800" dirty="0">
+                <a:solidFill>
+                  <a:srgbClr val="002060"/>
+                </a:solidFill>
+                <a:latin typeface="Tahoma" pitchFamily="34" charset="0"/>
+                <a:ea typeface="Tahoma" pitchFamily="34" charset="0"/>
+                <a:cs typeface="Tahoma" pitchFamily="34" charset="0"/>
+              </a:rPr>
+              <a:t>   </a:t>
+            </a:r>
+            <a:r>
+              <a:rPr lang="en-US" altLang="zh-TW" sz="2800" dirty="0" err="1">
+                <a:solidFill>
+                  <a:srgbClr val="002060"/>
+                </a:solidFill>
+                <a:latin typeface="Tahoma" pitchFamily="34" charset="0"/>
+                <a:ea typeface="Tahoma" pitchFamily="34" charset="0"/>
+                <a:cs typeface="Tahoma" pitchFamily="34" charset="0"/>
+              </a:rPr>
+              <a:t>shì</a:t>
+            </a:r>
+            <a:r>
+              <a:rPr lang="en-US" altLang="zh-TW" sz="2800" dirty="0">
+                <a:solidFill>
+                  <a:srgbClr val="002060"/>
+                </a:solidFill>
+                <a:latin typeface="Tahoma" pitchFamily="34" charset="0"/>
+                <a:ea typeface="Tahoma" pitchFamily="34" charset="0"/>
+                <a:cs typeface="Tahoma" pitchFamily="34" charset="0"/>
+              </a:rPr>
+              <a:t>  </a:t>
+            </a:r>
+            <a:r>
+              <a:rPr lang="en-US" altLang="zh-TW" sz="2800" dirty="0" err="1">
+                <a:solidFill>
+                  <a:srgbClr val="002060"/>
+                </a:solidFill>
+                <a:latin typeface="Tahoma" pitchFamily="34" charset="0"/>
+                <a:ea typeface="Tahoma" pitchFamily="34" charset="0"/>
+                <a:cs typeface="Tahoma" pitchFamily="34" charset="0"/>
+              </a:rPr>
+              <a:t>xī</a:t>
+            </a:r>
+            <a:r>
+              <a:rPr lang="en-US" altLang="zh-TW" sz="2800" dirty="0">
+                <a:solidFill>
+                  <a:srgbClr val="002060"/>
+                </a:solidFill>
+                <a:latin typeface="Tahoma" pitchFamily="34" charset="0"/>
+                <a:ea typeface="Tahoma" pitchFamily="34" charset="0"/>
+                <a:cs typeface="Tahoma" pitchFamily="34" charset="0"/>
+              </a:rPr>
+              <a:t> </a:t>
+            </a:r>
+            <a:r>
+              <a:rPr lang="en-US" altLang="zh-TW" sz="2800" dirty="0" err="1">
+                <a:solidFill>
+                  <a:srgbClr val="002060"/>
+                </a:solidFill>
+                <a:latin typeface="Tahoma" pitchFamily="34" charset="0"/>
+                <a:ea typeface="Tahoma" pitchFamily="34" charset="0"/>
+                <a:cs typeface="Tahoma" pitchFamily="34" charset="0"/>
+              </a:rPr>
+              <a:t>shēng</a:t>
+            </a:r>
+            <a:r>
+              <a:rPr lang="en-US" altLang="zh-TW" sz="2800" dirty="0">
+                <a:solidFill>
+                  <a:srgbClr val="002060"/>
+                </a:solidFill>
+                <a:latin typeface="Tahoma" pitchFamily="34" charset="0"/>
+                <a:ea typeface="Tahoma" pitchFamily="34" charset="0"/>
+                <a:cs typeface="Tahoma" pitchFamily="34" charset="0"/>
+              </a:rPr>
+              <a:t> de  </a:t>
+            </a:r>
+            <a:r>
+              <a:rPr lang="en-US" altLang="zh-TW" sz="2800" dirty="0" err="1">
+                <a:solidFill>
+                  <a:srgbClr val="002060"/>
+                </a:solidFill>
+                <a:latin typeface="Tahoma" pitchFamily="34" charset="0"/>
+                <a:ea typeface="Tahoma" pitchFamily="34" charset="0"/>
+                <a:cs typeface="Tahoma" pitchFamily="34" charset="0"/>
+              </a:rPr>
+              <a:t>ài</a:t>
+            </a:r>
+            <a:r>
+              <a:rPr lang="zh-TW" altLang="en-US" sz="2800" dirty="0">
+                <a:solidFill>
+                  <a:srgbClr val="002060"/>
+                </a:solidFill>
+                <a:latin typeface="Tahoma" pitchFamily="34" charset="0"/>
+                <a:ea typeface="Tahoma" pitchFamily="34" charset="0"/>
+                <a:cs typeface="Tahoma" pitchFamily="34" charset="0"/>
+              </a:rPr>
+              <a:t/>
+            </a:r>
+            <a:br>
+              <a:rPr lang="zh-TW" altLang="en-US" sz="2800" dirty="0">
+                <a:solidFill>
+                  <a:srgbClr val="002060"/>
+                </a:solidFill>
+                <a:latin typeface="Tahoma" pitchFamily="34" charset="0"/>
+                <a:ea typeface="Tahoma" pitchFamily="34" charset="0"/>
+                <a:cs typeface="Tahoma" pitchFamily="34" charset="0"/>
+              </a:rPr>
+            </a:br>
+            <a:r>
+              <a:rPr lang="zh-TW" altLang="en-US" sz="4800" b="1" dirty="0">
+                <a:solidFill>
+                  <a:srgbClr val="C00000"/>
+                </a:solidFill>
+                <a:latin typeface="Adobe 楷体 Std R" pitchFamily="18" charset="-128"/>
+                <a:ea typeface="Adobe 楷体 Std R" pitchFamily="18" charset="-128"/>
+              </a:rPr>
+              <a:t>爸爸的愛是堅定的愛</a:t>
+            </a:r>
+            <a:endParaRPr lang="en-US" altLang="zh-TW" sz="4800" b="1" dirty="0">
+              <a:solidFill>
+                <a:srgbClr val="C00000"/>
+              </a:solidFill>
+              <a:latin typeface="Adobe 楷体 Std R" pitchFamily="18" charset="-128"/>
+              <a:ea typeface="Adobe 楷体 Std R" pitchFamily="18" charset="-128"/>
+            </a:endParaRPr>
+          </a:p>
+          <a:p>
+            <a:pPr algn="l"/>
+            <a:r>
+              <a:rPr lang="en-US" altLang="zh-TW" sz="4000" b="1" dirty="0">
+                <a:solidFill>
+                  <a:srgbClr val="002060"/>
+                </a:solidFill>
+              </a:rPr>
+              <a:t> </a:t>
+            </a:r>
+            <a:r>
+              <a:rPr lang="en-US" altLang="zh-TW" sz="2800" dirty="0" err="1" smtClean="0">
+                <a:solidFill>
+                  <a:srgbClr val="002060"/>
+                </a:solidFill>
+                <a:latin typeface="Tahoma" pitchFamily="34" charset="0"/>
+                <a:ea typeface="Tahoma" pitchFamily="34" charset="0"/>
+                <a:cs typeface="Tahoma" pitchFamily="34" charset="0"/>
+              </a:rPr>
+              <a:t>Bà</a:t>
+            </a:r>
+            <a:r>
+              <a:rPr lang="en-US" altLang="zh-TW" sz="2800" dirty="0" smtClean="0">
+                <a:solidFill>
+                  <a:srgbClr val="002060"/>
+                </a:solidFill>
+                <a:latin typeface="Tahoma" pitchFamily="34" charset="0"/>
+                <a:ea typeface="Tahoma" pitchFamily="34" charset="0"/>
+                <a:cs typeface="Tahoma" pitchFamily="34" charset="0"/>
+              </a:rPr>
+              <a:t>  </a:t>
+            </a:r>
+            <a:r>
+              <a:rPr lang="en-US" altLang="zh-TW" sz="2800" dirty="0" err="1" smtClean="0">
+                <a:solidFill>
+                  <a:srgbClr val="002060"/>
+                </a:solidFill>
+                <a:latin typeface="Tahoma" pitchFamily="34" charset="0"/>
+                <a:ea typeface="Tahoma" pitchFamily="34" charset="0"/>
+                <a:cs typeface="Tahoma" pitchFamily="34" charset="0"/>
+              </a:rPr>
+              <a:t>ba</a:t>
+            </a:r>
+            <a:r>
+              <a:rPr lang="en-US" altLang="zh-TW" sz="2800" dirty="0" smtClean="0">
+                <a:solidFill>
+                  <a:srgbClr val="002060"/>
+                </a:solidFill>
+                <a:latin typeface="Tahoma" pitchFamily="34" charset="0"/>
+                <a:ea typeface="Tahoma" pitchFamily="34" charset="0"/>
+                <a:cs typeface="Tahoma" pitchFamily="34" charset="0"/>
+              </a:rPr>
+              <a:t>  de   </a:t>
+            </a:r>
+            <a:r>
+              <a:rPr lang="en-US" altLang="zh-TW" sz="2800" dirty="0" err="1" smtClean="0">
+                <a:solidFill>
+                  <a:srgbClr val="002060"/>
+                </a:solidFill>
+                <a:latin typeface="Tahoma" pitchFamily="34" charset="0"/>
+                <a:ea typeface="Tahoma" pitchFamily="34" charset="0"/>
+                <a:cs typeface="Tahoma" pitchFamily="34" charset="0"/>
+              </a:rPr>
+              <a:t>ài</a:t>
+            </a:r>
+            <a:r>
+              <a:rPr lang="en-US" altLang="zh-TW" sz="2800" dirty="0" smtClean="0">
+                <a:solidFill>
+                  <a:srgbClr val="002060"/>
+                </a:solidFill>
+                <a:latin typeface="Tahoma" pitchFamily="34" charset="0"/>
+                <a:ea typeface="Tahoma" pitchFamily="34" charset="0"/>
+                <a:cs typeface="Tahoma" pitchFamily="34" charset="0"/>
+              </a:rPr>
+              <a:t>  </a:t>
+            </a:r>
+            <a:r>
+              <a:rPr lang="en-US" altLang="zh-TW" sz="2800" dirty="0" err="1" smtClean="0">
+                <a:solidFill>
+                  <a:srgbClr val="002060"/>
+                </a:solidFill>
+                <a:latin typeface="Tahoma" pitchFamily="34" charset="0"/>
+                <a:ea typeface="Tahoma" pitchFamily="34" charset="0"/>
+                <a:cs typeface="Tahoma" pitchFamily="34" charset="0"/>
+              </a:rPr>
+              <a:t>shì</a:t>
+            </a:r>
+            <a:r>
+              <a:rPr lang="en-US" altLang="zh-TW" sz="2800" dirty="0" smtClean="0">
+                <a:solidFill>
+                  <a:srgbClr val="002060"/>
+                </a:solidFill>
+                <a:latin typeface="Tahoma" pitchFamily="34" charset="0"/>
+                <a:ea typeface="Tahoma" pitchFamily="34" charset="0"/>
+                <a:cs typeface="Tahoma" pitchFamily="34" charset="0"/>
+              </a:rPr>
+              <a:t> </a:t>
+            </a:r>
+            <a:r>
+              <a:rPr lang="en-US" altLang="zh-TW" sz="2800" dirty="0" err="1" smtClean="0">
+                <a:solidFill>
+                  <a:srgbClr val="002060"/>
+                </a:solidFill>
+                <a:latin typeface="Tahoma" pitchFamily="34" charset="0"/>
+                <a:ea typeface="Tahoma" pitchFamily="34" charset="0"/>
+                <a:cs typeface="Tahoma" pitchFamily="34" charset="0"/>
+              </a:rPr>
+              <a:t>jiān</a:t>
+            </a:r>
+            <a:r>
+              <a:rPr lang="en-US" altLang="zh-TW" sz="2800" dirty="0" smtClean="0">
+                <a:solidFill>
+                  <a:srgbClr val="002060"/>
+                </a:solidFill>
+                <a:latin typeface="Tahoma" pitchFamily="34" charset="0"/>
+                <a:ea typeface="Tahoma" pitchFamily="34" charset="0"/>
+                <a:cs typeface="Tahoma" pitchFamily="34" charset="0"/>
+              </a:rPr>
+              <a:t> </a:t>
+            </a:r>
+            <a:r>
+              <a:rPr lang="en-US" altLang="zh-TW" sz="2800" dirty="0" err="1" smtClean="0">
+                <a:solidFill>
+                  <a:srgbClr val="002060"/>
+                </a:solidFill>
+                <a:latin typeface="Tahoma" pitchFamily="34" charset="0"/>
+                <a:ea typeface="Tahoma" pitchFamily="34" charset="0"/>
+                <a:cs typeface="Tahoma" pitchFamily="34" charset="0"/>
+              </a:rPr>
+              <a:t>dìng</a:t>
+            </a:r>
+            <a:r>
+              <a:rPr lang="en-US" altLang="zh-TW" sz="2800" dirty="0" smtClean="0">
+                <a:solidFill>
+                  <a:srgbClr val="002060"/>
+                </a:solidFill>
+                <a:latin typeface="Tahoma" pitchFamily="34" charset="0"/>
+                <a:ea typeface="Tahoma" pitchFamily="34" charset="0"/>
+                <a:cs typeface="Tahoma" pitchFamily="34" charset="0"/>
+              </a:rPr>
+              <a:t> </a:t>
+            </a:r>
+            <a:r>
+              <a:rPr lang="en-US" altLang="zh-TW" sz="2800" dirty="0">
+                <a:solidFill>
+                  <a:srgbClr val="002060"/>
+                </a:solidFill>
+                <a:latin typeface="Tahoma" pitchFamily="34" charset="0"/>
+                <a:ea typeface="Tahoma" pitchFamily="34" charset="0"/>
+                <a:cs typeface="Tahoma" pitchFamily="34" charset="0"/>
+              </a:rPr>
+              <a:t>de </a:t>
+            </a:r>
+            <a:r>
+              <a:rPr lang="en-US" altLang="zh-TW" sz="2800" dirty="0" err="1">
+                <a:solidFill>
+                  <a:srgbClr val="002060"/>
+                </a:solidFill>
+                <a:latin typeface="Tahoma" pitchFamily="34" charset="0"/>
+                <a:ea typeface="Tahoma" pitchFamily="34" charset="0"/>
+                <a:cs typeface="Tahoma" pitchFamily="34" charset="0"/>
+              </a:rPr>
+              <a:t>ài</a:t>
+            </a:r>
+            <a:r>
+              <a:rPr lang="zh-TW" altLang="en-US" sz="2800" dirty="0">
+                <a:solidFill>
+                  <a:srgbClr val="00B0F0"/>
+                </a:solidFill>
+                <a:latin typeface="Tahoma" pitchFamily="34" charset="0"/>
+                <a:ea typeface="Tahoma" pitchFamily="34" charset="0"/>
+                <a:cs typeface="Tahoma" pitchFamily="34" charset="0"/>
+              </a:rPr>
+              <a:t/>
+            </a:r>
+            <a:br>
+              <a:rPr lang="zh-TW" altLang="en-US" sz="2800" dirty="0">
+                <a:solidFill>
+                  <a:srgbClr val="00B0F0"/>
+                </a:solidFill>
+                <a:latin typeface="Tahoma" pitchFamily="34" charset="0"/>
+                <a:ea typeface="Tahoma" pitchFamily="34" charset="0"/>
+                <a:cs typeface="Tahoma" pitchFamily="34" charset="0"/>
+              </a:rPr>
+            </a:br>
+            <a:r>
+              <a:rPr lang="zh-TW" altLang="en-US" sz="4800" b="1" dirty="0">
+                <a:solidFill>
+                  <a:srgbClr val="C00000"/>
+                </a:solidFill>
+                <a:latin typeface="Adobe 楷体 Std R" pitchFamily="18" charset="-128"/>
+                <a:ea typeface="Adobe 楷体 Std R" pitchFamily="18" charset="-128"/>
+              </a:rPr>
+              <a:t>你們讓</a:t>
+            </a:r>
+            <a:r>
+              <a:rPr lang="zh-TW" altLang="en-US" sz="4800" b="1" dirty="0" smtClean="0">
+                <a:solidFill>
+                  <a:srgbClr val="C00000"/>
+                </a:solidFill>
+                <a:latin typeface="Adobe 楷体 Std R" pitchFamily="18" charset="-128"/>
+                <a:ea typeface="Adobe 楷体 Std R" pitchFamily="18" charset="-128"/>
+              </a:rPr>
+              <a:t>我 學習長  大</a:t>
+            </a:r>
+            <a:endParaRPr lang="en-US" altLang="zh-TW" sz="4800" b="1" dirty="0">
+              <a:solidFill>
+                <a:srgbClr val="C00000"/>
+              </a:solidFill>
+              <a:latin typeface="Adobe 楷体 Std R" pitchFamily="18" charset="-128"/>
+              <a:ea typeface="Adobe 楷体 Std R" pitchFamily="18" charset="-128"/>
+            </a:endParaRPr>
+          </a:p>
+          <a:p>
+            <a:pPr algn="l"/>
+            <a:r>
+              <a:rPr lang="en-US" altLang="zh-TW" sz="2800" dirty="0" smtClean="0">
+                <a:solidFill>
+                  <a:srgbClr val="002060"/>
+                </a:solidFill>
+                <a:latin typeface="Tahoma" pitchFamily="34" charset="0"/>
+                <a:ea typeface="Tahoma" pitchFamily="34" charset="0"/>
+                <a:cs typeface="Tahoma" pitchFamily="34" charset="0"/>
+              </a:rPr>
+              <a:t> </a:t>
+            </a:r>
+            <a:r>
+              <a:rPr lang="en-US" altLang="zh-TW" sz="2800" dirty="0" err="1" smtClean="0">
+                <a:solidFill>
+                  <a:srgbClr val="002060"/>
+                </a:solidFill>
+                <a:latin typeface="Tahoma" pitchFamily="34" charset="0"/>
+                <a:ea typeface="Tahoma" pitchFamily="34" charset="0"/>
+                <a:cs typeface="Tahoma" pitchFamily="34" charset="0"/>
+              </a:rPr>
+              <a:t>Nǐ</a:t>
+            </a:r>
+            <a:r>
+              <a:rPr lang="en-US" altLang="zh-TW" sz="2800" dirty="0" smtClean="0">
+                <a:solidFill>
+                  <a:srgbClr val="002060"/>
+                </a:solidFill>
+                <a:latin typeface="Tahoma" pitchFamily="34" charset="0"/>
+                <a:ea typeface="Tahoma" pitchFamily="34" charset="0"/>
+                <a:cs typeface="Tahoma" pitchFamily="34" charset="0"/>
+              </a:rPr>
+              <a:t> men </a:t>
+            </a:r>
+            <a:r>
+              <a:rPr lang="en-US" altLang="zh-TW" sz="2800" dirty="0" err="1" smtClean="0">
+                <a:solidFill>
+                  <a:srgbClr val="002060"/>
+                </a:solidFill>
+                <a:latin typeface="Tahoma" pitchFamily="34" charset="0"/>
+                <a:ea typeface="Tahoma" pitchFamily="34" charset="0"/>
+                <a:cs typeface="Tahoma" pitchFamily="34" charset="0"/>
+              </a:rPr>
+              <a:t>ràng</a:t>
+            </a:r>
+            <a:r>
+              <a:rPr lang="en-US" altLang="zh-TW" sz="2800" dirty="0" smtClean="0">
+                <a:solidFill>
+                  <a:srgbClr val="002060"/>
+                </a:solidFill>
+                <a:latin typeface="Tahoma" pitchFamily="34" charset="0"/>
+                <a:ea typeface="Tahoma" pitchFamily="34" charset="0"/>
+                <a:cs typeface="Tahoma" pitchFamily="34" charset="0"/>
+              </a:rPr>
+              <a:t> </a:t>
+            </a:r>
+            <a:r>
+              <a:rPr lang="en-US" altLang="zh-TW" sz="2800" dirty="0" err="1" smtClean="0">
+                <a:solidFill>
+                  <a:srgbClr val="002060"/>
+                </a:solidFill>
+                <a:latin typeface="Tahoma" pitchFamily="34" charset="0"/>
+                <a:ea typeface="Tahoma" pitchFamily="34" charset="0"/>
+                <a:cs typeface="Tahoma" pitchFamily="34" charset="0"/>
+              </a:rPr>
+              <a:t>wǒ</a:t>
+            </a:r>
+            <a:r>
+              <a:rPr lang="en-US" altLang="zh-TW" sz="2800" dirty="0" smtClean="0">
+                <a:solidFill>
+                  <a:srgbClr val="002060"/>
+                </a:solidFill>
+                <a:latin typeface="Tahoma" pitchFamily="34" charset="0"/>
+                <a:ea typeface="Tahoma" pitchFamily="34" charset="0"/>
+                <a:cs typeface="Tahoma" pitchFamily="34" charset="0"/>
+              </a:rPr>
+              <a:t> </a:t>
+            </a:r>
+            <a:r>
+              <a:rPr lang="en-US" altLang="zh-TW" sz="2800" dirty="0" err="1" smtClean="0">
+                <a:solidFill>
+                  <a:srgbClr val="002060"/>
+                </a:solidFill>
+                <a:latin typeface="Tahoma" pitchFamily="34" charset="0"/>
+                <a:ea typeface="Tahoma" pitchFamily="34" charset="0"/>
+                <a:cs typeface="Tahoma" pitchFamily="34" charset="0"/>
+              </a:rPr>
+              <a:t>xué</a:t>
+            </a:r>
+            <a:r>
+              <a:rPr lang="en-US" altLang="zh-TW" sz="2800" dirty="0" smtClean="0">
+                <a:solidFill>
+                  <a:srgbClr val="002060"/>
+                </a:solidFill>
+                <a:latin typeface="Tahoma" pitchFamily="34" charset="0"/>
+                <a:ea typeface="Tahoma" pitchFamily="34" charset="0"/>
+                <a:cs typeface="Tahoma" pitchFamily="34" charset="0"/>
+              </a:rPr>
+              <a:t> </a:t>
+            </a:r>
+            <a:r>
+              <a:rPr lang="en-US" altLang="zh-TW" sz="2800" dirty="0" err="1" smtClean="0">
+                <a:solidFill>
+                  <a:srgbClr val="002060"/>
+                </a:solidFill>
+                <a:latin typeface="Tahoma" pitchFamily="34" charset="0"/>
+                <a:ea typeface="Tahoma" pitchFamily="34" charset="0"/>
+                <a:cs typeface="Tahoma" pitchFamily="34" charset="0"/>
+              </a:rPr>
+              <a:t>xí</a:t>
+            </a:r>
+            <a:r>
+              <a:rPr lang="en-US" altLang="zh-TW" sz="2800" dirty="0" smtClean="0">
+                <a:solidFill>
+                  <a:srgbClr val="002060"/>
+                </a:solidFill>
+                <a:latin typeface="Tahoma" pitchFamily="34" charset="0"/>
+                <a:ea typeface="Tahoma" pitchFamily="34" charset="0"/>
+                <a:cs typeface="Tahoma" pitchFamily="34" charset="0"/>
+              </a:rPr>
+              <a:t> </a:t>
+            </a:r>
+            <a:r>
+              <a:rPr lang="en-US" altLang="zh-TW" sz="2800" dirty="0" err="1" smtClean="0">
+                <a:solidFill>
+                  <a:srgbClr val="002060"/>
+                </a:solidFill>
+                <a:latin typeface="Tahoma" pitchFamily="34" charset="0"/>
+                <a:ea typeface="Tahoma" pitchFamily="34" charset="0"/>
+                <a:cs typeface="Tahoma" pitchFamily="34" charset="0"/>
+              </a:rPr>
+              <a:t>zhǎng</a:t>
+            </a:r>
+            <a:r>
+              <a:rPr lang="en-US" altLang="zh-TW" sz="2800" dirty="0" smtClean="0">
+                <a:solidFill>
+                  <a:srgbClr val="002060"/>
+                </a:solidFill>
+                <a:latin typeface="Tahoma" pitchFamily="34" charset="0"/>
+                <a:ea typeface="Tahoma" pitchFamily="34" charset="0"/>
+                <a:cs typeface="Tahoma" pitchFamily="34" charset="0"/>
+              </a:rPr>
+              <a:t> </a:t>
+            </a:r>
+            <a:r>
+              <a:rPr lang="en-US" altLang="zh-TW" sz="2800" dirty="0" err="1" smtClean="0">
+                <a:solidFill>
+                  <a:srgbClr val="002060"/>
+                </a:solidFill>
+                <a:latin typeface="Tahoma" pitchFamily="34" charset="0"/>
+                <a:ea typeface="Tahoma" pitchFamily="34" charset="0"/>
+                <a:cs typeface="Tahoma" pitchFamily="34" charset="0"/>
+              </a:rPr>
+              <a:t>dà</a:t>
+            </a:r>
+            <a:r>
+              <a:rPr lang="zh-TW" altLang="en-US" sz="4000" b="1" dirty="0" smtClean="0">
+                <a:solidFill>
+                  <a:srgbClr val="C00000"/>
+                </a:solidFill>
+              </a:rPr>
+              <a:t/>
+            </a:r>
+            <a:br>
+              <a:rPr lang="zh-TW" altLang="en-US" sz="4000" b="1" dirty="0" smtClean="0">
+                <a:solidFill>
+                  <a:srgbClr val="C00000"/>
+                </a:solidFill>
+              </a:rPr>
+            </a:br>
+            <a:r>
+              <a:rPr lang="zh-TW" altLang="en-US" sz="4800" b="1" dirty="0" smtClean="0">
+                <a:solidFill>
+                  <a:srgbClr val="C00000"/>
+                </a:solidFill>
+                <a:latin typeface="Adobe 楷体 Std R" pitchFamily="18" charset="-128"/>
+                <a:ea typeface="Adobe 楷体 Std R" pitchFamily="18" charset="-128"/>
+              </a:rPr>
+              <a:t>讓  我 夢   想  飛 翔</a:t>
+            </a:r>
+            <a:endParaRPr lang="en-US" altLang="zh-TW" sz="4800" b="1" dirty="0" smtClean="0">
+              <a:solidFill>
+                <a:srgbClr val="C00000"/>
+              </a:solidFill>
+              <a:latin typeface="Adobe 楷体 Std R" pitchFamily="18" charset="-128"/>
+              <a:ea typeface="Adobe 楷体 Std R" pitchFamily="18" charset="-128"/>
+            </a:endParaRPr>
+          </a:p>
+          <a:p>
+            <a:pPr algn="l"/>
+            <a:r>
+              <a:rPr lang="en-US" altLang="zh-TW" sz="2800" dirty="0" err="1" smtClean="0">
+                <a:solidFill>
+                  <a:srgbClr val="002060"/>
+                </a:solidFill>
+                <a:latin typeface="Tahoma" pitchFamily="34" charset="0"/>
+                <a:ea typeface="Tahoma" pitchFamily="34" charset="0"/>
+                <a:cs typeface="Tahoma" pitchFamily="34" charset="0"/>
+              </a:rPr>
+              <a:t>Ràng</a:t>
+            </a:r>
+            <a:r>
+              <a:rPr lang="en-US" altLang="zh-TW" sz="2800" dirty="0" smtClean="0">
+                <a:solidFill>
+                  <a:srgbClr val="002060"/>
+                </a:solidFill>
+                <a:latin typeface="Tahoma" pitchFamily="34" charset="0"/>
+                <a:ea typeface="Tahoma" pitchFamily="34" charset="0"/>
+                <a:cs typeface="Tahoma" pitchFamily="34" charset="0"/>
+              </a:rPr>
+              <a:t> </a:t>
+            </a:r>
+            <a:r>
+              <a:rPr lang="en-US" altLang="zh-TW" sz="2800" dirty="0" err="1">
+                <a:solidFill>
+                  <a:srgbClr val="002060"/>
+                </a:solidFill>
+                <a:latin typeface="Tahoma" pitchFamily="34" charset="0"/>
+                <a:ea typeface="Tahoma" pitchFamily="34" charset="0"/>
+                <a:cs typeface="Tahoma" pitchFamily="34" charset="0"/>
+              </a:rPr>
+              <a:t>wǒ</a:t>
+            </a:r>
+            <a:r>
+              <a:rPr lang="en-US" altLang="zh-TW" sz="2800" dirty="0">
+                <a:solidFill>
+                  <a:srgbClr val="002060"/>
+                </a:solidFill>
+                <a:latin typeface="Tahoma" pitchFamily="34" charset="0"/>
+                <a:ea typeface="Tahoma" pitchFamily="34" charset="0"/>
+                <a:cs typeface="Tahoma" pitchFamily="34" charset="0"/>
+              </a:rPr>
+              <a:t> </a:t>
+            </a:r>
+            <a:r>
+              <a:rPr lang="en-US" altLang="zh-TW" sz="2800" dirty="0" err="1" smtClean="0">
+                <a:solidFill>
+                  <a:srgbClr val="002060"/>
+                </a:solidFill>
+                <a:latin typeface="Tahoma" pitchFamily="34" charset="0"/>
+                <a:ea typeface="Tahoma" pitchFamily="34" charset="0"/>
+                <a:cs typeface="Tahoma" pitchFamily="34" charset="0"/>
+              </a:rPr>
+              <a:t>mèng</a:t>
+            </a:r>
+            <a:r>
+              <a:rPr lang="en-US" altLang="zh-TW" sz="2800" dirty="0" smtClean="0">
+                <a:solidFill>
+                  <a:srgbClr val="002060"/>
+                </a:solidFill>
+                <a:latin typeface="Tahoma" pitchFamily="34" charset="0"/>
+                <a:ea typeface="Tahoma" pitchFamily="34" charset="0"/>
+                <a:cs typeface="Tahoma" pitchFamily="34" charset="0"/>
+              </a:rPr>
+              <a:t> </a:t>
+            </a:r>
+            <a:r>
+              <a:rPr lang="en-US" altLang="zh-TW" sz="2800" dirty="0" err="1" smtClean="0">
+                <a:solidFill>
+                  <a:srgbClr val="002060"/>
+                </a:solidFill>
+                <a:latin typeface="Tahoma" pitchFamily="34" charset="0"/>
+                <a:ea typeface="Tahoma" pitchFamily="34" charset="0"/>
+                <a:cs typeface="Tahoma" pitchFamily="34" charset="0"/>
+              </a:rPr>
+              <a:t>xiǎng</a:t>
+            </a:r>
+            <a:r>
+              <a:rPr lang="en-US" altLang="zh-TW" sz="2800" dirty="0" smtClean="0">
+                <a:solidFill>
+                  <a:srgbClr val="002060"/>
+                </a:solidFill>
+                <a:latin typeface="Tahoma" pitchFamily="34" charset="0"/>
+                <a:ea typeface="Tahoma" pitchFamily="34" charset="0"/>
+                <a:cs typeface="Tahoma" pitchFamily="34" charset="0"/>
+              </a:rPr>
+              <a:t>  </a:t>
+            </a:r>
+            <a:r>
+              <a:rPr lang="en-US" altLang="zh-TW" sz="2800" dirty="0" err="1" smtClean="0">
+                <a:solidFill>
+                  <a:srgbClr val="002060"/>
+                </a:solidFill>
+                <a:latin typeface="Tahoma" pitchFamily="34" charset="0"/>
+                <a:ea typeface="Tahoma" pitchFamily="34" charset="0"/>
+                <a:cs typeface="Tahoma" pitchFamily="34" charset="0"/>
+              </a:rPr>
+              <a:t>fēi</a:t>
+            </a:r>
+            <a:r>
+              <a:rPr lang="en-US" altLang="zh-TW" sz="2800" dirty="0" smtClean="0">
+                <a:solidFill>
+                  <a:srgbClr val="002060"/>
+                </a:solidFill>
+                <a:latin typeface="Tahoma" pitchFamily="34" charset="0"/>
+                <a:ea typeface="Tahoma" pitchFamily="34" charset="0"/>
+                <a:cs typeface="Tahoma" pitchFamily="34" charset="0"/>
+              </a:rPr>
+              <a:t>  </a:t>
+            </a:r>
+            <a:r>
+              <a:rPr lang="en-US" altLang="zh-TW" sz="2800" dirty="0" err="1" smtClean="0">
+                <a:solidFill>
+                  <a:srgbClr val="002060"/>
+                </a:solidFill>
+                <a:latin typeface="Tahoma" pitchFamily="34" charset="0"/>
+                <a:ea typeface="Tahoma" pitchFamily="34" charset="0"/>
+                <a:cs typeface="Tahoma" pitchFamily="34" charset="0"/>
+              </a:rPr>
+              <a:t>xiáng</a:t>
+            </a:r>
+            <a:endParaRPr lang="zh-TW" altLang="en-US" sz="2800" dirty="0">
               <a:solidFill>
                 <a:srgbClr val="002060"/>
               </a:solidFill>
@@ -8592,224 +8748,12 @@
               <a:cs typeface="Tahoma" pitchFamily="34" charset="0"/>
             </a:endParaRPr>
           </a:p>
-          <a:p>
-            <a:r>
-              <a:rPr lang="zh-CN" altLang="en-US" sz="6600" b="1" dirty="0" smtClean="0">
-                <a:solidFill>
-                  <a:srgbClr val="C00000"/>
-                </a:solidFill>
-                <a:effectLst>
-                  <a:outerShdw blurRad="38100" dist="38100" dir="2700000" algn="tl">
-                    <a:srgbClr val="000000">
-                      <a:alpha val="43137"/>
-                    </a:srgbClr>
-                  </a:outerShdw>
-                </a:effectLst>
-                <a:latin typeface="標楷體" pitchFamily="65" charset="-120"/>
-                <a:ea typeface="標楷體" pitchFamily="65" charset="-120"/>
-                <a:cs typeface="Tahoma" pitchFamily="34" charset="0"/>
-              </a:rPr>
-              <a:t>擁抱</a:t>
-            </a:r>
-            <a:endParaRPr lang="en-US" altLang="zh-CN" sz="6600" b="1" dirty="0" smtClean="0">
-              <a:solidFill>
-                <a:srgbClr val="C00000"/>
-              </a:solidFill>
-              <a:effectLst>
-                <a:outerShdw blurRad="38100" dist="38100" dir="2700000" algn="tl">
-                  <a:srgbClr val="000000">
-                    <a:alpha val="43137"/>
-                  </a:srgbClr>
-                </a:outerShdw>
-              </a:effectLst>
-              <a:latin typeface="標楷體" pitchFamily="65" charset="-120"/>
-              <a:ea typeface="標楷體" pitchFamily="65" charset="-120"/>
-              <a:cs typeface="Tahoma" pitchFamily="34" charset="0"/>
-            </a:endParaRPr>
-          </a:p>
-          <a:p>
-            <a:r>
-              <a:rPr lang="en-US" altLang="zh-TW" sz="4000" dirty="0" err="1" smtClean="0">
-                <a:solidFill>
-                  <a:srgbClr val="002060"/>
-                </a:solidFill>
-                <a:latin typeface="Tahoma" pitchFamily="34" charset="0"/>
-                <a:ea typeface="Tahoma" pitchFamily="34" charset="0"/>
-                <a:cs typeface="Tahoma" pitchFamily="34" charset="0"/>
-              </a:rPr>
-              <a:t>yǒng</a:t>
-            </a:r>
-            <a:r>
-              <a:rPr lang="en-US" altLang="zh-TW" sz="4000" dirty="0" smtClean="0">
-                <a:solidFill>
-                  <a:srgbClr val="002060"/>
-                </a:solidFill>
-                <a:latin typeface="Tahoma" pitchFamily="34" charset="0"/>
-                <a:ea typeface="Tahoma" pitchFamily="34" charset="0"/>
-                <a:cs typeface="Tahoma" pitchFamily="34" charset="0"/>
-              </a:rPr>
-              <a:t> </a:t>
-            </a:r>
-            <a:r>
-              <a:rPr lang="en-US" altLang="zh-TW" sz="4000" dirty="0" err="1" smtClean="0">
-                <a:solidFill>
-                  <a:srgbClr val="002060"/>
-                </a:solidFill>
-                <a:latin typeface="Tahoma" pitchFamily="34" charset="0"/>
-                <a:ea typeface="Tahoma" pitchFamily="34" charset="0"/>
-                <a:cs typeface="Tahoma" pitchFamily="34" charset="0"/>
-              </a:rPr>
-              <a:t>bào</a:t>
-            </a:r>
-            <a:endParaRPr lang="en-US" altLang="zh-TW" sz="4000" dirty="0" smtClean="0">
-              <a:solidFill>
-                <a:srgbClr val="002060"/>
-              </a:solidFill>
-              <a:latin typeface="Tahoma" pitchFamily="34" charset="0"/>
-              <a:ea typeface="Tahoma" pitchFamily="34" charset="0"/>
-              <a:cs typeface="Tahoma" pitchFamily="34" charset="0"/>
-            </a:endParaRPr>
-          </a:p>
-          <a:p>
-            <a:r>
-              <a:rPr lang="zh-CN" altLang="en-US" sz="6600" b="1" dirty="0" smtClean="0">
-                <a:solidFill>
-                  <a:srgbClr val="C00000"/>
-                </a:solidFill>
-                <a:effectLst>
-                  <a:outerShdw blurRad="38100" dist="38100" dir="2700000" algn="tl">
-                    <a:srgbClr val="000000">
-                      <a:alpha val="43137"/>
-                    </a:srgbClr>
-                  </a:outerShdw>
-                </a:effectLst>
-                <a:latin typeface="標楷體" pitchFamily="65" charset="-120"/>
-                <a:ea typeface="標楷體" pitchFamily="65" charset="-120"/>
-                <a:cs typeface="Tahoma" pitchFamily="34" charset="0"/>
-              </a:rPr>
-              <a:t>這</a:t>
-            </a:r>
-            <a:endParaRPr lang="en-US" altLang="zh-CN" sz="6600" b="1" dirty="0" smtClean="0">
-              <a:solidFill>
-                <a:srgbClr val="C00000"/>
-              </a:solidFill>
-              <a:effectLst>
-                <a:outerShdw blurRad="38100" dist="38100" dir="2700000" algn="tl">
-                  <a:srgbClr val="000000">
-                    <a:alpha val="43137"/>
-                  </a:srgbClr>
-                </a:outerShdw>
-              </a:effectLst>
-              <a:latin typeface="標楷體" pitchFamily="65" charset="-120"/>
-              <a:ea typeface="標楷體" pitchFamily="65" charset="-120"/>
-              <a:cs typeface="Tahoma" pitchFamily="34" charset="0"/>
-            </a:endParaRPr>
-          </a:p>
-          <a:p>
-            <a:r>
-              <a:rPr lang="en-US" altLang="zh-TW" sz="4000" dirty="0" err="1" smtClean="0">
-                <a:solidFill>
-                  <a:srgbClr val="002060"/>
-                </a:solidFill>
-                <a:latin typeface="Tahoma" pitchFamily="34" charset="0"/>
-                <a:ea typeface="Tahoma" pitchFamily="34" charset="0"/>
-                <a:cs typeface="Tahoma" pitchFamily="34" charset="0"/>
-              </a:rPr>
-              <a:t>Zhè</a:t>
-            </a:r>
-            <a:endParaRPr lang="en-US" altLang="zh-TW" sz="4000" dirty="0" smtClean="0">
-              <a:solidFill>
-                <a:srgbClr val="002060"/>
-              </a:solidFill>
-              <a:latin typeface="Tahoma" pitchFamily="34" charset="0"/>
-              <a:ea typeface="Tahoma" pitchFamily="34" charset="0"/>
-              <a:cs typeface="Tahoma" pitchFamily="34" charset="0"/>
-            </a:endParaRPr>
-          </a:p>
-          <a:p>
-            <a:r>
-              <a:rPr lang="zh-CN" altLang="en-US" sz="6600" b="1" dirty="0" smtClean="0">
-                <a:solidFill>
-                  <a:srgbClr val="C00000"/>
-                </a:solidFill>
-                <a:effectLst>
-                  <a:outerShdw blurRad="38100" dist="38100" dir="2700000" algn="tl">
-                    <a:srgbClr val="000000">
-                      <a:alpha val="43137"/>
-                    </a:srgbClr>
-                  </a:outerShdw>
-                </a:effectLst>
-                <a:latin typeface="標楷體" pitchFamily="65" charset="-120"/>
-                <a:ea typeface="標楷體" pitchFamily="65" charset="-120"/>
-                <a:cs typeface="Tahoma" pitchFamily="34" charset="0"/>
-              </a:rPr>
-              <a:t>世界</a:t>
-            </a:r>
-            <a:endParaRPr lang="en-US" altLang="zh-CN" sz="6600" b="1" dirty="0" smtClean="0">
-              <a:solidFill>
-                <a:srgbClr val="C00000"/>
-              </a:solidFill>
-              <a:effectLst>
-                <a:outerShdw blurRad="38100" dist="38100" dir="2700000" algn="tl">
-                  <a:srgbClr val="000000">
-                    <a:alpha val="43137"/>
-                  </a:srgbClr>
-                </a:outerShdw>
-              </a:effectLst>
-              <a:latin typeface="標楷體" pitchFamily="65" charset="-120"/>
-              <a:ea typeface="標楷體" pitchFamily="65" charset="-120"/>
-              <a:cs typeface="Tahoma" pitchFamily="34" charset="0"/>
-            </a:endParaRPr>
-          </a:p>
-          <a:p>
-            <a:r>
-              <a:rPr lang="en-US" altLang="zh-TW" sz="4000" dirty="0" err="1" smtClean="0">
-                <a:solidFill>
-                  <a:srgbClr val="002060"/>
-                </a:solidFill>
-                <a:latin typeface="Tahoma" pitchFamily="34" charset="0"/>
-                <a:ea typeface="Tahoma" pitchFamily="34" charset="0"/>
-                <a:cs typeface="Tahoma" pitchFamily="34" charset="0"/>
-              </a:rPr>
-              <a:t>shì</a:t>
-            </a:r>
-            <a:r>
-              <a:rPr lang="en-US" altLang="zh-TW" sz="4000" dirty="0" smtClean="0">
-                <a:solidFill>
-                  <a:srgbClr val="002060"/>
-                </a:solidFill>
-                <a:latin typeface="Tahoma" pitchFamily="34" charset="0"/>
-                <a:ea typeface="Tahoma" pitchFamily="34" charset="0"/>
-                <a:cs typeface="Tahoma" pitchFamily="34" charset="0"/>
-              </a:rPr>
-              <a:t>  </a:t>
-            </a:r>
-            <a:r>
-              <a:rPr lang="en-US" altLang="zh-TW" sz="4000" dirty="0" err="1" smtClean="0">
-                <a:solidFill>
-                  <a:srgbClr val="002060"/>
-                </a:solidFill>
-                <a:latin typeface="Tahoma" pitchFamily="34" charset="0"/>
-                <a:ea typeface="Tahoma" pitchFamily="34" charset="0"/>
-                <a:cs typeface="Tahoma" pitchFamily="34" charset="0"/>
-              </a:rPr>
-              <a:t>jiè</a:t>
-            </a:r>
-            <a:endParaRPr lang="en-US" altLang="zh-CN" sz="4000" dirty="0" err="1" smtClean="0">
-              <a:solidFill>
-                <a:srgbClr val="002060"/>
-              </a:solidFill>
-              <a:latin typeface="Tahoma" pitchFamily="34" charset="0"/>
-              <a:ea typeface="Tahoma" pitchFamily="34" charset="0"/>
-              <a:cs typeface="Tahoma" pitchFamily="34" charset="0"/>
-            </a:endParaRPr>
-          </a:p>
         </p:txBody>
       </p:sp>
     </p:spTree>
     <p:extLst>
       <p:ext uri="{BB962C8B-B14F-4D97-AF65-F5344CB8AC3E}">
-        <p14:creationId xmlns:p14="http://schemas.microsoft.com/office/powerpoint/2010/main" xmlns="" val="1085457488"/>
+        <p14:creationId xmlns="" xmlns:p14="http://schemas.microsoft.com/office/powerpoint/2010/main" val="229611767"/>
       </p:ext>
     </p:extLst>
   </p:cSld>
@@ -8855,7 +8799,7 @@
           <a:blip r:embed="rId2">
             <a:extLst>
               <a:ext uri="{28A0092B-C50C-407E-A947-70E740481C1C}">
-                <a14:useLocalDpi xmlns:a14="http://schemas.microsoft.com/office/drawing/2010/main" xmlns="" val="0"/>
+                <a14:useLocalDpi xmlns="" xmlns:a14="http://schemas.microsoft.com/office/drawing/2010/main" val="0"/>
               </a:ext>
             </a:extLst>
           </a:blip>
@@ -8866,7 +8810,7 @@
         </p:blipFill>
         <p:spPr bwMode="auto">
           <a:xfrm>
-            <a:off x="0" y="-27384"/>
+            <a:off x="-17687" y="-27384"/>
             <a:ext cx="9175785" cy="6885384"/>
           </a:xfrm>
           <a:prstGeom prst="rect">
@@ -8875,7 +8819,7 @@
           <a:noFill/>
           <a:extLst>
             <a:ext uri="{909E8E84-426E-40DD-AFC4-6F175D3DCCD1}">
-              <a14:hiddenFill xmlns:a14="http://schemas.microsoft.com/office/drawing/2010/main" xmlns="">
+              <a14:hiddenFill xmlns="" xmlns:a14="http://schemas.microsoft.com/office/drawing/2010/main">
                 <a:solidFill>
                   <a:srgbClr val="FFFFFF"/>
                 </a:solidFill>
@@ -8896,8 +8840,8 @@
         </p:nvSpPr>
         <p:spPr>
           <a:xfrm>
-            <a:off x="519440" y="751012"/>
-            <a:ext cx="8136904" cy="5328592"/>
+            <a:off x="393741" y="823020"/>
+            <a:ext cx="8352928" cy="5184576"/>
           </a:xfrm>
         </p:spPr>
         <p:txBody>
@@ -8906,7 +8850,7 @@
           </a:bodyPr>
           <a:lstStyle/>
           <a:p>
-            <a:pPr algn="l" fontAlgn="base"/>
+            <a:pPr algn="l"/>
             <a:r>
               <a:rPr lang="zh-TW" altLang="en-US" sz="4800" b="1" dirty="0">
                 <a:solidFill>
@@ -8915,7 +8859,7 @@
                 <a:latin typeface="Adobe 楷体 Std R" pitchFamily="18" charset="-128"/>
                 <a:ea typeface="Adobe 楷体 Std R" pitchFamily="18" charset="-128"/>
               </a:rPr>
-              <a:t>我</a:t>
+              <a:t>媽媽的愛是我的</a:t>
             </a:r>
             <a:r>
               <a:rPr lang="zh-TW" altLang="en-US" sz="4800" b="1" dirty="0" smtClean="0">
@@ -8925,17 +8869,7 @@
                 <a:latin typeface="Adobe 楷体 Std R" pitchFamily="18" charset="-128"/>
                 <a:ea typeface="Adobe 楷体 Std R" pitchFamily="18" charset="-128"/>
               </a:rPr>
-              <a:t>一步一步 向  前</a:t>
-            </a:r>
-            <a:r>
-              <a:rPr lang="zh-TW" altLang="en-US" sz="4800" b="1" dirty="0">
-                <a:solidFill>
-                  <a:srgbClr val="C00000"/>
-                </a:solidFill>
-                <a:latin typeface="Adobe 楷体 Std R" pitchFamily="18" charset="-128"/>
-                <a:ea typeface="Adobe 楷体 Std R" pitchFamily="18" charset="-128"/>
-              </a:rPr>
-              <a:t>走</a:t>
+              <a:t>翅 膀</a:t>
             </a:r>
             <a:endParaRPr lang="en-US" altLang="zh-TW" sz="4800" b="1" dirty="0">
               <a:solidFill>
@@ -8946,7 +8880,51 @@
             </a:endParaRPr>
           </a:p>
           <a:p>
-            <a:pPr algn="l" fontAlgn="base"/>
+            <a:pPr algn="l"/>
+            <a:r>
+              <a:rPr lang="en-US" altLang="zh-TW" sz="2800" dirty="0" err="1" smtClean="0">
+                <a:solidFill>
+                  <a:srgbClr val="002060"/>
+                </a:solidFill>
+                <a:latin typeface="Tahoma" pitchFamily="34" charset="0"/>
+                <a:ea typeface="Tahoma" pitchFamily="34" charset="0"/>
+                <a:cs typeface="Tahoma" pitchFamily="34" charset="0"/>
+              </a:rPr>
+              <a:t>Mā</a:t>
+            </a:r>
+            <a:r>
+              <a:rPr lang="en-US" altLang="zh-TW" sz="2800" dirty="0" smtClean="0">
+                <a:solidFill>
+                  <a:srgbClr val="002060"/>
+                </a:solidFill>
+                <a:latin typeface="Tahoma" pitchFamily="34" charset="0"/>
+                <a:ea typeface="Tahoma" pitchFamily="34" charset="0"/>
+                <a:cs typeface="Tahoma" pitchFamily="34" charset="0"/>
+              </a:rPr>
+              <a:t>  </a:t>
+            </a:r>
+            <a:r>
+              <a:rPr lang="en-US" altLang="zh-TW" sz="2800" dirty="0" err="1" smtClean="0">
+                <a:solidFill>
+                  <a:srgbClr val="002060"/>
+                </a:solidFill>
+                <a:latin typeface="Tahoma" pitchFamily="34" charset="0"/>
+                <a:ea typeface="Tahoma" pitchFamily="34" charset="0"/>
+                <a:cs typeface="Tahoma" pitchFamily="34" charset="0"/>
+              </a:rPr>
+              <a:t>mā</a:t>
+            </a:r>
+            <a:r>
+              <a:rPr lang="en-US" altLang="zh-TW" sz="2800" dirty="0" smtClean="0">
+                <a:solidFill>
+                  <a:srgbClr val="002060"/>
+                </a:solidFill>
+                <a:latin typeface="Tahoma" pitchFamily="34" charset="0"/>
+                <a:ea typeface="Tahoma" pitchFamily="34" charset="0"/>
+                <a:cs typeface="Tahoma" pitchFamily="34" charset="0"/>
+              </a:rPr>
+              <a:t> de    </a:t>
+            </a:r>
             <a:r>
               <a:rPr lang="en-US" altLang="zh-TW" sz="2800" dirty="0" err="1">
                 <a:solidFill>
@@ -8956,7 +8934,7 @@
                 <a:ea typeface="Tahoma" pitchFamily="34" charset="0"/>
                 <a:cs typeface="Tahoma" pitchFamily="34" charset="0"/>
               </a:rPr>
-              <a:t>Wǒ</a:t>
+              <a:t>ài</a:t>
             </a:r>
             <a:r>
               <a:rPr lang="en-US" altLang="zh-TW" sz="2800" dirty="0">
@@ -8970,6 +8948,17 @@
               <a:t> </a:t>
             </a:r>
             <a:r>
+              <a:rPr lang="en-US" altLang="zh-TW" sz="2800" dirty="0" err="1" smtClean="0">
+                <a:solidFill>
+                  <a:srgbClr val="002060"/>
+                </a:solidFill>
+                <a:latin typeface="Tahoma" pitchFamily="34" charset="0"/>
+                <a:ea typeface="Tahoma" pitchFamily="34" charset="0"/>
+                <a:cs typeface="Tahoma" pitchFamily="34" charset="0"/>
+              </a:rPr>
+              <a:t>shì</a:t>
+            </a:r>
+            <a:r>
               <a:rPr lang="en-US" altLang="zh-TW" sz="2800" dirty="0" smtClean="0">
                 <a:solidFill>
                   <a:srgbClr val="002060"/>
@@ -8981,6 +8970,39 @@
               <a:t>  </a:t>
             </a:r>
             <a:r>
+              <a:rPr lang="en-US" altLang="zh-TW" sz="2800" dirty="0" err="1">
+                <a:solidFill>
+                  <a:srgbClr val="002060"/>
+                </a:solidFill>
+                <a:latin typeface="Tahoma" pitchFamily="34" charset="0"/>
+                <a:ea typeface="Tahoma" pitchFamily="34" charset="0"/>
+                <a:cs typeface="Tahoma" pitchFamily="34" charset="0"/>
+              </a:rPr>
+              <a:t>wǒ</a:t>
+            </a:r>
+            <a:r>
+              <a:rPr lang="en-US" altLang="zh-TW" sz="2800" dirty="0">
+                <a:solidFill>
+                  <a:srgbClr val="002060"/>
+                </a:solidFill>
+                <a:latin typeface="Tahoma" pitchFamily="34" charset="0"/>
+                <a:ea typeface="Tahoma" pitchFamily="34" charset="0"/>
+                <a:cs typeface="Tahoma" pitchFamily="34" charset="0"/>
+              </a:rPr>
+              <a:t> </a:t>
+            </a:r>
+            <a:r>
+              <a:rPr lang="en-US" altLang="zh-TW" sz="2800" dirty="0" smtClean="0">
+                <a:solidFill>
+                  <a:srgbClr val="002060"/>
+                </a:solidFill>
+                <a:latin typeface="Tahoma" pitchFamily="34" charset="0"/>
+                <a:ea typeface="Tahoma" pitchFamily="34" charset="0"/>
+                <a:cs typeface="Tahoma" pitchFamily="34" charset="0"/>
+              </a:rPr>
+              <a:t> de  </a:t>
+            </a:r>
+            <a:r>
               <a:rPr lang="en-US" altLang="zh-TW" sz="2800" dirty="0" err="1" smtClean="0">
                 <a:solidFill>
                   <a:srgbClr val="002060"/>
@@ -8989,7 +9011,7 @@
                 <a:ea typeface="Tahoma" pitchFamily="34" charset="0"/>
                 <a:cs typeface="Tahoma" pitchFamily="34" charset="0"/>
               </a:rPr>
-              <a:t>yī</a:t>
+              <a:t>chì</a:t>
             </a:r>
             <a:r>
               <a:rPr lang="en-US" altLang="zh-TW" sz="2800" dirty="0" smtClean="0">
@@ -9000,7 +9022,7 @@
                 <a:ea typeface="Tahoma" pitchFamily="34" charset="0"/>
                 <a:cs typeface="Tahoma" pitchFamily="34" charset="0"/>
               </a:rPr>
-              <a:t>  </a:t>
+              <a:t> </a:t>
             </a:r>
             <a:r>
               <a:rPr lang="en-US" altLang="zh-TW" sz="2800" dirty="0" err="1" smtClean="0">
@@ -9011,120 +9033,10 @@
                 <a:ea typeface="Tahoma" pitchFamily="34" charset="0"/>
                 <a:cs typeface="Tahoma" pitchFamily="34" charset="0"/>
               </a:rPr>
-              <a:t>bù</a:t>
-            </a:r>
-            <a:r>
-              <a:rPr lang="en-US" altLang="zh-TW" sz="2800" dirty="0" smtClean="0">
-                <a:solidFill>
-                  <a:srgbClr val="002060"/>
-                </a:solidFill>
-                <a:latin typeface="Tahoma" pitchFamily="34" charset="0"/>
-                <a:ea typeface="Tahoma" pitchFamily="34" charset="0"/>
-                <a:cs typeface="Tahoma" pitchFamily="34" charset="0"/>
-              </a:rPr>
-              <a:t>   </a:t>
-            </a:r>
-            <a:r>
-              <a:rPr lang="en-US" altLang="zh-TW" sz="2800" dirty="0" err="1" smtClean="0">
-                <a:solidFill>
-                  <a:srgbClr val="002060"/>
-                </a:solidFill>
-                <a:latin typeface="Tahoma" pitchFamily="34" charset="0"/>
-                <a:ea typeface="Tahoma" pitchFamily="34" charset="0"/>
-                <a:cs typeface="Tahoma" pitchFamily="34" charset="0"/>
-              </a:rPr>
-              <a:t>yī</a:t>
-            </a:r>
-            <a:r>
-              <a:rPr lang="en-US" altLang="zh-TW" sz="2800" dirty="0" smtClean="0">
-                <a:solidFill>
-                  <a:srgbClr val="002060"/>
-                </a:solidFill>
-                <a:latin typeface="Tahoma" pitchFamily="34" charset="0"/>
-                <a:ea typeface="Tahoma" pitchFamily="34" charset="0"/>
-                <a:cs typeface="Tahoma" pitchFamily="34" charset="0"/>
-              </a:rPr>
-              <a:t>   </a:t>
-            </a:r>
-            <a:r>
-              <a:rPr lang="en-US" altLang="zh-TW" sz="2800" dirty="0" err="1" smtClean="0">
-                <a:solidFill>
-                  <a:srgbClr val="002060"/>
-                </a:solidFill>
-                <a:latin typeface="Tahoma" pitchFamily="34" charset="0"/>
-                <a:ea typeface="Tahoma" pitchFamily="34" charset="0"/>
-                <a:cs typeface="Tahoma" pitchFamily="34" charset="0"/>
-              </a:rPr>
-              <a:t>bù</a:t>
-            </a:r>
-            <a:r>
-              <a:rPr lang="en-US" altLang="zh-TW" sz="2800" dirty="0" smtClean="0">
-                <a:solidFill>
-                  <a:srgbClr val="002060"/>
-                </a:solidFill>
-                <a:latin typeface="Tahoma" pitchFamily="34" charset="0"/>
-                <a:ea typeface="Tahoma" pitchFamily="34" charset="0"/>
-                <a:cs typeface="Tahoma" pitchFamily="34" charset="0"/>
-              </a:rPr>
-              <a:t> </a:t>
-            </a:r>
-            <a:r>
-              <a:rPr lang="en-US" altLang="zh-TW" sz="2800" dirty="0" err="1">
-                <a:solidFill>
-                  <a:srgbClr val="002060"/>
-                </a:solidFill>
-                <a:latin typeface="Tahoma" pitchFamily="34" charset="0"/>
-                <a:ea typeface="Tahoma" pitchFamily="34" charset="0"/>
-                <a:cs typeface="Tahoma" pitchFamily="34" charset="0"/>
-              </a:rPr>
-              <a:t>xiàng</a:t>
-            </a:r>
-            <a:r>
-              <a:rPr lang="en-US" altLang="zh-TW" sz="2800" dirty="0">
-                <a:solidFill>
-                  <a:srgbClr val="002060"/>
-                </a:solidFill>
-                <a:latin typeface="Tahoma" pitchFamily="34" charset="0"/>
-                <a:ea typeface="Tahoma" pitchFamily="34" charset="0"/>
-                <a:cs typeface="Tahoma" pitchFamily="34" charset="0"/>
-              </a:rPr>
-              <a:t> </a:t>
-            </a:r>
-            <a:r>
-              <a:rPr lang="en-US" altLang="zh-TW" sz="2800" dirty="0" err="1">
-                <a:solidFill>
-                  <a:srgbClr val="002060"/>
-                </a:solidFill>
-                <a:latin typeface="Tahoma" pitchFamily="34" charset="0"/>
-                <a:ea typeface="Tahoma" pitchFamily="34" charset="0"/>
-                <a:cs typeface="Tahoma" pitchFamily="34" charset="0"/>
-              </a:rPr>
-              <a:t>qián</a:t>
-            </a:r>
-            <a:r>
-              <a:rPr lang="en-US" altLang="zh-TW" sz="2800" dirty="0">
-                <a:solidFill>
-                  <a:srgbClr val="002060"/>
-                </a:solidFill>
-                <a:latin typeface="Tahoma" pitchFamily="34" charset="0"/>
-                <a:ea typeface="Tahoma" pitchFamily="34" charset="0"/>
-                <a:cs typeface="Tahoma" pitchFamily="34" charset="0"/>
-              </a:rPr>
-              <a:t> </a:t>
-            </a:r>
-            <a:r>
-              <a:rPr lang="en-US" altLang="zh-TW" sz="2800" dirty="0" err="1">
-                <a:solidFill>
-                  <a:srgbClr val="002060"/>
-                </a:solidFill>
-                <a:latin typeface="Tahoma" pitchFamily="34" charset="0"/>
-                <a:ea typeface="Tahoma" pitchFamily="34" charset="0"/>
-                <a:cs typeface="Tahoma" pitchFamily="34" charset="0"/>
-              </a:rPr>
-              <a:t>zǒu</a:t>
-            </a:r>
-            <a:r>
-              <a:rPr lang="zh-TW" altLang="en-US" sz="2400" b="1" dirty="0">
+              <a:t>bǎng</a:t>
+            </a:r>
+            <a:r>
+              <a:rPr lang="zh-TW" altLang="en-US" sz="2600" dirty="0">
                 <a:solidFill>
                   <a:srgbClr val="C00000"/>
                 </a:solidFill>
@@ -9135,7 +9047,7 @@
               <a:t/>
             </a:r>
             <a:br>
-              <a:rPr lang="zh-TW" altLang="en-US" sz="2400" b="1" dirty="0">
+              <a:rPr lang="zh-TW" altLang="en-US" sz="2600" dirty="0">
                 <a:solidFill>
                   <a:srgbClr val="C00000"/>
                 </a:solidFill>
@@ -9152,7 +9064,17 @@
                 <a:latin typeface="Adobe 楷体 Std R" pitchFamily="18" charset="-128"/>
                 <a:ea typeface="Adobe 楷体 Std R" pitchFamily="18" charset="-128"/>
               </a:rPr>
-              <a:t>謝謝你們的愛</a:t>
+              <a:t>爸爸的愛是我</a:t>
+            </a:r>
+            <a:r>
+              <a:rPr lang="zh-TW" altLang="en-US" sz="4800" b="1" dirty="0" smtClean="0">
+                <a:solidFill>
+                  <a:srgbClr val="C00000"/>
+                </a:solidFill>
+                <a:latin typeface="Adobe 楷体 Std R" pitchFamily="18" charset="-128"/>
+                <a:ea typeface="Adobe 楷体 Std R" pitchFamily="18" charset="-128"/>
+              </a:rPr>
+              <a:t>的  雙 臂</a:t>
             </a:r>
             <a:endParaRPr lang="en-US" altLang="zh-TW" sz="4800" b="1" dirty="0">
               <a:solidFill>
@@ -9163,7 +9085,18 @@
             </a:endParaRPr>
           </a:p>
           <a:p>
-            <a:pPr algn="l" fontAlgn="base"/>
+            <a:pPr algn="l"/>
+            <a:r>
+              <a:rPr lang="en-US" altLang="zh-TW" sz="2800" dirty="0" smtClean="0">
+                <a:solidFill>
+                  <a:srgbClr val="002060"/>
+                </a:solidFill>
+                <a:latin typeface="Tahoma" pitchFamily="34" charset="0"/>
+                <a:ea typeface="Tahoma" pitchFamily="34" charset="0"/>
+                <a:cs typeface="Tahoma" pitchFamily="34" charset="0"/>
+              </a:rPr>
+              <a:t>  </a:t>
+            </a:r>
             <a:r>
               <a:rPr lang="en-US" altLang="zh-TW" sz="2800" dirty="0" err="1" smtClean="0">
                 <a:solidFill>
@@ -9173,7 +9106,7 @@
                 <a:ea typeface="Tahoma" pitchFamily="34" charset="0"/>
                 <a:cs typeface="Tahoma" pitchFamily="34" charset="0"/>
               </a:rPr>
-              <a:t>Xiè</a:t>
+              <a:t>Bà</a:t>
             </a:r>
             <a:r>
               <a:rPr lang="en-US" altLang="zh-TW" sz="2800" dirty="0" smtClean="0">
@@ -9184,6 +9117,83 @@
                 <a:ea typeface="Tahoma" pitchFamily="34" charset="0"/>
                 <a:cs typeface="Tahoma" pitchFamily="34" charset="0"/>
               </a:rPr>
+              <a:t> </a:t>
+            </a:r>
+            <a:r>
+              <a:rPr lang="en-US" altLang="zh-TW" sz="2800" dirty="0" err="1" smtClean="0">
+                <a:solidFill>
+                  <a:srgbClr val="002060"/>
+                </a:solidFill>
+                <a:latin typeface="Tahoma" pitchFamily="34" charset="0"/>
+                <a:ea typeface="Tahoma" pitchFamily="34" charset="0"/>
+                <a:cs typeface="Tahoma" pitchFamily="34" charset="0"/>
+              </a:rPr>
+              <a:t>ba</a:t>
+            </a:r>
+            <a:r>
+              <a:rPr lang="en-US" altLang="zh-TW" sz="2800" dirty="0" smtClean="0">
+                <a:solidFill>
+                  <a:srgbClr val="002060"/>
+                </a:solidFill>
+                <a:latin typeface="Tahoma" pitchFamily="34" charset="0"/>
+                <a:ea typeface="Tahoma" pitchFamily="34" charset="0"/>
+                <a:cs typeface="Tahoma" pitchFamily="34" charset="0"/>
+              </a:rPr>
+              <a:t>  de   </a:t>
+            </a:r>
+            <a:r>
+              <a:rPr lang="en-US" altLang="zh-TW" sz="2800" dirty="0" err="1">
+                <a:solidFill>
+                  <a:srgbClr val="002060"/>
+                </a:solidFill>
+                <a:latin typeface="Tahoma" pitchFamily="34" charset="0"/>
+                <a:ea typeface="Tahoma" pitchFamily="34" charset="0"/>
+                <a:cs typeface="Tahoma" pitchFamily="34" charset="0"/>
+              </a:rPr>
+              <a:t>ài</a:t>
+            </a:r>
+            <a:r>
+              <a:rPr lang="en-US" altLang="zh-TW" sz="2800" dirty="0">
+                <a:solidFill>
+                  <a:srgbClr val="002060"/>
+                </a:solidFill>
+                <a:latin typeface="Tahoma" pitchFamily="34" charset="0"/>
+                <a:ea typeface="Tahoma" pitchFamily="34" charset="0"/>
+                <a:cs typeface="Tahoma" pitchFamily="34" charset="0"/>
+              </a:rPr>
+              <a:t> </a:t>
+            </a:r>
+            <a:r>
+              <a:rPr lang="en-US" altLang="zh-TW" sz="2800" dirty="0" smtClean="0">
+                <a:solidFill>
+                  <a:srgbClr val="002060"/>
+                </a:solidFill>
+                <a:latin typeface="Tahoma" pitchFamily="34" charset="0"/>
+                <a:ea typeface="Tahoma" pitchFamily="34" charset="0"/>
+                <a:cs typeface="Tahoma" pitchFamily="34" charset="0"/>
+              </a:rPr>
+              <a:t> </a:t>
+            </a:r>
+            <a:r>
+              <a:rPr lang="en-US" altLang="zh-TW" sz="2800" dirty="0" err="1" smtClean="0">
+                <a:solidFill>
+                  <a:srgbClr val="002060"/>
+                </a:solidFill>
+                <a:latin typeface="Tahoma" pitchFamily="34" charset="0"/>
+                <a:ea typeface="Tahoma" pitchFamily="34" charset="0"/>
+                <a:cs typeface="Tahoma" pitchFamily="34" charset="0"/>
+              </a:rPr>
+              <a:t>shì</a:t>
+            </a:r>
+            <a:r>
+              <a:rPr lang="en-US" altLang="zh-TW" sz="2800" dirty="0" smtClean="0">
+                <a:solidFill>
+                  <a:srgbClr val="002060"/>
+                </a:solidFill>
+                <a:latin typeface="Tahoma" pitchFamily="34" charset="0"/>
+                <a:ea typeface="Tahoma" pitchFamily="34" charset="0"/>
+                <a:cs typeface="Tahoma" pitchFamily="34" charset="0"/>
+              </a:rPr>
               <a:t>  </a:t>
             </a:r>
             <a:r>
@@ -9195,7 +9205,7 @@
                 <a:ea typeface="Tahoma" pitchFamily="34" charset="0"/>
                 <a:cs typeface="Tahoma" pitchFamily="34" charset="0"/>
               </a:rPr>
-              <a:t>xiè</a:t>
+              <a:t>wǒ</a:t>
             </a:r>
             <a:r>
               <a:rPr lang="en-US" altLang="zh-TW" sz="2800" dirty="0" smtClean="0">
@@ -9206,29 +9216,7 @@
                 <a:ea typeface="Tahoma" pitchFamily="34" charset="0"/>
                 <a:cs typeface="Tahoma" pitchFamily="34" charset="0"/>
               </a:rPr>
-              <a:t>  </a:t>
-            </a:r>
-            <a:r>
-              <a:rPr lang="en-US" altLang="zh-TW" sz="2800" dirty="0" err="1" smtClean="0">
-                <a:solidFill>
-                  <a:srgbClr val="002060"/>
-                </a:solidFill>
-                <a:latin typeface="Tahoma" pitchFamily="34" charset="0"/>
-                <a:ea typeface="Tahoma" pitchFamily="34" charset="0"/>
-                <a:cs typeface="Tahoma" pitchFamily="34" charset="0"/>
-              </a:rPr>
-              <a:t>nǐ</a:t>
-            </a:r>
-            <a:r>
-              <a:rPr lang="en-US" altLang="zh-TW" sz="2800" dirty="0" smtClean="0">
-                <a:solidFill>
-                  <a:srgbClr val="002060"/>
-                </a:solidFill>
-                <a:latin typeface="Tahoma" pitchFamily="34" charset="0"/>
-                <a:ea typeface="Tahoma" pitchFamily="34" charset="0"/>
-                <a:cs typeface="Tahoma" pitchFamily="34" charset="0"/>
-              </a:rPr>
-              <a:t>  men </a:t>
+              <a:t> </a:t>
             </a:r>
             <a:r>
               <a:rPr lang="en-US" altLang="zh-TW" sz="2800" dirty="0">
@@ -9250,34 +9238,56 @@
                 <a:ea typeface="Tahoma" pitchFamily="34" charset="0"/>
                 <a:cs typeface="Tahoma" pitchFamily="34" charset="0"/>
               </a:rPr>
-              <a:t>ài</a:t>
-            </a:r>
-            <a:r>
-              <a:rPr lang="zh-TW" altLang="en-US" dirty="0"/>
+              <a:t>shuāng</a:t>
+            </a:r>
+            <a:r>
+              <a:rPr lang="en-US" altLang="zh-TW" sz="2800" dirty="0">
+                <a:solidFill>
+                  <a:srgbClr val="002060"/>
+                </a:solidFill>
+                <a:latin typeface="Tahoma" pitchFamily="34" charset="0"/>
+                <a:ea typeface="Tahoma" pitchFamily="34" charset="0"/>
+                <a:cs typeface="Tahoma" pitchFamily="34" charset="0"/>
+              </a:rPr>
+              <a:t> </a:t>
+            </a:r>
+            <a:r>
+              <a:rPr lang="en-US" altLang="zh-TW" sz="2800" dirty="0" err="1">
+                <a:solidFill>
+                  <a:srgbClr val="002060"/>
+                </a:solidFill>
+                <a:latin typeface="Tahoma" pitchFamily="34" charset="0"/>
+                <a:ea typeface="Tahoma" pitchFamily="34" charset="0"/>
+                <a:cs typeface="Tahoma" pitchFamily="34" charset="0"/>
+              </a:rPr>
+              <a:t>bì</a:t>
+            </a:r>
+            <a:r>
+              <a:rPr lang="zh-TW" altLang="en-US" dirty="0" smtClean="0"/>
               <a:t/>
             </a:r>
             <a:br>
-              <a:rPr lang="zh-TW" altLang="en-US" dirty="0"/>
+              <a:rPr lang="zh-TW" altLang="en-US" dirty="0" smtClean="0"/>
             </a:br>
             <a:r>
-              <a:rPr lang="zh-TW" altLang="en-US" sz="4800" b="1" dirty="0">
+              <a:rPr lang="zh-TW" altLang="en-US" sz="4800" b="1" dirty="0" smtClean="0">
                 <a:solidFill>
                   <a:srgbClr val="C00000"/>
                 </a:solidFill>
                 <a:latin typeface="Adobe 楷体 Std R" pitchFamily="18" charset="-128"/>
                 <a:ea typeface="Adobe 楷体 Std R" pitchFamily="18" charset="-128"/>
               </a:rPr>
-              <a:t>回頭看著</a:t>
-            </a:r>
-            <a:r>
-              <a:rPr lang="zh-TW" altLang="en-US" sz="4800" b="1" dirty="0" smtClean="0">
+              <a:t>你們 教</a:t>
+            </a:r>
+            <a:r>
+              <a:rPr lang="zh-TW" altLang="en-US" sz="4800" b="1" dirty="0">
                 <a:solidFill>
                   <a:srgbClr val="C00000"/>
                 </a:solidFill>
                 <a:latin typeface="Adobe 楷体 Std R" pitchFamily="18" charset="-128"/>
                 <a:ea typeface="Adobe 楷体 Std R" pitchFamily="18" charset="-128"/>
               </a:rPr>
-              <a:t>你們  笑容</a:t>
+              <a:t>我學習付出</a:t>
             </a:r>
             <a:endParaRPr lang="en-US" altLang="zh-TW" sz="4800" b="1" dirty="0">
               <a:solidFill>
@@ -9288,7 +9298,18 @@
             </a:endParaRPr>
           </a:p>
           <a:p>
-            <a:pPr algn="l" fontAlgn="base"/>
+            <a:pPr algn="l"/>
+            <a:r>
+              <a:rPr lang="en-US" altLang="zh-TW" sz="2800" dirty="0" smtClean="0">
+                <a:solidFill>
+                  <a:srgbClr val="002060"/>
+                </a:solidFill>
+                <a:latin typeface="Tahoma" pitchFamily="34" charset="0"/>
+                <a:ea typeface="Tahoma" pitchFamily="34" charset="0"/>
+                <a:cs typeface="Tahoma" pitchFamily="34" charset="0"/>
+              </a:rPr>
+              <a:t> </a:t>
+            </a:r>
             <a:r>
               <a:rPr lang="en-US" altLang="zh-TW" sz="2800" dirty="0" err="1" smtClean="0">
                 <a:solidFill>
@@ -9298,7 +9319,7 @@
                 <a:ea typeface="Tahoma" pitchFamily="34" charset="0"/>
                 <a:cs typeface="Tahoma" pitchFamily="34" charset="0"/>
               </a:rPr>
-              <a:t>Huí</a:t>
+              <a:t>Nǐ</a:t>
             </a:r>
             <a:r>
               <a:rPr lang="en-US" altLang="zh-TW" sz="2800" dirty="0" smtClean="0">
@@ -9309,6 +9330,72 @@
                 <a:ea typeface="Tahoma" pitchFamily="34" charset="0"/>
                 <a:cs typeface="Tahoma" pitchFamily="34" charset="0"/>
               </a:rPr>
+              <a:t>  men </a:t>
+            </a:r>
+            <a:r>
+              <a:rPr lang="en-US" altLang="zh-TW" sz="2800" dirty="0" err="1">
+                <a:solidFill>
+                  <a:srgbClr val="002060"/>
+                </a:solidFill>
+                <a:latin typeface="Tahoma" pitchFamily="34" charset="0"/>
+                <a:ea typeface="Tahoma" pitchFamily="34" charset="0"/>
+                <a:cs typeface="Tahoma" pitchFamily="34" charset="0"/>
+              </a:rPr>
+              <a:t>jiào</a:t>
+            </a:r>
+            <a:r>
+              <a:rPr lang="en-US" altLang="zh-TW" sz="2800" dirty="0">
+                <a:solidFill>
+                  <a:srgbClr val="002060"/>
+                </a:solidFill>
+                <a:latin typeface="Tahoma" pitchFamily="34" charset="0"/>
+                <a:ea typeface="Tahoma" pitchFamily="34" charset="0"/>
+                <a:cs typeface="Tahoma" pitchFamily="34" charset="0"/>
+              </a:rPr>
+              <a:t> </a:t>
+            </a:r>
+            <a:r>
+              <a:rPr lang="en-US" altLang="zh-TW" sz="2800" dirty="0" err="1">
+                <a:solidFill>
+                  <a:srgbClr val="002060"/>
+                </a:solidFill>
+                <a:latin typeface="Tahoma" pitchFamily="34" charset="0"/>
+                <a:ea typeface="Tahoma" pitchFamily="34" charset="0"/>
+                <a:cs typeface="Tahoma" pitchFamily="34" charset="0"/>
+              </a:rPr>
+              <a:t>wǒ</a:t>
+            </a:r>
+            <a:r>
+              <a:rPr lang="en-US" altLang="zh-TW" sz="2800" dirty="0">
+                <a:solidFill>
+                  <a:srgbClr val="002060"/>
+                </a:solidFill>
+                <a:latin typeface="Tahoma" pitchFamily="34" charset="0"/>
+                <a:ea typeface="Tahoma" pitchFamily="34" charset="0"/>
+                <a:cs typeface="Tahoma" pitchFamily="34" charset="0"/>
+              </a:rPr>
+              <a:t> </a:t>
+            </a:r>
+            <a:r>
+              <a:rPr lang="en-US" altLang="zh-TW" sz="2800" dirty="0" err="1" smtClean="0">
+                <a:solidFill>
+                  <a:srgbClr val="002060"/>
+                </a:solidFill>
+                <a:latin typeface="Tahoma" pitchFamily="34" charset="0"/>
+                <a:ea typeface="Tahoma" pitchFamily="34" charset="0"/>
+                <a:cs typeface="Tahoma" pitchFamily="34" charset="0"/>
+              </a:rPr>
+              <a:t>xué</a:t>
+            </a:r>
+            <a:r>
+              <a:rPr lang="en-US" altLang="zh-TW" sz="2800" dirty="0" smtClean="0">
+                <a:solidFill>
+                  <a:srgbClr val="002060"/>
+                </a:solidFill>
+                <a:latin typeface="Tahoma" pitchFamily="34" charset="0"/>
+                <a:ea typeface="Tahoma" pitchFamily="34" charset="0"/>
+                <a:cs typeface="Tahoma" pitchFamily="34" charset="0"/>
+              </a:rPr>
               <a:t>  </a:t>
             </a:r>
             <a:r>
@@ -9320,7 +9407,7 @@
                 <a:ea typeface="Tahoma" pitchFamily="34" charset="0"/>
                 <a:cs typeface="Tahoma" pitchFamily="34" charset="0"/>
               </a:rPr>
-              <a:t>tóu</a:t>
+              <a:t>xí</a:t>
             </a:r>
             <a:r>
               <a:rPr lang="en-US" altLang="zh-TW" sz="2800" dirty="0" smtClean="0">
@@ -9331,7 +9418,7 @@
                 <a:ea typeface="Tahoma" pitchFamily="34" charset="0"/>
                 <a:cs typeface="Tahoma" pitchFamily="34" charset="0"/>
               </a:rPr>
-              <a:t> </a:t>
+              <a:t>  </a:t>
             </a:r>
             <a:r>
               <a:rPr lang="en-US" altLang="zh-TW" sz="2800" dirty="0" err="1" smtClean="0">
@@ -9342,7 +9429,7 @@
                 <a:ea typeface="Tahoma" pitchFamily="34" charset="0"/>
                 <a:cs typeface="Tahoma" pitchFamily="34" charset="0"/>
               </a:rPr>
-              <a:t>kàn</a:t>
+              <a:t>fù</a:t>
             </a:r>
             <a:r>
               <a:rPr lang="en-US" altLang="zh-TW" sz="2800" dirty="0" smtClean="0">
@@ -9353,7 +9440,7 @@
                 <a:ea typeface="Tahoma" pitchFamily="34" charset="0"/>
                 <a:cs typeface="Tahoma" pitchFamily="34" charset="0"/>
               </a:rPr>
-              <a:t> </a:t>
+              <a:t>  </a:t>
             </a:r>
             <a:r>
               <a:rPr lang="en-US" altLang="zh-TW" sz="2800" dirty="0" err="1" smtClean="0">
@@ -9364,76 +9451,10 @@
                 <a:ea typeface="Tahoma" pitchFamily="34" charset="0"/>
                 <a:cs typeface="Tahoma" pitchFamily="34" charset="0"/>
               </a:rPr>
-              <a:t>zhe</a:t>
-            </a:r>
-            <a:r>
-              <a:rPr lang="en-US" altLang="zh-TW" sz="2800" dirty="0" smtClean="0">
-                <a:solidFill>
-                  <a:srgbClr val="002060"/>
-                </a:solidFill>
-                <a:latin typeface="Tahoma" pitchFamily="34" charset="0"/>
-                <a:ea typeface="Tahoma" pitchFamily="34" charset="0"/>
-                <a:cs typeface="Tahoma" pitchFamily="34" charset="0"/>
-              </a:rPr>
-              <a:t> </a:t>
-            </a:r>
-            <a:r>
-              <a:rPr lang="en-US" altLang="zh-TW" sz="2800" dirty="0" err="1" smtClean="0">
-                <a:solidFill>
-                  <a:srgbClr val="002060"/>
-                </a:solidFill>
-                <a:latin typeface="Tahoma" pitchFamily="34" charset="0"/>
-                <a:ea typeface="Tahoma" pitchFamily="34" charset="0"/>
-                <a:cs typeface="Tahoma" pitchFamily="34" charset="0"/>
-              </a:rPr>
-              <a:t>nǐ</a:t>
-            </a:r>
-            <a:r>
-              <a:rPr lang="en-US" altLang="zh-TW" sz="2800" dirty="0" smtClean="0">
-                <a:solidFill>
-                  <a:srgbClr val="002060"/>
-                </a:solidFill>
-                <a:latin typeface="Tahoma" pitchFamily="34" charset="0"/>
-                <a:ea typeface="Tahoma" pitchFamily="34" charset="0"/>
-                <a:cs typeface="Tahoma" pitchFamily="34" charset="0"/>
-              </a:rPr>
-              <a:t> men </a:t>
-            </a:r>
-            <a:r>
-              <a:rPr lang="en-US" altLang="zh-TW" sz="2800" dirty="0" err="1" smtClean="0">
-                <a:solidFill>
-                  <a:srgbClr val="002060"/>
-                </a:solidFill>
-                <a:latin typeface="Tahoma" pitchFamily="34" charset="0"/>
-                <a:ea typeface="Tahoma" pitchFamily="34" charset="0"/>
-                <a:cs typeface="Tahoma" pitchFamily="34" charset="0"/>
-              </a:rPr>
-              <a:t>xiào</a:t>
-            </a:r>
-            <a:r>
-              <a:rPr lang="en-US" altLang="zh-TW" sz="2800" dirty="0" smtClean="0">
-                <a:solidFill>
-                  <a:srgbClr val="002060"/>
-                </a:solidFill>
-                <a:latin typeface="Tahoma" pitchFamily="34" charset="0"/>
-                <a:ea typeface="Tahoma" pitchFamily="34" charset="0"/>
-                <a:cs typeface="Tahoma" pitchFamily="34" charset="0"/>
-              </a:rPr>
-              <a:t> </a:t>
-            </a:r>
-            <a:r>
-              <a:rPr lang="en-US" altLang="zh-TW" sz="2800" dirty="0" err="1" smtClean="0">
-                <a:solidFill>
-                  <a:srgbClr val="002060"/>
-                </a:solidFill>
-                <a:latin typeface="Tahoma" pitchFamily="34" charset="0"/>
-                <a:ea typeface="Tahoma" pitchFamily="34" charset="0"/>
-                <a:cs typeface="Tahoma" pitchFamily="34" charset="0"/>
-              </a:rPr>
-              <a:t>róng</a:t>
-            </a:r>
-            <a:r>
-              <a:rPr lang="zh-TW" altLang="en-US" sz="2400" b="1" dirty="0">
+              <a:t>chū</a:t>
+            </a:r>
+            <a:r>
+              <a:rPr lang="zh-TW" altLang="en-US" sz="2400" dirty="0">
                 <a:solidFill>
                   <a:srgbClr val="C00000"/>
                 </a:solidFill>
@@ -9444,7 +9465,7 @@
               <a:t/>
             </a:r>
             <a:br>
-              <a:rPr lang="zh-TW" altLang="en-US" sz="2400" b="1" dirty="0">
+              <a:rPr lang="zh-TW" altLang="en-US" sz="2400" dirty="0">
                 <a:solidFill>
                   <a:srgbClr val="C00000"/>
                 </a:solidFill>
@@ -9461,17 +9482,7 @@
                 <a:latin typeface="Adobe 楷体 Std R" pitchFamily="18" charset="-128"/>
                 <a:ea typeface="Adobe 楷体 Std R" pitchFamily="18" charset="-128"/>
               </a:rPr>
-              <a:t>用愛</a:t>
-            </a:r>
-            <a:r>
-              <a:rPr lang="zh-TW" altLang="en-US" sz="4800" b="1" dirty="0" smtClean="0">
-                <a:solidFill>
-                  <a:srgbClr val="C00000"/>
-                </a:solidFill>
-                <a:latin typeface="Adobe 楷体 Std R" pitchFamily="18" charset="-128"/>
-                <a:ea typeface="Adobe 楷体 Std R" pitchFamily="18" charset="-128"/>
-              </a:rPr>
-              <a:t>擁 抱 這世 界</a:t>
+              <a:t>教我要愛耶穌</a:t>
             </a:r>
             <a:endParaRPr lang="en-US" altLang="zh-TW" sz="4800" b="1" dirty="0">
               <a:solidFill>
@@ -9482,7 +9493,7 @@
             </a:endParaRPr>
           </a:p>
           <a:p>
-            <a:pPr algn="l" fontAlgn="base"/>
+            <a:pPr algn="l"/>
             <a:r>
               <a:rPr lang="en-US" altLang="zh-TW" sz="2800" dirty="0" err="1">
                 <a:solidFill>
@@ -9492,7 +9503,7 @@
                 <a:ea typeface="Tahoma" pitchFamily="34" charset="0"/>
                 <a:cs typeface="Tahoma" pitchFamily="34" charset="0"/>
               </a:rPr>
-              <a:t>Yòng</a:t>
+              <a:t>Jiào</a:t>
             </a:r>
             <a:r>
               <a:rPr lang="en-US" altLang="zh-TW" sz="2800" dirty="0">
@@ -9514,18 +9525,73 @@
                 <a:ea typeface="Tahoma" pitchFamily="34" charset="0"/>
                 <a:cs typeface="Tahoma" pitchFamily="34" charset="0"/>
               </a:rPr>
+              <a:t>wǒ</a:t>
+            </a:r>
+            <a:r>
+              <a:rPr lang="en-US" altLang="zh-TW" sz="2800" dirty="0">
+                <a:solidFill>
+                  <a:srgbClr val="002060"/>
+                </a:solidFill>
+                <a:latin typeface="Tahoma" pitchFamily="34" charset="0"/>
+                <a:ea typeface="Tahoma" pitchFamily="34" charset="0"/>
+                <a:cs typeface="Tahoma" pitchFamily="34" charset="0"/>
+              </a:rPr>
+              <a:t> </a:t>
+            </a:r>
+            <a:r>
+              <a:rPr lang="en-US" altLang="zh-TW" sz="2800" dirty="0" err="1">
+                <a:solidFill>
+                  <a:srgbClr val="002060"/>
+                </a:solidFill>
+                <a:latin typeface="Tahoma" pitchFamily="34" charset="0"/>
+                <a:ea typeface="Tahoma" pitchFamily="34" charset="0"/>
+                <a:cs typeface="Tahoma" pitchFamily="34" charset="0"/>
+              </a:rPr>
+              <a:t>yào</a:t>
+            </a:r>
+            <a:r>
+              <a:rPr lang="en-US" altLang="zh-TW" sz="2800" dirty="0">
+                <a:solidFill>
+                  <a:srgbClr val="002060"/>
+                </a:solidFill>
+                <a:latin typeface="Tahoma" pitchFamily="34" charset="0"/>
+                <a:ea typeface="Tahoma" pitchFamily="34" charset="0"/>
+                <a:cs typeface="Tahoma" pitchFamily="34" charset="0"/>
+              </a:rPr>
+              <a:t> </a:t>
+            </a:r>
+            <a:r>
+              <a:rPr lang="en-US" altLang="zh-TW" sz="2800" dirty="0" smtClean="0">
+                <a:solidFill>
+                  <a:srgbClr val="002060"/>
+                </a:solidFill>
+                <a:latin typeface="Tahoma" pitchFamily="34" charset="0"/>
+                <a:ea typeface="Tahoma" pitchFamily="34" charset="0"/>
+                <a:cs typeface="Tahoma" pitchFamily="34" charset="0"/>
+              </a:rPr>
+              <a:t> </a:t>
+            </a:r>
+            <a:r>
+              <a:rPr lang="en-US" altLang="zh-TW" sz="2800" dirty="0" err="1" smtClean="0">
+                <a:solidFill>
+                  <a:srgbClr val="002060"/>
+                </a:solidFill>
+                <a:latin typeface="Tahoma" pitchFamily="34" charset="0"/>
+                <a:ea typeface="Tahoma" pitchFamily="34" charset="0"/>
+                <a:cs typeface="Tahoma" pitchFamily="34" charset="0"/>
+              </a:rPr>
               <a:t>ài</a:t>
             </a:r>
             <a:r>
-              <a:rPr lang="en-US" altLang="zh-TW" sz="2800" dirty="0">
-                <a:solidFill>
-                  <a:srgbClr val="002060"/>
-                </a:solidFill>
-                <a:latin typeface="Tahoma" pitchFamily="34" charset="0"/>
-                <a:ea typeface="Tahoma" pitchFamily="34" charset="0"/>
-                <a:cs typeface="Tahoma" pitchFamily="34" charset="0"/>
-              </a:rPr>
-              <a:t> </a:t>
+              <a:rPr lang="en-US" altLang="zh-TW" sz="2800" dirty="0" smtClean="0">
+                <a:solidFill>
+                  <a:srgbClr val="002060"/>
+                </a:solidFill>
+                <a:latin typeface="Tahoma" pitchFamily="34" charset="0"/>
+                <a:ea typeface="Tahoma" pitchFamily="34" charset="0"/>
+                <a:cs typeface="Tahoma" pitchFamily="34" charset="0"/>
+              </a:rPr>
+              <a:t>   </a:t>
             </a:r>
             <a:r>
               <a:rPr lang="en-US" altLang="zh-TW" sz="2800" dirty="0" err="1" smtClean="0">
@@ -9536,7 +9602,7 @@
                 <a:ea typeface="Tahoma" pitchFamily="34" charset="0"/>
                 <a:cs typeface="Tahoma" pitchFamily="34" charset="0"/>
               </a:rPr>
-              <a:t>yǒng</a:t>
+              <a:t>yē</a:t>
             </a:r>
             <a:r>
               <a:rPr lang="en-US" altLang="zh-TW" sz="2800" dirty="0" smtClean="0">
@@ -9547,7 +9613,7 @@
                 <a:ea typeface="Tahoma" pitchFamily="34" charset="0"/>
                 <a:cs typeface="Tahoma" pitchFamily="34" charset="0"/>
               </a:rPr>
-              <a:t> </a:t>
+              <a:t>  </a:t>
             </a:r>
             <a:r>
               <a:rPr lang="en-US" altLang="zh-TW" sz="2800" dirty="0" err="1" smtClean="0">
@@ -9558,73 +9624,7 @@
                 <a:ea typeface="Tahoma" pitchFamily="34" charset="0"/>
                 <a:cs typeface="Tahoma" pitchFamily="34" charset="0"/>
               </a:rPr>
-              <a:t>bào</a:t>
-            </a:r>
-            <a:r>
-              <a:rPr lang="en-US" altLang="zh-TW" sz="2800" dirty="0" smtClean="0">
-                <a:solidFill>
-                  <a:srgbClr val="002060"/>
-                </a:solidFill>
-                <a:latin typeface="Tahoma" pitchFamily="34" charset="0"/>
-                <a:ea typeface="Tahoma" pitchFamily="34" charset="0"/>
-                <a:cs typeface="Tahoma" pitchFamily="34" charset="0"/>
-              </a:rPr>
-              <a:t> </a:t>
-            </a:r>
-            <a:r>
-              <a:rPr lang="en-US" altLang="zh-TW" sz="2800" dirty="0" err="1">
-                <a:solidFill>
-                  <a:srgbClr val="002060"/>
-                </a:solidFill>
-                <a:latin typeface="Tahoma" pitchFamily="34" charset="0"/>
-                <a:ea typeface="Tahoma" pitchFamily="34" charset="0"/>
-                <a:cs typeface="Tahoma" pitchFamily="34" charset="0"/>
-              </a:rPr>
-              <a:t>zhè</a:t>
-            </a:r>
-            <a:r>
-              <a:rPr lang="en-US" altLang="zh-TW" sz="2800" dirty="0">
-                <a:solidFill>
-                  <a:srgbClr val="002060"/>
-                </a:solidFill>
-                <a:latin typeface="Tahoma" pitchFamily="34" charset="0"/>
-                <a:ea typeface="Tahoma" pitchFamily="34" charset="0"/>
-                <a:cs typeface="Tahoma" pitchFamily="34" charset="0"/>
-              </a:rPr>
-              <a:t> </a:t>
-            </a:r>
-            <a:r>
-              <a:rPr lang="en-US" altLang="zh-TW" sz="2800" dirty="0" err="1" smtClean="0">
-                <a:solidFill>
-                  <a:srgbClr val="002060"/>
-                </a:solidFill>
-                <a:latin typeface="Tahoma" pitchFamily="34" charset="0"/>
-                <a:ea typeface="Tahoma" pitchFamily="34" charset="0"/>
-                <a:cs typeface="Tahoma" pitchFamily="34" charset="0"/>
-              </a:rPr>
-              <a:t>shì</a:t>
-            </a:r>
-            <a:r>
-              <a:rPr lang="en-US" altLang="zh-TW" sz="2800" dirty="0" smtClean="0">
-                <a:solidFill>
-                  <a:srgbClr val="002060"/>
-                </a:solidFill>
-                <a:latin typeface="Tahoma" pitchFamily="34" charset="0"/>
-                <a:ea typeface="Tahoma" pitchFamily="34" charset="0"/>
-                <a:cs typeface="Tahoma" pitchFamily="34" charset="0"/>
-              </a:rPr>
-              <a:t>  </a:t>
-            </a:r>
-            <a:r>
-              <a:rPr lang="en-US" altLang="zh-TW" sz="2800" dirty="0" err="1" smtClean="0">
-                <a:solidFill>
-                  <a:srgbClr val="002060"/>
-                </a:solidFill>
-                <a:latin typeface="Tahoma" pitchFamily="34" charset="0"/>
-                <a:ea typeface="Tahoma" pitchFamily="34" charset="0"/>
-                <a:cs typeface="Tahoma" pitchFamily="34" charset="0"/>
-              </a:rPr>
-              <a:t>jiè</a:t>
+              <a:t>sū</a:t>
             </a:r>
             <a:endParaRPr lang="zh-TW" altLang="en-US" sz="2800" dirty="0">
               <a:solidFill>
@@ -9640,7 +9640,7 @@
     </p:spTree>
     <p:extLst>
       <p:ext uri="{BB962C8B-B14F-4D97-AF65-F5344CB8AC3E}">
-        <p14:creationId xmlns:p14="http://schemas.microsoft.com/office/powerpoint/2010/main" xmlns="" val="3856569344"/>
+        <p14:creationId xmlns="" xmlns:p14="http://schemas.microsoft.com/office/powerpoint/2010/main" val="3856569344"/>
       </p:ext>
     </p:extLst>
   </p:cSld>
